--- a/instructors/slides-new-pptx/Git1.pptx
+++ b/instructors/slides-new-pptx/Git1.pptx
@@ -5,59 +5,56 @@
     <p:sldMasterId id="2147483648" r:id="rId1"/>
   </p:sldMasterIdLst>
   <p:notesMasterIdLst>
-    <p:notesMasterId r:id="rId52"/>
+    <p:notesMasterId r:id="rId49"/>
   </p:notesMasterIdLst>
   <p:sldIdLst>
     <p:sldId id="256" r:id="rId2"/>
-    <p:sldId id="326" r:id="rId3"/>
-    <p:sldId id="333" r:id="rId4"/>
-    <p:sldId id="339" r:id="rId5"/>
-    <p:sldId id="340" r:id="rId6"/>
-    <p:sldId id="335" r:id="rId7"/>
-    <p:sldId id="338" r:id="rId8"/>
-    <p:sldId id="334" r:id="rId9"/>
-    <p:sldId id="341" r:id="rId10"/>
-    <p:sldId id="374" r:id="rId11"/>
-    <p:sldId id="375" r:id="rId12"/>
-    <p:sldId id="376" r:id="rId13"/>
-    <p:sldId id="377" r:id="rId14"/>
-    <p:sldId id="337" r:id="rId15"/>
-    <p:sldId id="379" r:id="rId16"/>
-    <p:sldId id="380" r:id="rId17"/>
-    <p:sldId id="381" r:id="rId18"/>
-    <p:sldId id="383" r:id="rId19"/>
-    <p:sldId id="382" r:id="rId20"/>
-    <p:sldId id="384" r:id="rId21"/>
-    <p:sldId id="385" r:id="rId22"/>
-    <p:sldId id="378" r:id="rId23"/>
-    <p:sldId id="388" r:id="rId24"/>
-    <p:sldId id="387" r:id="rId25"/>
-    <p:sldId id="391" r:id="rId26"/>
-    <p:sldId id="386" r:id="rId27"/>
-    <p:sldId id="389" r:id="rId28"/>
-    <p:sldId id="390" r:id="rId29"/>
-    <p:sldId id="393" r:id="rId30"/>
-    <p:sldId id="392" r:id="rId31"/>
-    <p:sldId id="394" r:id="rId32"/>
-    <p:sldId id="398" r:id="rId33"/>
-    <p:sldId id="397" r:id="rId34"/>
-    <p:sldId id="395" r:id="rId35"/>
-    <p:sldId id="399" r:id="rId36"/>
-    <p:sldId id="402" r:id="rId37"/>
-    <p:sldId id="406" r:id="rId38"/>
-    <p:sldId id="416" r:id="rId39"/>
-    <p:sldId id="414" r:id="rId40"/>
-    <p:sldId id="396" r:id="rId41"/>
-    <p:sldId id="400" r:id="rId42"/>
-    <p:sldId id="401" r:id="rId43"/>
-    <p:sldId id="403" r:id="rId44"/>
-    <p:sldId id="405" r:id="rId45"/>
-    <p:sldId id="407" r:id="rId46"/>
-    <p:sldId id="409" r:id="rId47"/>
-    <p:sldId id="410" r:id="rId48"/>
-    <p:sldId id="411" r:id="rId49"/>
-    <p:sldId id="413" r:id="rId50"/>
-    <p:sldId id="412" r:id="rId51"/>
+    <p:sldId id="333" r:id="rId3"/>
+    <p:sldId id="339" r:id="rId4"/>
+    <p:sldId id="340" r:id="rId5"/>
+    <p:sldId id="335" r:id="rId6"/>
+    <p:sldId id="338" r:id="rId7"/>
+    <p:sldId id="334" r:id="rId8"/>
+    <p:sldId id="341" r:id="rId9"/>
+    <p:sldId id="374" r:id="rId10"/>
+    <p:sldId id="375" r:id="rId11"/>
+    <p:sldId id="376" r:id="rId12"/>
+    <p:sldId id="377" r:id="rId13"/>
+    <p:sldId id="337" r:id="rId14"/>
+    <p:sldId id="379" r:id="rId15"/>
+    <p:sldId id="380" r:id="rId16"/>
+    <p:sldId id="381" r:id="rId17"/>
+    <p:sldId id="383" r:id="rId18"/>
+    <p:sldId id="382" r:id="rId19"/>
+    <p:sldId id="384" r:id="rId20"/>
+    <p:sldId id="385" r:id="rId21"/>
+    <p:sldId id="378" r:id="rId22"/>
+    <p:sldId id="388" r:id="rId23"/>
+    <p:sldId id="387" r:id="rId24"/>
+    <p:sldId id="391" r:id="rId25"/>
+    <p:sldId id="386" r:id="rId26"/>
+    <p:sldId id="389" r:id="rId27"/>
+    <p:sldId id="390" r:id="rId28"/>
+    <p:sldId id="393" r:id="rId29"/>
+    <p:sldId id="392" r:id="rId30"/>
+    <p:sldId id="394" r:id="rId31"/>
+    <p:sldId id="398" r:id="rId32"/>
+    <p:sldId id="397" r:id="rId33"/>
+    <p:sldId id="395" r:id="rId34"/>
+    <p:sldId id="399" r:id="rId35"/>
+    <p:sldId id="402" r:id="rId36"/>
+    <p:sldId id="406" r:id="rId37"/>
+    <p:sldId id="416" r:id="rId38"/>
+    <p:sldId id="414" r:id="rId39"/>
+    <p:sldId id="396" r:id="rId40"/>
+    <p:sldId id="400" r:id="rId41"/>
+    <p:sldId id="401" r:id="rId42"/>
+    <p:sldId id="403" r:id="rId43"/>
+    <p:sldId id="405" r:id="rId44"/>
+    <p:sldId id="407" r:id="rId45"/>
+    <p:sldId id="409" r:id="rId46"/>
+    <p:sldId id="410" r:id="rId47"/>
+    <p:sldId id="411" r:id="rId48"/>
   </p:sldIdLst>
   <p:sldSz cx="12192000" cy="6858000"/>
   <p:notesSz cx="6858000" cy="9144000"/>
@@ -2661,7 +2658,7 @@
           <a:p>
             <a:fld id="{DB0822CF-44C7-4F54-8042-D2C639435B02}" type="datetimeFigureOut">
               <a:rPr lang="en-CA" smtClean="0"/>
-              <a:t>2024-02-06</a:t>
+              <a:t>2024-02-26</a:t>
             </a:fld>
             <a:endParaRPr lang="en-CA"/>
           </a:p>
@@ -3102,7 +3099,7 @@
           <a:p>
             <a:fld id="{E90DDB1C-9AD6-42C0-80A8-4585A70457A2}" type="slidenum">
               <a:rPr lang="en-CA" smtClean="0"/>
-              <a:t>23</a:t>
+              <a:t>22</a:t>
             </a:fld>
             <a:endParaRPr lang="en-CA"/>
           </a:p>
@@ -3210,7 +3207,7 @@
           <a:p>
             <a:fld id="{E90DDB1C-9AD6-42C0-80A8-4585A70457A2}" type="slidenum">
               <a:rPr lang="en-CA" smtClean="0"/>
-              <a:t>25</a:t>
+              <a:t>24</a:t>
             </a:fld>
             <a:endParaRPr lang="en-CA"/>
           </a:p>
@@ -3321,7 +3318,7 @@
           <a:p>
             <a:fld id="{E90DDB1C-9AD6-42C0-80A8-4585A70457A2}" type="slidenum">
               <a:rPr lang="en-CA" smtClean="0"/>
-              <a:t>28</a:t>
+              <a:t>27</a:t>
             </a:fld>
             <a:endParaRPr lang="en-CA"/>
           </a:p>
@@ -3429,7 +3426,7 @@
           <a:p>
             <a:fld id="{E90DDB1C-9AD6-42C0-80A8-4585A70457A2}" type="slidenum">
               <a:rPr lang="en-CA" smtClean="0"/>
-              <a:t>29</a:t>
+              <a:t>28</a:t>
             </a:fld>
             <a:endParaRPr lang="en-CA"/>
           </a:p>
@@ -3540,7 +3537,7 @@
           <a:p>
             <a:fld id="{E90DDB1C-9AD6-42C0-80A8-4585A70457A2}" type="slidenum">
               <a:rPr lang="en-CA" smtClean="0"/>
-              <a:t>31</a:t>
+              <a:t>30</a:t>
             </a:fld>
             <a:endParaRPr lang="en-CA"/>
           </a:p>
@@ -3648,7 +3645,7 @@
           <a:p>
             <a:fld id="{E90DDB1C-9AD6-42C0-80A8-4585A70457A2}" type="slidenum">
               <a:rPr lang="en-CA" smtClean="0"/>
-              <a:t>32</a:t>
+              <a:t>31</a:t>
             </a:fld>
             <a:endParaRPr lang="en-CA"/>
           </a:p>
@@ -3732,7 +3729,7 @@
           <a:p>
             <a:fld id="{E90DDB1C-9AD6-42C0-80A8-4585A70457A2}" type="slidenum">
               <a:rPr lang="en-CA" smtClean="0"/>
-              <a:t>35</a:t>
+              <a:t>34</a:t>
             </a:fld>
             <a:endParaRPr lang="en-CA"/>
           </a:p>
@@ -3816,7 +3813,7 @@
           <a:p>
             <a:fld id="{E90DDB1C-9AD6-42C0-80A8-4585A70457A2}" type="slidenum">
               <a:rPr lang="en-CA" smtClean="0"/>
-              <a:t>37</a:t>
+              <a:t>36</a:t>
             </a:fld>
             <a:endParaRPr lang="en-CA"/>
           </a:p>
@@ -3927,7 +3924,7 @@
           <a:p>
             <a:fld id="{E90DDB1C-9AD6-42C0-80A8-4585A70457A2}" type="slidenum">
               <a:rPr lang="en-CA" smtClean="0"/>
-              <a:t>38</a:t>
+              <a:t>37</a:t>
             </a:fld>
             <a:endParaRPr lang="en-CA"/>
           </a:p>
@@ -4035,7 +4032,7 @@
           <a:p>
             <a:fld id="{E90DDB1C-9AD6-42C0-80A8-4585A70457A2}" type="slidenum">
               <a:rPr lang="en-CA" smtClean="0"/>
-              <a:t>40</a:t>
+              <a:t>39</a:t>
             </a:fld>
             <a:endParaRPr lang="en-CA"/>
           </a:p>
@@ -4119,7 +4116,7 @@
           <a:p>
             <a:fld id="{E90DDB1C-9AD6-42C0-80A8-4585A70457A2}" type="slidenum">
               <a:rPr lang="en-CA" smtClean="0"/>
-              <a:t>3</a:t>
+              <a:t>2</a:t>
             </a:fld>
             <a:endParaRPr lang="en-CA"/>
           </a:p>
@@ -4230,7 +4227,7 @@
           <a:p>
             <a:fld id="{E90DDB1C-9AD6-42C0-80A8-4585A70457A2}" type="slidenum">
               <a:rPr lang="en-CA" smtClean="0"/>
-              <a:t>42</a:t>
+              <a:t>41</a:t>
             </a:fld>
             <a:endParaRPr lang="en-CA"/>
           </a:p>
@@ -4338,7 +4335,7 @@
           <a:p>
             <a:fld id="{E90DDB1C-9AD6-42C0-80A8-4585A70457A2}" type="slidenum">
               <a:rPr lang="en-CA" smtClean="0"/>
-              <a:t>43</a:t>
+              <a:t>42</a:t>
             </a:fld>
             <a:endParaRPr lang="en-CA"/>
           </a:p>
@@ -4449,7 +4446,7 @@
           <a:p>
             <a:fld id="{E90DDB1C-9AD6-42C0-80A8-4585A70457A2}" type="slidenum">
               <a:rPr lang="en-CA" smtClean="0"/>
-              <a:t>44</a:t>
+              <a:t>43</a:t>
             </a:fld>
             <a:endParaRPr lang="en-CA"/>
           </a:p>
@@ -4560,7 +4557,7 @@
           <a:p>
             <a:fld id="{E90DDB1C-9AD6-42C0-80A8-4585A70457A2}" type="slidenum">
               <a:rPr lang="en-CA" smtClean="0"/>
-              <a:t>46</a:t>
+              <a:t>45</a:t>
             </a:fld>
             <a:endParaRPr lang="en-CA"/>
           </a:p>
@@ -4668,7 +4665,7 @@
           <a:p>
             <a:fld id="{E90DDB1C-9AD6-42C0-80A8-4585A70457A2}" type="slidenum">
               <a:rPr lang="en-CA" smtClean="0"/>
-              <a:t>47</a:t>
+              <a:t>46</a:t>
             </a:fld>
             <a:endParaRPr lang="en-CA"/>
           </a:p>
@@ -4678,114 +4675,6 @@
     <p:extLst>
       <p:ext uri="{BB962C8B-B14F-4D97-AF65-F5344CB8AC3E}">
         <p14:creationId xmlns:p14="http://schemas.microsoft.com/office/powerpoint/2010/main" val="1000205524"/>
-      </p:ext>
-    </p:extLst>
-  </p:cSld>
-  <p:clrMapOvr>
-    <a:masterClrMapping/>
-  </p:clrMapOvr>
-</p:notes>
-</file>
-
-<file path=ppt/notesSlides/notesSlide25.xml><?xml version="1.0" encoding="utf-8"?>
-<p:notes xmlns:a="http://schemas.openxmlformats.org/drawingml/2006/main" xmlns:r="http://schemas.openxmlformats.org/officeDocument/2006/relationships" xmlns:p="http://schemas.openxmlformats.org/presentationml/2006/main">
-  <p:cSld>
-    <p:spTree>
-      <p:nvGrpSpPr>
-        <p:cNvPr id="1" name="">
-          <a:extLst>
-            <a:ext uri="{FF2B5EF4-FFF2-40B4-BE49-F238E27FC236}">
-              <a16:creationId xmlns:a16="http://schemas.microsoft.com/office/drawing/2014/main" id="{BEABE4C6-3F4B-5078-EC74-BC3E5709C452}"/>
-            </a:ext>
-          </a:extLst>
-        </p:cNvPr>
-        <p:cNvGrpSpPr/>
-        <p:nvPr/>
-      </p:nvGrpSpPr>
-      <p:grpSpPr>
-        <a:xfrm>
-          <a:off x="0" y="0"/>
-          <a:ext cx="0" cy="0"/>
-          <a:chOff x="0" y="0"/>
-          <a:chExt cx="0" cy="0"/>
-        </a:xfrm>
-      </p:grpSpPr>
-      <p:sp>
-        <p:nvSpPr>
-          <p:cNvPr id="2" name="Slide Image Placeholder 1">
-            <a:extLst>
-              <a:ext uri="{FF2B5EF4-FFF2-40B4-BE49-F238E27FC236}">
-                <a16:creationId xmlns:a16="http://schemas.microsoft.com/office/drawing/2014/main" id="{CA073AA6-9EF9-03B9-F8EE-549F0A4D897B}"/>
-              </a:ext>
-            </a:extLst>
-          </p:cNvPr>
-          <p:cNvSpPr>
-            <a:spLocks noGrp="1" noRot="1" noChangeAspect="1"/>
-          </p:cNvSpPr>
-          <p:nvPr>
-            <p:ph type="sldImg"/>
-          </p:nvPr>
-        </p:nvSpPr>
-        <p:spPr/>
-      </p:sp>
-      <p:sp>
-        <p:nvSpPr>
-          <p:cNvPr id="3" name="Notes Placeholder 2">
-            <a:extLst>
-              <a:ext uri="{FF2B5EF4-FFF2-40B4-BE49-F238E27FC236}">
-                <a16:creationId xmlns:a16="http://schemas.microsoft.com/office/drawing/2014/main" id="{FDB8F6C7-37C4-4974-1BB1-D92B9533CB35}"/>
-              </a:ext>
-            </a:extLst>
-          </p:cNvPr>
-          <p:cNvSpPr>
-            <a:spLocks noGrp="1"/>
-          </p:cNvSpPr>
-          <p:nvPr>
-            <p:ph type="body" idx="1"/>
-          </p:nvPr>
-        </p:nvSpPr>
-        <p:spPr/>
-        <p:txBody>
-          <a:bodyPr/>
-          <a:lstStyle/>
-          <a:p>
-            <a:endParaRPr lang="en-CA" dirty="0"/>
-          </a:p>
-        </p:txBody>
-      </p:sp>
-      <p:sp>
-        <p:nvSpPr>
-          <p:cNvPr id="4" name="Slide Number Placeholder 3">
-            <a:extLst>
-              <a:ext uri="{FF2B5EF4-FFF2-40B4-BE49-F238E27FC236}">
-                <a16:creationId xmlns:a16="http://schemas.microsoft.com/office/drawing/2014/main" id="{26CF3813-98D3-9370-CB8F-EE886A8BD066}"/>
-              </a:ext>
-            </a:extLst>
-          </p:cNvPr>
-          <p:cNvSpPr>
-            <a:spLocks noGrp="1"/>
-          </p:cNvSpPr>
-          <p:nvPr>
-            <p:ph type="sldNum" sz="quarter" idx="5"/>
-          </p:nvPr>
-        </p:nvSpPr>
-        <p:spPr/>
-        <p:txBody>
-          <a:bodyPr/>
-          <a:lstStyle/>
-          <a:p>
-            <a:fld id="{E90DDB1C-9AD6-42C0-80A8-4585A70457A2}" type="slidenum">
-              <a:rPr lang="en-CA" smtClean="0"/>
-              <a:t>49</a:t>
-            </a:fld>
-            <a:endParaRPr lang="en-CA"/>
-          </a:p>
-        </p:txBody>
-      </p:sp>
-    </p:spTree>
-    <p:extLst>
-      <p:ext uri="{BB962C8B-B14F-4D97-AF65-F5344CB8AC3E}">
-        <p14:creationId xmlns:p14="http://schemas.microsoft.com/office/powerpoint/2010/main" val="1563240993"/>
       </p:ext>
     </p:extLst>
   </p:cSld>
@@ -4860,7 +4749,7 @@
           <a:p>
             <a:fld id="{E90DDB1C-9AD6-42C0-80A8-4585A70457A2}" type="slidenum">
               <a:rPr lang="en-CA" smtClean="0"/>
-              <a:t>9</a:t>
+              <a:t>8</a:t>
             </a:fld>
             <a:endParaRPr lang="en-CA"/>
           </a:p>
@@ -4947,7 +4836,7 @@
           <a:p>
             <a:fld id="{E90DDB1C-9AD6-42C0-80A8-4585A70457A2}" type="slidenum">
               <a:rPr lang="en-CA" smtClean="0"/>
-              <a:t>10</a:t>
+              <a:t>9</a:t>
             </a:fld>
             <a:endParaRPr lang="en-CA"/>
           </a:p>
@@ -5031,7 +4920,7 @@
           <a:p>
             <a:fld id="{E90DDB1C-9AD6-42C0-80A8-4585A70457A2}" type="slidenum">
               <a:rPr lang="en-CA" smtClean="0"/>
-              <a:t>14</a:t>
+              <a:t>13</a:t>
             </a:fld>
             <a:endParaRPr lang="en-CA"/>
           </a:p>
@@ -5142,7 +5031,7 @@
           <a:p>
             <a:fld id="{E90DDB1C-9AD6-42C0-80A8-4585A70457A2}" type="slidenum">
               <a:rPr lang="en-CA" smtClean="0"/>
-              <a:t>15</a:t>
+              <a:t>14</a:t>
             </a:fld>
             <a:endParaRPr lang="en-CA"/>
           </a:p>
@@ -5253,7 +5142,7 @@
           <a:p>
             <a:fld id="{E90DDB1C-9AD6-42C0-80A8-4585A70457A2}" type="slidenum">
               <a:rPr lang="en-CA" smtClean="0"/>
-              <a:t>18</a:t>
+              <a:t>17</a:t>
             </a:fld>
             <a:endParaRPr lang="en-CA"/>
           </a:p>
@@ -5337,7 +5226,7 @@
           <a:p>
             <a:fld id="{E90DDB1C-9AD6-42C0-80A8-4585A70457A2}" type="slidenum">
               <a:rPr lang="en-CA" smtClean="0"/>
-              <a:t>19</a:t>
+              <a:t>18</a:t>
             </a:fld>
             <a:endParaRPr lang="en-CA"/>
           </a:p>
@@ -5448,7 +5337,7 @@
           <a:p>
             <a:fld id="{E90DDB1C-9AD6-42C0-80A8-4585A70457A2}" type="slidenum">
               <a:rPr lang="en-CA" smtClean="0"/>
-              <a:t>20</a:t>
+              <a:t>19</a:t>
             </a:fld>
             <a:endParaRPr lang="en-CA"/>
           </a:p>
@@ -5616,7 +5505,7 @@
           <a:p>
             <a:fld id="{15DD531D-CD33-4CCA-A9F4-801B4DC6DE97}" type="datetime1">
               <a:rPr lang="en-CA" smtClean="0"/>
-              <a:t>2024-02-06</a:t>
+              <a:t>2024-02-26</a:t>
             </a:fld>
             <a:endParaRPr lang="en-CA"/>
           </a:p>
@@ -5816,7 +5705,7 @@
           <a:p>
             <a:fld id="{881C09FB-5088-4BB5-926E-AD501C410C89}" type="datetime1">
               <a:rPr lang="en-CA" smtClean="0"/>
-              <a:t>2024-02-06</a:t>
+              <a:t>2024-02-26</a:t>
             </a:fld>
             <a:endParaRPr lang="en-CA"/>
           </a:p>
@@ -6026,7 +5915,7 @@
           <a:p>
             <a:fld id="{D51DB666-4A5D-4131-9BFC-FF078879E05A}" type="datetime1">
               <a:rPr lang="en-CA" smtClean="0"/>
-              <a:t>2024-02-06</a:t>
+              <a:t>2024-02-26</a:t>
             </a:fld>
             <a:endParaRPr lang="en-CA"/>
           </a:p>
@@ -6265,7 +6154,7 @@
           <a:p>
             <a:fld id="{3DE21B8F-B226-45BF-A0F0-9EE6BFA2E9CB}" type="datetime1">
               <a:rPr lang="en-CA" smtClean="0"/>
-              <a:t>2024-02-06</a:t>
+              <a:t>2024-02-26</a:t>
             </a:fld>
             <a:endParaRPr lang="en-CA"/>
           </a:p>
@@ -6793,7 +6682,7 @@
           <a:p>
             <a:fld id="{FBA8854A-CB01-42ED-8006-63C1259CF1B0}" type="datetime1">
               <a:rPr lang="en-CA" smtClean="0"/>
-              <a:t>2024-02-06</a:t>
+              <a:t>2024-02-26</a:t>
             </a:fld>
             <a:endParaRPr lang="en-CA"/>
           </a:p>
@@ -7090,7 +6979,7 @@
           <a:p>
             <a:fld id="{EACA304B-0E3F-4D87-8DB6-2CE65829C064}" type="datetime1">
               <a:rPr lang="en-CA" smtClean="0"/>
-              <a:t>2024-02-06</a:t>
+              <a:t>2024-02-26</a:t>
             </a:fld>
             <a:endParaRPr lang="en-CA"/>
           </a:p>
@@ -7366,7 +7255,7 @@
           <a:p>
             <a:fld id="{99D8F586-4F73-4F59-9718-A84B96C93025}" type="datetime1">
               <a:rPr lang="en-CA" smtClean="0"/>
-              <a:t>2024-02-06</a:t>
+              <a:t>2024-02-26</a:t>
             </a:fld>
             <a:endParaRPr lang="en-CA"/>
           </a:p>
@@ -7677,7 +7566,7 @@
           <a:p>
             <a:fld id="{FA0EB9DB-77FC-4059-BA28-39DC1E61FE1D}" type="datetime1">
               <a:rPr lang="en-CA" smtClean="0"/>
-              <a:t>2024-02-06</a:t>
+              <a:t>2024-02-26</a:t>
             </a:fld>
             <a:endParaRPr lang="en-CA"/>
           </a:p>
@@ -8092,7 +7981,7 @@
           <a:p>
             <a:fld id="{81E4BCF9-C67B-47AB-89A7-C1D6E0C877A5}" type="datetime1">
               <a:rPr lang="en-CA" smtClean="0"/>
-              <a:t>2024-02-06</a:t>
+              <a:t>2024-02-26</a:t>
             </a:fld>
             <a:endParaRPr lang="en-CA"/>
           </a:p>
@@ -8234,7 +8123,7 @@
           <a:p>
             <a:fld id="{A43972BF-200C-4958-8111-AE14FB3A3FC9}" type="datetime1">
               <a:rPr lang="en-CA" smtClean="0"/>
-              <a:t>2024-02-06</a:t>
+              <a:t>2024-02-26</a:t>
             </a:fld>
             <a:endParaRPr lang="en-CA"/>
           </a:p>
@@ -8347,7 +8236,7 @@
           <a:p>
             <a:fld id="{C701C174-D9A9-489B-A9F7-D67F7421F94A}" type="datetime1">
               <a:rPr lang="en-CA" smtClean="0"/>
-              <a:t>2024-02-06</a:t>
+              <a:t>2024-02-26</a:t>
             </a:fld>
             <a:endParaRPr lang="en-CA"/>
           </a:p>
@@ -8660,7 +8549,7 @@
           <a:p>
             <a:fld id="{857CEB7D-97D3-47A9-9A07-1A14BC5DF2FC}" type="datetime1">
               <a:rPr lang="en-CA" smtClean="0"/>
-              <a:t>2024-02-06</a:t>
+              <a:t>2024-02-26</a:t>
             </a:fld>
             <a:endParaRPr lang="en-CA"/>
           </a:p>
@@ -8949,7 +8838,7 @@
           <a:p>
             <a:fld id="{0EC688DA-DA88-4D59-975E-F54BEE572667}" type="datetime1">
               <a:rPr lang="en-CA" smtClean="0"/>
-              <a:t>2024-02-06</a:t>
+              <a:t>2024-02-26</a:t>
             </a:fld>
             <a:endParaRPr lang="en-CA"/>
           </a:p>
@@ -9192,7 +9081,7 @@
           <a:p>
             <a:fld id="{FBA8854A-CB01-42ED-8006-63C1259CF1B0}" type="datetime1">
               <a:rPr lang="en-CA" smtClean="0"/>
-              <a:t>2024-02-06</a:t>
+              <a:t>2024-02-26</a:t>
             </a:fld>
             <a:endParaRPr lang="en-CA"/>
           </a:p>
@@ -9736,17 +9625,6 @@
               <a:t>University of Toronto</a:t>
             </a:r>
           </a:p>
-          <a:p>
-            <a:pPr algn="l"/>
-            <a:endParaRPr lang="en-CA" dirty="0"/>
-          </a:p>
-          <a:p>
-            <a:pPr algn="l"/>
-            <a:r>
-              <a:rPr lang="en-CA" b="1" dirty="0"/>
-              <a:t>Simeon Wong</a:t>
-            </a:r>
-          </a:p>
         </p:txBody>
       </p:sp>
       <p:pic>
@@ -9890,7 +9768,610 @@
           <p:cNvPr id="2" name="Title 1">
             <a:extLst>
               <a:ext uri="{FF2B5EF4-FFF2-40B4-BE49-F238E27FC236}">
-                <a16:creationId xmlns:a16="http://schemas.microsoft.com/office/drawing/2014/main" id="{C055A425-FA34-F5B6-F45F-022F6EE8FFB9}"/>
+                <a16:creationId xmlns:a16="http://schemas.microsoft.com/office/drawing/2014/main" id="{14ACA173-409E-662F-5BAF-8AE5AF0F8D06}"/>
+              </a:ext>
+            </a:extLst>
+          </p:cNvPr>
+          <p:cNvSpPr>
+            <a:spLocks noGrp="1"/>
+          </p:cNvSpPr>
+          <p:nvPr>
+            <p:ph type="title"/>
+          </p:nvPr>
+        </p:nvSpPr>
+        <p:spPr/>
+        <p:txBody>
+          <a:bodyPr/>
+          <a:lstStyle/>
+          <a:p>
+            <a:endParaRPr lang="en-CA"/>
+          </a:p>
+        </p:txBody>
+      </p:sp>
+      <p:sp>
+        <p:nvSpPr>
+          <p:cNvPr id="4" name="Slide Number Placeholder 3">
+            <a:extLst>
+              <a:ext uri="{FF2B5EF4-FFF2-40B4-BE49-F238E27FC236}">
+                <a16:creationId xmlns:a16="http://schemas.microsoft.com/office/drawing/2014/main" id="{D2F45239-74C6-A123-7644-E56A6048C7A9}"/>
+              </a:ext>
+            </a:extLst>
+          </p:cNvPr>
+          <p:cNvSpPr>
+            <a:spLocks noGrp="1"/>
+          </p:cNvSpPr>
+          <p:nvPr>
+            <p:ph type="sldNum" sz="quarter" idx="12"/>
+          </p:nvPr>
+        </p:nvSpPr>
+        <p:spPr/>
+        <p:txBody>
+          <a:bodyPr/>
+          <a:lstStyle/>
+          <a:p>
+            <a:fld id="{4F883B06-9FA1-44A8-8ACD-51391BD89E0C}" type="slidenum">
+              <a:rPr lang="en-CA" smtClean="0"/>
+              <a:t>10</a:t>
+            </a:fld>
+            <a:endParaRPr lang="en-CA"/>
+          </a:p>
+        </p:txBody>
+      </p:sp>
+      <p:sp>
+        <p:nvSpPr>
+          <p:cNvPr id="5" name="Text Placeholder 4">
+            <a:extLst>
+              <a:ext uri="{FF2B5EF4-FFF2-40B4-BE49-F238E27FC236}">
+                <a16:creationId xmlns:a16="http://schemas.microsoft.com/office/drawing/2014/main" id="{647B167C-A4CF-0264-D177-4472F244AC98}"/>
+              </a:ext>
+            </a:extLst>
+          </p:cNvPr>
+          <p:cNvSpPr>
+            <a:spLocks noGrp="1"/>
+          </p:cNvSpPr>
+          <p:nvPr>
+            <p:ph type="body" sz="quarter" idx="13"/>
+          </p:nvPr>
+        </p:nvSpPr>
+        <p:spPr/>
+        <p:txBody>
+          <a:bodyPr/>
+          <a:lstStyle/>
+          <a:p>
+            <a:endParaRPr lang="en-CA"/>
+          </a:p>
+        </p:txBody>
+      </p:sp>
+      <p:pic>
+        <p:nvPicPr>
+          <p:cNvPr id="7" name="Picture 6">
+            <a:extLst>
+              <a:ext uri="{FF2B5EF4-FFF2-40B4-BE49-F238E27FC236}">
+                <a16:creationId xmlns:a16="http://schemas.microsoft.com/office/drawing/2014/main" id="{33B001D9-5408-67F9-EDA4-1C80BDF806A1}"/>
+              </a:ext>
+            </a:extLst>
+          </p:cNvPr>
+          <p:cNvPicPr>
+            <a:picLocks noChangeAspect="1"/>
+          </p:cNvPicPr>
+          <p:nvPr/>
+        </p:nvPicPr>
+        <p:blipFill>
+          <a:blip r:embed="rId2"/>
+          <a:stretch>
+            <a:fillRect/>
+          </a:stretch>
+        </p:blipFill>
+        <p:spPr>
+          <a:xfrm>
+            <a:off x="2143743" y="1649961"/>
+            <a:ext cx="7904514" cy="3558078"/>
+          </a:xfrm>
+          <a:prstGeom prst="rect">
+            <a:avLst/>
+          </a:prstGeom>
+        </p:spPr>
+      </p:pic>
+    </p:spTree>
+    <p:extLst>
+      <p:ext uri="{BB962C8B-B14F-4D97-AF65-F5344CB8AC3E}">
+        <p14:creationId xmlns:p14="http://schemas.microsoft.com/office/powerpoint/2010/main" val="4050342690"/>
+      </p:ext>
+    </p:extLst>
+  </p:cSld>
+  <p:clrMapOvr>
+    <a:masterClrMapping/>
+  </p:clrMapOvr>
+</p:sld>
+</file>
+
+<file path=ppt/slides/slide11.xml><?xml version="1.0" encoding="utf-8"?>
+<p:sld xmlns:a="http://schemas.openxmlformats.org/drawingml/2006/main" xmlns:r="http://schemas.openxmlformats.org/officeDocument/2006/relationships" xmlns:p="http://schemas.openxmlformats.org/presentationml/2006/main">
+  <p:cSld>
+    <p:spTree>
+      <p:nvGrpSpPr>
+        <p:cNvPr id="1" name=""/>
+        <p:cNvGrpSpPr/>
+        <p:nvPr/>
+      </p:nvGrpSpPr>
+      <p:grpSpPr>
+        <a:xfrm>
+          <a:off x="0" y="0"/>
+          <a:ext cx="0" cy="0"/>
+          <a:chOff x="0" y="0"/>
+          <a:chExt cx="0" cy="0"/>
+        </a:xfrm>
+      </p:grpSpPr>
+      <p:sp>
+        <p:nvSpPr>
+          <p:cNvPr id="2" name="Title 1">
+            <a:extLst>
+              <a:ext uri="{FF2B5EF4-FFF2-40B4-BE49-F238E27FC236}">
+                <a16:creationId xmlns:a16="http://schemas.microsoft.com/office/drawing/2014/main" id="{A2042E2A-E8CC-9BC2-08AA-D4F4DCA9E0E9}"/>
+              </a:ext>
+            </a:extLst>
+          </p:cNvPr>
+          <p:cNvSpPr>
+            <a:spLocks noGrp="1"/>
+          </p:cNvSpPr>
+          <p:nvPr>
+            <p:ph type="title"/>
+          </p:nvPr>
+        </p:nvSpPr>
+        <p:spPr/>
+        <p:txBody>
+          <a:bodyPr/>
+          <a:lstStyle/>
+          <a:p>
+            <a:r>
+              <a:rPr lang="en-CA" dirty="0"/>
+              <a:t>Getting help</a:t>
+            </a:r>
+          </a:p>
+        </p:txBody>
+      </p:sp>
+      <p:sp>
+        <p:nvSpPr>
+          <p:cNvPr id="3" name="Content Placeholder 2">
+            <a:extLst>
+              <a:ext uri="{FF2B5EF4-FFF2-40B4-BE49-F238E27FC236}">
+                <a16:creationId xmlns:a16="http://schemas.microsoft.com/office/drawing/2014/main" id="{FA54B570-1AC6-0912-7019-D4CD75176F9A}"/>
+              </a:ext>
+            </a:extLst>
+          </p:cNvPr>
+          <p:cNvSpPr>
+            <a:spLocks noGrp="1"/>
+          </p:cNvSpPr>
+          <p:nvPr>
+            <p:ph idx="1"/>
+          </p:nvPr>
+        </p:nvSpPr>
+        <p:spPr/>
+        <p:txBody>
+          <a:bodyPr/>
+          <a:lstStyle/>
+          <a:p>
+            <a:r>
+              <a:rPr lang="en-CA" dirty="0">
+                <a:latin typeface="Cascadia Code" panose="020B0609020000020004" pitchFamily="49" charset="0"/>
+                <a:ea typeface="Cascadia Code" panose="020B0609020000020004" pitchFamily="49" charset="0"/>
+                <a:cs typeface="Cascadia Code" panose="020B0609020000020004" pitchFamily="49" charset="0"/>
+              </a:rPr>
+              <a:t>git help &lt;verb&gt;</a:t>
+            </a:r>
+          </a:p>
+          <a:p>
+            <a:r>
+              <a:rPr lang="en-CA" dirty="0">
+                <a:latin typeface="Cascadia Code" panose="020B0609020000020004" pitchFamily="49" charset="0"/>
+                <a:ea typeface="Cascadia Code" panose="020B0609020000020004" pitchFamily="49" charset="0"/>
+                <a:cs typeface="Cascadia Code" panose="020B0609020000020004" pitchFamily="49" charset="0"/>
+              </a:rPr>
+              <a:t>git &lt;verb&gt; --help</a:t>
+            </a:r>
+          </a:p>
+          <a:p>
+            <a:pPr marL="0" indent="0">
+              <a:buNone/>
+            </a:pPr>
+            <a:endParaRPr lang="en-CA" dirty="0">
+              <a:latin typeface="Cascadia Code" panose="020B0609020000020004" pitchFamily="49" charset="0"/>
+              <a:ea typeface="Cascadia Code" panose="020B0609020000020004" pitchFamily="49" charset="0"/>
+              <a:cs typeface="Cascadia Code" panose="020B0609020000020004" pitchFamily="49" charset="0"/>
+            </a:endParaRPr>
+          </a:p>
+          <a:p>
+            <a:pPr marL="0" indent="0">
+              <a:buNone/>
+            </a:pPr>
+            <a:r>
+              <a:rPr lang="en-CA" b="1" dirty="0"/>
+              <a:t>Git reference manual:</a:t>
+            </a:r>
+            <a:r>
+              <a:rPr lang="en-CA" dirty="0"/>
+              <a:t> https://git-scm.com/docs</a:t>
+            </a:r>
+          </a:p>
+        </p:txBody>
+      </p:sp>
+      <p:sp>
+        <p:nvSpPr>
+          <p:cNvPr id="4" name="Slide Number Placeholder 3">
+            <a:extLst>
+              <a:ext uri="{FF2B5EF4-FFF2-40B4-BE49-F238E27FC236}">
+                <a16:creationId xmlns:a16="http://schemas.microsoft.com/office/drawing/2014/main" id="{9919A3FE-88A8-D9D0-D1DD-E518C5002966}"/>
+              </a:ext>
+            </a:extLst>
+          </p:cNvPr>
+          <p:cNvSpPr>
+            <a:spLocks noGrp="1"/>
+          </p:cNvSpPr>
+          <p:nvPr>
+            <p:ph type="sldNum" sz="quarter" idx="12"/>
+          </p:nvPr>
+        </p:nvSpPr>
+        <p:spPr/>
+        <p:txBody>
+          <a:bodyPr/>
+          <a:lstStyle/>
+          <a:p>
+            <a:fld id="{4F883B06-9FA1-44A8-8ACD-51391BD89E0C}" type="slidenum">
+              <a:rPr lang="en-CA" smtClean="0"/>
+              <a:t>11</a:t>
+            </a:fld>
+            <a:endParaRPr lang="en-CA"/>
+          </a:p>
+        </p:txBody>
+      </p:sp>
+      <p:sp>
+        <p:nvSpPr>
+          <p:cNvPr id="5" name="Text Placeholder 4">
+            <a:extLst>
+              <a:ext uri="{FF2B5EF4-FFF2-40B4-BE49-F238E27FC236}">
+                <a16:creationId xmlns:a16="http://schemas.microsoft.com/office/drawing/2014/main" id="{55A70B26-61D6-DD0C-163B-0CE3F4EA5AE7}"/>
+              </a:ext>
+            </a:extLst>
+          </p:cNvPr>
+          <p:cNvSpPr>
+            <a:spLocks noGrp="1"/>
+          </p:cNvSpPr>
+          <p:nvPr>
+            <p:ph type="body" sz="quarter" idx="13"/>
+          </p:nvPr>
+        </p:nvSpPr>
+        <p:spPr/>
+        <p:txBody>
+          <a:bodyPr/>
+          <a:lstStyle/>
+          <a:p>
+            <a:r>
+              <a:rPr lang="en-CA" dirty="0"/>
+              <a:t>Git</a:t>
+            </a:r>
+          </a:p>
+        </p:txBody>
+      </p:sp>
+    </p:spTree>
+    <p:extLst>
+      <p:ext uri="{BB962C8B-B14F-4D97-AF65-F5344CB8AC3E}">
+        <p14:creationId xmlns:p14="http://schemas.microsoft.com/office/powerpoint/2010/main" val="1486586658"/>
+      </p:ext>
+    </p:extLst>
+  </p:cSld>
+  <p:clrMapOvr>
+    <a:masterClrMapping/>
+  </p:clrMapOvr>
+</p:sld>
+</file>
+
+<file path=ppt/slides/slide12.xml><?xml version="1.0" encoding="utf-8"?>
+<p:sld xmlns:a="http://schemas.openxmlformats.org/drawingml/2006/main" xmlns:r="http://schemas.openxmlformats.org/officeDocument/2006/relationships" xmlns:p="http://schemas.openxmlformats.org/presentationml/2006/main">
+  <p:cSld>
+    <p:spTree>
+      <p:nvGrpSpPr>
+        <p:cNvPr id="1" name=""/>
+        <p:cNvGrpSpPr/>
+        <p:nvPr/>
+      </p:nvGrpSpPr>
+      <p:grpSpPr>
+        <a:xfrm>
+          <a:off x="0" y="0"/>
+          <a:ext cx="0" cy="0"/>
+          <a:chOff x="0" y="0"/>
+          <a:chExt cx="0" cy="0"/>
+        </a:xfrm>
+      </p:grpSpPr>
+      <p:sp>
+        <p:nvSpPr>
+          <p:cNvPr id="6" name="Title 5">
+            <a:extLst>
+              <a:ext uri="{FF2B5EF4-FFF2-40B4-BE49-F238E27FC236}">
+                <a16:creationId xmlns:a16="http://schemas.microsoft.com/office/drawing/2014/main" id="{69EC43A1-F771-D678-35A4-1C08227D43B5}"/>
+              </a:ext>
+            </a:extLst>
+          </p:cNvPr>
+          <p:cNvSpPr>
+            <a:spLocks noGrp="1"/>
+          </p:cNvSpPr>
+          <p:nvPr>
+            <p:ph type="title"/>
+          </p:nvPr>
+        </p:nvSpPr>
+        <p:spPr>
+          <a:xfrm>
+            <a:off x="831850" y="2590685"/>
+            <a:ext cx="10515600" cy="2852737"/>
+          </a:xfrm>
+        </p:spPr>
+        <p:txBody>
+          <a:bodyPr/>
+          <a:lstStyle/>
+          <a:p>
+            <a:r>
+              <a:rPr lang="en-CA" dirty="0"/>
+              <a:t>What questions </a:t>
+            </a:r>
+            <a:br>
+              <a:rPr lang="en-CA" dirty="0"/>
+            </a:br>
+            <a:r>
+              <a:rPr lang="en-CA" dirty="0"/>
+              <a:t>do we have?</a:t>
+            </a:r>
+          </a:p>
+        </p:txBody>
+      </p:sp>
+      <p:sp>
+        <p:nvSpPr>
+          <p:cNvPr id="4" name="Slide Number Placeholder 3">
+            <a:extLst>
+              <a:ext uri="{FF2B5EF4-FFF2-40B4-BE49-F238E27FC236}">
+                <a16:creationId xmlns:a16="http://schemas.microsoft.com/office/drawing/2014/main" id="{21948600-A067-0BE1-52CA-4DFC53D088A0}"/>
+              </a:ext>
+            </a:extLst>
+          </p:cNvPr>
+          <p:cNvSpPr>
+            <a:spLocks noGrp="1"/>
+          </p:cNvSpPr>
+          <p:nvPr>
+            <p:ph type="sldNum" sz="quarter" idx="12"/>
+          </p:nvPr>
+        </p:nvSpPr>
+        <p:spPr/>
+        <p:txBody>
+          <a:bodyPr/>
+          <a:lstStyle/>
+          <a:p>
+            <a:fld id="{4F883B06-9FA1-44A8-8ACD-51391BD89E0C}" type="slidenum">
+              <a:rPr lang="en-CA" smtClean="0"/>
+              <a:t>12</a:t>
+            </a:fld>
+            <a:endParaRPr lang="en-CA"/>
+          </a:p>
+        </p:txBody>
+      </p:sp>
+    </p:spTree>
+    <p:extLst>
+      <p:ext uri="{BB962C8B-B14F-4D97-AF65-F5344CB8AC3E}">
+        <p14:creationId xmlns:p14="http://schemas.microsoft.com/office/powerpoint/2010/main" val="2770725278"/>
+      </p:ext>
+    </p:extLst>
+  </p:cSld>
+  <p:clrMapOvr>
+    <a:masterClrMapping/>
+  </p:clrMapOvr>
+</p:sld>
+</file>
+
+<file path=ppt/slides/slide13.xml><?xml version="1.0" encoding="utf-8"?>
+<p:sld xmlns:a="http://schemas.openxmlformats.org/drawingml/2006/main" xmlns:r="http://schemas.openxmlformats.org/officeDocument/2006/relationships" xmlns:p="http://schemas.openxmlformats.org/presentationml/2006/main">
+  <p:cSld>
+    <p:spTree>
+      <p:nvGrpSpPr>
+        <p:cNvPr id="1" name=""/>
+        <p:cNvGrpSpPr/>
+        <p:nvPr/>
+      </p:nvGrpSpPr>
+      <p:grpSpPr>
+        <a:xfrm>
+          <a:off x="0" y="0"/>
+          <a:ext cx="0" cy="0"/>
+          <a:chOff x="0" y="0"/>
+          <a:chExt cx="0" cy="0"/>
+        </a:xfrm>
+      </p:grpSpPr>
+      <p:sp>
+        <p:nvSpPr>
+          <p:cNvPr id="2" name="Title 1">
+            <a:extLst>
+              <a:ext uri="{FF2B5EF4-FFF2-40B4-BE49-F238E27FC236}">
+                <a16:creationId xmlns:a16="http://schemas.microsoft.com/office/drawing/2014/main" id="{756D6A08-F653-DDAF-1B71-D4A9CB519088}"/>
+              </a:ext>
+            </a:extLst>
+          </p:cNvPr>
+          <p:cNvSpPr>
+            <a:spLocks noGrp="1"/>
+          </p:cNvSpPr>
+          <p:nvPr>
+            <p:ph type="title"/>
+          </p:nvPr>
+        </p:nvSpPr>
+        <p:spPr/>
+        <p:txBody>
+          <a:bodyPr/>
+          <a:lstStyle/>
+          <a:p>
+            <a:r>
+              <a:rPr lang="en-CA" dirty="0"/>
+              <a:t>Meet our analyst, Alex</a:t>
+            </a:r>
+          </a:p>
+        </p:txBody>
+      </p:sp>
+      <p:sp>
+        <p:nvSpPr>
+          <p:cNvPr id="3" name="Content Placeholder 2">
+            <a:extLst>
+              <a:ext uri="{FF2B5EF4-FFF2-40B4-BE49-F238E27FC236}">
+                <a16:creationId xmlns:a16="http://schemas.microsoft.com/office/drawing/2014/main" id="{D447C0B9-E0C2-AAF6-40D5-6F77106C3B8D}"/>
+              </a:ext>
+            </a:extLst>
+          </p:cNvPr>
+          <p:cNvSpPr>
+            <a:spLocks noGrp="1"/>
+          </p:cNvSpPr>
+          <p:nvPr>
+            <p:ph idx="1"/>
+          </p:nvPr>
+        </p:nvSpPr>
+        <p:spPr/>
+        <p:txBody>
+          <a:bodyPr/>
+          <a:lstStyle/>
+          <a:p>
+            <a:r>
+              <a:rPr lang="en-US" dirty="0"/>
+              <a:t>Alex is a data engineer</a:t>
+            </a:r>
+          </a:p>
+          <a:p>
+            <a:r>
+              <a:rPr lang="en-US" dirty="0"/>
+              <a:t>Alex works on a team at a mid-sized company</a:t>
+            </a:r>
+          </a:p>
+          <a:p>
+            <a:r>
+              <a:rPr lang="en-US" dirty="0"/>
+              <a:t>Alex is starting a new project:</a:t>
+            </a:r>
+          </a:p>
+          <a:p>
+            <a:pPr lvl="1"/>
+            <a:r>
+              <a:rPr lang="en-US" dirty="0"/>
+              <a:t>develop a data processing pipeline that aggregates sales data from multiple sources into a centralized data warehouse</a:t>
+            </a:r>
+          </a:p>
+          <a:p>
+            <a:pPr lvl="1"/>
+            <a:r>
+              <a:rPr lang="en-US" dirty="0"/>
+              <a:t>develop a new module for the sales business intelligence dashboard with this analysis</a:t>
+            </a:r>
+          </a:p>
+          <a:p>
+            <a:r>
+              <a:rPr lang="en-US" dirty="0"/>
+              <a:t>Follow along as Alex uses Git to simplify her work</a:t>
+            </a:r>
+          </a:p>
+        </p:txBody>
+      </p:sp>
+      <p:sp>
+        <p:nvSpPr>
+          <p:cNvPr id="4" name="Slide Number Placeholder 3">
+            <a:extLst>
+              <a:ext uri="{FF2B5EF4-FFF2-40B4-BE49-F238E27FC236}">
+                <a16:creationId xmlns:a16="http://schemas.microsoft.com/office/drawing/2014/main" id="{8EE28A26-0939-A51F-A6F5-70067A99AA6A}"/>
+              </a:ext>
+            </a:extLst>
+          </p:cNvPr>
+          <p:cNvSpPr>
+            <a:spLocks noGrp="1"/>
+          </p:cNvSpPr>
+          <p:nvPr>
+            <p:ph type="sldNum" sz="quarter" idx="12"/>
+          </p:nvPr>
+        </p:nvSpPr>
+        <p:spPr/>
+        <p:txBody>
+          <a:bodyPr/>
+          <a:lstStyle/>
+          <a:p>
+            <a:fld id="{4F883B06-9FA1-44A8-8ACD-51391BD89E0C}" type="slidenum">
+              <a:rPr lang="en-CA" smtClean="0"/>
+              <a:t>13</a:t>
+            </a:fld>
+            <a:endParaRPr lang="en-CA"/>
+          </a:p>
+        </p:txBody>
+      </p:sp>
+      <p:sp>
+        <p:nvSpPr>
+          <p:cNvPr id="5" name="Text Placeholder 4">
+            <a:extLst>
+              <a:ext uri="{FF2B5EF4-FFF2-40B4-BE49-F238E27FC236}">
+                <a16:creationId xmlns:a16="http://schemas.microsoft.com/office/drawing/2014/main" id="{536054FC-9E40-518E-CE56-ABAD2F208DEB}"/>
+              </a:ext>
+            </a:extLst>
+          </p:cNvPr>
+          <p:cNvSpPr>
+            <a:spLocks noGrp="1"/>
+          </p:cNvSpPr>
+          <p:nvPr>
+            <p:ph type="body" sz="quarter" idx="13"/>
+          </p:nvPr>
+        </p:nvSpPr>
+        <p:spPr/>
+        <p:txBody>
+          <a:bodyPr/>
+          <a:lstStyle/>
+          <a:p>
+            <a:r>
+              <a:rPr lang="en-CA" dirty="0"/>
+              <a:t>Git: </a:t>
+            </a:r>
+            <a:r>
+              <a:rPr lang="en-CA" b="0" dirty="0"/>
+              <a:t>Introduction</a:t>
+            </a:r>
+          </a:p>
+        </p:txBody>
+      </p:sp>
+    </p:spTree>
+    <p:extLst>
+      <p:ext uri="{BB962C8B-B14F-4D97-AF65-F5344CB8AC3E}">
+        <p14:creationId xmlns:p14="http://schemas.microsoft.com/office/powerpoint/2010/main" val="2777386696"/>
+      </p:ext>
+    </p:extLst>
+  </p:cSld>
+  <p:clrMapOvr>
+    <a:masterClrMapping/>
+  </p:clrMapOvr>
+</p:sld>
+</file>
+
+<file path=ppt/slides/slide14.xml><?xml version="1.0" encoding="utf-8"?>
+<p:sld xmlns:a="http://schemas.openxmlformats.org/drawingml/2006/main" xmlns:r="http://schemas.openxmlformats.org/officeDocument/2006/relationships" xmlns:p="http://schemas.openxmlformats.org/presentationml/2006/main">
+  <p:cSld>
+    <p:spTree>
+      <p:nvGrpSpPr>
+        <p:cNvPr id="1" name="">
+          <a:extLst>
+            <a:ext uri="{FF2B5EF4-FFF2-40B4-BE49-F238E27FC236}">
+              <a16:creationId xmlns:a16="http://schemas.microsoft.com/office/drawing/2014/main" id="{182ED2CD-F3F3-1A3E-2275-92CFE4BA68F4}"/>
+            </a:ext>
+          </a:extLst>
+        </p:cNvPr>
+        <p:cNvGrpSpPr/>
+        <p:nvPr/>
+      </p:nvGrpSpPr>
+      <p:grpSpPr>
+        <a:xfrm>
+          <a:off x="0" y="0"/>
+          <a:ext cx="0" cy="0"/>
+          <a:chOff x="0" y="0"/>
+          <a:chExt cx="0" cy="0"/>
+        </a:xfrm>
+      </p:grpSpPr>
+      <p:sp>
+        <p:nvSpPr>
+          <p:cNvPr id="2" name="Title 1">
+            <a:extLst>
+              <a:ext uri="{FF2B5EF4-FFF2-40B4-BE49-F238E27FC236}">
+                <a16:creationId xmlns:a16="http://schemas.microsoft.com/office/drawing/2014/main" id="{56941A09-B95D-3D73-824D-072447084D6B}"/>
               </a:ext>
             </a:extLst>
           </p:cNvPr>
@@ -9928,7 +10409,7 @@
           <p:cNvPr id="3" name="Content Placeholder 2">
             <a:extLst>
               <a:ext uri="{FF2B5EF4-FFF2-40B4-BE49-F238E27FC236}">
-                <a16:creationId xmlns:a16="http://schemas.microsoft.com/office/drawing/2014/main" id="{D8156B90-C52A-40AE-5B99-7C857DD49DE6}"/>
+                <a16:creationId xmlns:a16="http://schemas.microsoft.com/office/drawing/2014/main" id="{97C4996A-B831-9D07-C957-5E17A6B30855}"/>
               </a:ext>
             </a:extLst>
           </p:cNvPr>
@@ -9941,7 +10422,9 @@
         </p:nvSpPr>
         <p:spPr/>
         <p:txBody>
-          <a:bodyPr/>
+          <a:bodyPr>
+            <a:normAutofit/>
+          </a:bodyPr>
           <a:lstStyle/>
           <a:p>
             <a:pPr marL="0" indent="0">
@@ -9949,7 +10432,7 @@
             </a:pPr>
             <a:r>
               <a:rPr lang="en-CA" b="1" dirty="0"/>
-              <a:t>Setup identity information on the Git command line:</a:t>
+              <a:t>Alex sets up a code repository before writing any code.</a:t>
             </a:r>
           </a:p>
           <a:p>
@@ -9957,28 +10440,51 @@
               <a:buFont typeface="+mj-lt"/>
               <a:buAutoNum type="arabicPeriod"/>
             </a:pPr>
+            <a:r>
+              <a:rPr lang="en-CA" dirty="0" err="1">
+                <a:latin typeface="Cascadia Code" panose="020B0609020000020004" pitchFamily="49" charset="0"/>
+                <a:ea typeface="Cascadia Code" panose="020B0609020000020004" pitchFamily="49" charset="0"/>
+                <a:cs typeface="Cascadia Code" panose="020B0609020000020004" pitchFamily="49" charset="0"/>
+              </a:rPr>
+              <a:t>mkdir</a:t>
+            </a:r>
             <a:r>
               <a:rPr lang="en-CA" dirty="0">
                 <a:latin typeface="Cascadia Code" panose="020B0609020000020004" pitchFamily="49" charset="0"/>
                 <a:ea typeface="Cascadia Code" panose="020B0609020000020004" pitchFamily="49" charset="0"/>
                 <a:cs typeface="Cascadia Code" panose="020B0609020000020004" pitchFamily="49" charset="0"/>
               </a:rPr>
-              <a:t>git config --list</a:t>
-            </a:r>
-          </a:p>
-          <a:p>
-            <a:pPr marL="457200" indent="-457200">
-              <a:buFont typeface="+mj-lt"/>
-              <a:buAutoNum type="arabicPeriod"/>
-            </a:pPr>
+              <a:t> </a:t>
+            </a:r>
+            <a:r>
+              <a:rPr lang="en-CA" dirty="0" err="1">
+                <a:latin typeface="Cascadia Code" panose="020B0609020000020004" pitchFamily="49" charset="0"/>
+                <a:ea typeface="Cascadia Code" panose="020B0609020000020004" pitchFamily="49" charset="0"/>
+                <a:cs typeface="Cascadia Code" panose="020B0609020000020004" pitchFamily="49" charset="0"/>
+              </a:rPr>
+              <a:t>myproject</a:t>
+            </a:r>
             <a:r>
               <a:rPr lang="en-CA" dirty="0">
                 <a:latin typeface="Cascadia Code" panose="020B0609020000020004" pitchFamily="49" charset="0"/>
                 <a:ea typeface="Cascadia Code" panose="020B0609020000020004" pitchFamily="49" charset="0"/>
                 <a:cs typeface="Cascadia Code" panose="020B0609020000020004" pitchFamily="49" charset="0"/>
               </a:rPr>
-              <a:t>git config --global user.name</a:t>
-            </a:r>
+              <a:t> ;  cd </a:t>
+            </a:r>
+            <a:r>
+              <a:rPr lang="en-CA" dirty="0" err="1">
+                <a:latin typeface="Cascadia Code" panose="020B0609020000020004" pitchFamily="49" charset="0"/>
+                <a:ea typeface="Cascadia Code" panose="020B0609020000020004" pitchFamily="49" charset="0"/>
+                <a:cs typeface="Cascadia Code" panose="020B0609020000020004" pitchFamily="49" charset="0"/>
+              </a:rPr>
+              <a:t>myproject</a:t>
+            </a:r>
+            <a:endParaRPr lang="en-CA" dirty="0">
+              <a:latin typeface="Cascadia Code" panose="020B0609020000020004" pitchFamily="49" charset="0"/>
+              <a:ea typeface="Cascadia Code" panose="020B0609020000020004" pitchFamily="49" charset="0"/>
+              <a:cs typeface="Cascadia Code" panose="020B0609020000020004" pitchFamily="49" charset="0"/>
+            </a:endParaRPr>
           </a:p>
           <a:p>
             <a:pPr marL="457200" indent="-457200">
@@ -9991,7 +10497,7 @@
                 <a:ea typeface="Cascadia Code" panose="020B0609020000020004" pitchFamily="49" charset="0"/>
                 <a:cs typeface="Cascadia Code" panose="020B0609020000020004" pitchFamily="49" charset="0"/>
               </a:rPr>
-              <a:t>git config --global </a:t>
+              <a:t>git </a:t>
             </a:r>
             <a:r>
               <a:rPr lang="en-CA" dirty="0" err="1">
@@ -9999,7 +10505,7 @@
                 <a:ea typeface="Cascadia Code" panose="020B0609020000020004" pitchFamily="49" charset="0"/>
                 <a:cs typeface="Cascadia Code" panose="020B0609020000020004" pitchFamily="49" charset="0"/>
               </a:rPr>
-              <a:t>user.email</a:t>
+              <a:t>init</a:t>
             </a:r>
             <a:endParaRPr lang="en-CA" dirty="0">
               <a:latin typeface="Cascadia Code" panose="020B0609020000020004" pitchFamily="49" charset="0"/>
@@ -10008,6 +10514,31 @@
             </a:endParaRPr>
           </a:p>
           <a:p>
+            <a:pPr lvl="1"/>
+            <a:r>
+              <a:rPr lang="en-CA" dirty="0">
+                <a:latin typeface="Inter V" panose="02000503000000020004" pitchFamily="2" charset="0"/>
+                <a:ea typeface="Inter V" panose="02000503000000020004" pitchFamily="2" charset="0"/>
+                <a:cs typeface="Inter V" panose="02000503000000020004" pitchFamily="2" charset="0"/>
+              </a:rPr>
+              <a:t>Initialize a new repository</a:t>
+            </a:r>
+          </a:p>
+          <a:p>
+            <a:pPr marL="457200" indent="-457200">
+              <a:buFont typeface="+mj-lt"/>
+              <a:buAutoNum type="arabicPeriod"/>
+            </a:pPr>
+            <a:r>
+              <a:rPr lang="en-CA" dirty="0">
+                <a:latin typeface="Inter V" panose="02000503000000020004" pitchFamily="2" charset="0"/>
+                <a:ea typeface="Inter V" panose="02000503000000020004" pitchFamily="2" charset="0"/>
+                <a:cs typeface="Inter V" panose="02000503000000020004" pitchFamily="2" charset="0"/>
+              </a:rPr>
+              <a:t>Create README.md</a:t>
+            </a:r>
+          </a:p>
+          <a:p>
             <a:pPr marL="457200" indent="-457200">
               <a:buFont typeface="+mj-lt"/>
               <a:buAutoNum type="arabicPeriod"/>
@@ -10018,24 +10549,30 @@
                 <a:ea typeface="Cascadia Code" panose="020B0609020000020004" pitchFamily="49" charset="0"/>
                 <a:cs typeface="Cascadia Code" panose="020B0609020000020004" pitchFamily="49" charset="0"/>
               </a:rPr>
-              <a:t>git config --global </a:t>
-            </a:r>
-            <a:r>
-              <a:rPr lang="en-CA" dirty="0" err="1">
-                <a:latin typeface="Cascadia Code" panose="020B0609020000020004" pitchFamily="49" charset="0"/>
-                <a:ea typeface="Cascadia Code" panose="020B0609020000020004" pitchFamily="49" charset="0"/>
-                <a:cs typeface="Cascadia Code" panose="020B0609020000020004" pitchFamily="49" charset="0"/>
+              <a:t>git status</a:t>
+            </a:r>
+          </a:p>
+          <a:p>
+            <a:pPr lvl="1"/>
+            <a:r>
+              <a:rPr lang="en-CA" dirty="0">
+                <a:latin typeface="Inter V" panose="02000503000000020004" pitchFamily="2" charset="0"/>
+                <a:ea typeface="Inter V" panose="02000503000000020004" pitchFamily="2" charset="0"/>
+                <a:cs typeface="Inter V" panose="02000503000000020004" pitchFamily="2" charset="0"/>
               </a:rPr>
-              <a:t>core.editor</a:t>
-            </a:r>
-            <a:r>
-              <a:rPr lang="en-CA" dirty="0">
-                <a:latin typeface="Cascadia Code" panose="020B0609020000020004" pitchFamily="49" charset="0"/>
-                <a:ea typeface="Cascadia Code" panose="020B0609020000020004" pitchFamily="49" charset="0"/>
-                <a:cs typeface="Cascadia Code" panose="020B0609020000020004" pitchFamily="49" charset="0"/>
-              </a:rPr>
-              <a:t> “code --wait”</a:t>
-            </a:r>
+              <a:t>Query the current state</a:t>
+            </a:r>
+          </a:p>
+          <a:p>
+            <a:pPr marL="914400" lvl="1" indent="-457200">
+              <a:buFont typeface="+mj-lt"/>
+              <a:buAutoNum type="arabicPeriod"/>
+            </a:pPr>
+            <a:endParaRPr lang="en-CA" dirty="0">
+              <a:latin typeface="Cascadia Code" panose="020B0609020000020004" pitchFamily="49" charset="0"/>
+              <a:ea typeface="Cascadia Code" panose="020B0609020000020004" pitchFamily="49" charset="0"/>
+              <a:cs typeface="Cascadia Code" panose="020B0609020000020004" pitchFamily="49" charset="0"/>
+            </a:endParaRPr>
           </a:p>
         </p:txBody>
       </p:sp>
@@ -10044,7 +10581,7 @@
           <p:cNvPr id="4" name="Slide Number Placeholder 3">
             <a:extLst>
               <a:ext uri="{FF2B5EF4-FFF2-40B4-BE49-F238E27FC236}">
-                <a16:creationId xmlns:a16="http://schemas.microsoft.com/office/drawing/2014/main" id="{E6039016-11A4-F1A2-7AFA-F3A481C488DC}"/>
+                <a16:creationId xmlns:a16="http://schemas.microsoft.com/office/drawing/2014/main" id="{1815C1C7-FAE6-3D1B-61DE-586B5079C850}"/>
               </a:ext>
             </a:extLst>
           </p:cNvPr>
@@ -10062,7 +10599,7 @@
           <a:p>
             <a:fld id="{4F883B06-9FA1-44A8-8ACD-51391BD89E0C}" type="slidenum">
               <a:rPr lang="en-CA" smtClean="0"/>
-              <a:t>10</a:t>
+              <a:t>14</a:t>
             </a:fld>
             <a:endParaRPr lang="en-CA"/>
           </a:p>
@@ -10073,7 +10610,7 @@
           <p:cNvPr id="5" name="Text Placeholder 4">
             <a:extLst>
               <a:ext uri="{FF2B5EF4-FFF2-40B4-BE49-F238E27FC236}">
-                <a16:creationId xmlns:a16="http://schemas.microsoft.com/office/drawing/2014/main" id="{7BC482A4-A039-5260-679F-7CF3C2B2B1E7}"/>
+                <a16:creationId xmlns:a16="http://schemas.microsoft.com/office/drawing/2014/main" id="{FD73E2E5-0D27-188C-8CA3-F6EE24DD80E2}"/>
               </a:ext>
             </a:extLst>
           </p:cNvPr>
@@ -10091,7 +10628,11 @@
           <a:p>
             <a:r>
               <a:rPr lang="en-CA" dirty="0"/>
-              <a:t>Git configuration</a:t>
+              <a:t>Git: </a:t>
+            </a:r>
+            <a:r>
+              <a:rPr lang="en-CA" b="0" dirty="0"/>
+              <a:t>Getting started</a:t>
             </a:r>
           </a:p>
         </p:txBody>
@@ -10101,7 +10642,7 @@
           <p:cNvPr id="6" name="Rectangle 5">
             <a:extLst>
               <a:ext uri="{FF2B5EF4-FFF2-40B4-BE49-F238E27FC236}">
-                <a16:creationId xmlns:a16="http://schemas.microsoft.com/office/drawing/2014/main" id="{A4FC91DB-02AF-1000-D378-DAC7768E9970}"/>
+                <a16:creationId xmlns:a16="http://schemas.microsoft.com/office/drawing/2014/main" id="{AAC3C477-5797-8367-6CF8-8204F21971AA}"/>
               </a:ext>
             </a:extLst>
           </p:cNvPr>
@@ -10160,604 +10701,7 @@
     </p:spTree>
     <p:extLst>
       <p:ext uri="{BB962C8B-B14F-4D97-AF65-F5344CB8AC3E}">
-        <p14:creationId xmlns:p14="http://schemas.microsoft.com/office/powerpoint/2010/main" val="2940773449"/>
-      </p:ext>
-    </p:extLst>
-  </p:cSld>
-  <p:clrMapOvr>
-    <a:masterClrMapping/>
-  </p:clrMapOvr>
-</p:sld>
-</file>
-
-<file path=ppt/slides/slide11.xml><?xml version="1.0" encoding="utf-8"?>
-<p:sld xmlns:a="http://schemas.openxmlformats.org/drawingml/2006/main" xmlns:r="http://schemas.openxmlformats.org/officeDocument/2006/relationships" xmlns:p="http://schemas.openxmlformats.org/presentationml/2006/main">
-  <p:cSld>
-    <p:spTree>
-      <p:nvGrpSpPr>
-        <p:cNvPr id="1" name=""/>
-        <p:cNvGrpSpPr/>
-        <p:nvPr/>
-      </p:nvGrpSpPr>
-      <p:grpSpPr>
-        <a:xfrm>
-          <a:off x="0" y="0"/>
-          <a:ext cx="0" cy="0"/>
-          <a:chOff x="0" y="0"/>
-          <a:chExt cx="0" cy="0"/>
-        </a:xfrm>
-      </p:grpSpPr>
-      <p:sp>
-        <p:nvSpPr>
-          <p:cNvPr id="2" name="Title 1">
-            <a:extLst>
-              <a:ext uri="{FF2B5EF4-FFF2-40B4-BE49-F238E27FC236}">
-                <a16:creationId xmlns:a16="http://schemas.microsoft.com/office/drawing/2014/main" id="{14ACA173-409E-662F-5BAF-8AE5AF0F8D06}"/>
-              </a:ext>
-            </a:extLst>
-          </p:cNvPr>
-          <p:cNvSpPr>
-            <a:spLocks noGrp="1"/>
-          </p:cNvSpPr>
-          <p:nvPr>
-            <p:ph type="title"/>
-          </p:nvPr>
-        </p:nvSpPr>
-        <p:spPr/>
-        <p:txBody>
-          <a:bodyPr/>
-          <a:lstStyle/>
-          <a:p>
-            <a:endParaRPr lang="en-CA"/>
-          </a:p>
-        </p:txBody>
-      </p:sp>
-      <p:sp>
-        <p:nvSpPr>
-          <p:cNvPr id="4" name="Slide Number Placeholder 3">
-            <a:extLst>
-              <a:ext uri="{FF2B5EF4-FFF2-40B4-BE49-F238E27FC236}">
-                <a16:creationId xmlns:a16="http://schemas.microsoft.com/office/drawing/2014/main" id="{D2F45239-74C6-A123-7644-E56A6048C7A9}"/>
-              </a:ext>
-            </a:extLst>
-          </p:cNvPr>
-          <p:cNvSpPr>
-            <a:spLocks noGrp="1"/>
-          </p:cNvSpPr>
-          <p:nvPr>
-            <p:ph type="sldNum" sz="quarter" idx="12"/>
-          </p:nvPr>
-        </p:nvSpPr>
-        <p:spPr/>
-        <p:txBody>
-          <a:bodyPr/>
-          <a:lstStyle/>
-          <a:p>
-            <a:fld id="{4F883B06-9FA1-44A8-8ACD-51391BD89E0C}" type="slidenum">
-              <a:rPr lang="en-CA" smtClean="0"/>
-              <a:t>11</a:t>
-            </a:fld>
-            <a:endParaRPr lang="en-CA"/>
-          </a:p>
-        </p:txBody>
-      </p:sp>
-      <p:sp>
-        <p:nvSpPr>
-          <p:cNvPr id="5" name="Text Placeholder 4">
-            <a:extLst>
-              <a:ext uri="{FF2B5EF4-FFF2-40B4-BE49-F238E27FC236}">
-                <a16:creationId xmlns:a16="http://schemas.microsoft.com/office/drawing/2014/main" id="{647B167C-A4CF-0264-D177-4472F244AC98}"/>
-              </a:ext>
-            </a:extLst>
-          </p:cNvPr>
-          <p:cNvSpPr>
-            <a:spLocks noGrp="1"/>
-          </p:cNvSpPr>
-          <p:nvPr>
-            <p:ph type="body" sz="quarter" idx="13"/>
-          </p:nvPr>
-        </p:nvSpPr>
-        <p:spPr/>
-        <p:txBody>
-          <a:bodyPr/>
-          <a:lstStyle/>
-          <a:p>
-            <a:endParaRPr lang="en-CA"/>
-          </a:p>
-        </p:txBody>
-      </p:sp>
-      <p:pic>
-        <p:nvPicPr>
-          <p:cNvPr id="7" name="Picture 6">
-            <a:extLst>
-              <a:ext uri="{FF2B5EF4-FFF2-40B4-BE49-F238E27FC236}">
-                <a16:creationId xmlns:a16="http://schemas.microsoft.com/office/drawing/2014/main" id="{33B001D9-5408-67F9-EDA4-1C80BDF806A1}"/>
-              </a:ext>
-            </a:extLst>
-          </p:cNvPr>
-          <p:cNvPicPr>
-            <a:picLocks noChangeAspect="1"/>
-          </p:cNvPicPr>
-          <p:nvPr/>
-        </p:nvPicPr>
-        <p:blipFill>
-          <a:blip r:embed="rId2"/>
-          <a:stretch>
-            <a:fillRect/>
-          </a:stretch>
-        </p:blipFill>
-        <p:spPr>
-          <a:xfrm>
-            <a:off x="2143743" y="1649961"/>
-            <a:ext cx="7904514" cy="3558078"/>
-          </a:xfrm>
-          <a:prstGeom prst="rect">
-            <a:avLst/>
-          </a:prstGeom>
-        </p:spPr>
-      </p:pic>
-    </p:spTree>
-    <p:extLst>
-      <p:ext uri="{BB962C8B-B14F-4D97-AF65-F5344CB8AC3E}">
-        <p14:creationId xmlns:p14="http://schemas.microsoft.com/office/powerpoint/2010/main" val="4050342690"/>
-      </p:ext>
-    </p:extLst>
-  </p:cSld>
-  <p:clrMapOvr>
-    <a:masterClrMapping/>
-  </p:clrMapOvr>
-</p:sld>
-</file>
-
-<file path=ppt/slides/slide12.xml><?xml version="1.0" encoding="utf-8"?>
-<p:sld xmlns:a="http://schemas.openxmlformats.org/drawingml/2006/main" xmlns:r="http://schemas.openxmlformats.org/officeDocument/2006/relationships" xmlns:p="http://schemas.openxmlformats.org/presentationml/2006/main">
-  <p:cSld>
-    <p:spTree>
-      <p:nvGrpSpPr>
-        <p:cNvPr id="1" name=""/>
-        <p:cNvGrpSpPr/>
-        <p:nvPr/>
-      </p:nvGrpSpPr>
-      <p:grpSpPr>
-        <a:xfrm>
-          <a:off x="0" y="0"/>
-          <a:ext cx="0" cy="0"/>
-          <a:chOff x="0" y="0"/>
-          <a:chExt cx="0" cy="0"/>
-        </a:xfrm>
-      </p:grpSpPr>
-      <p:sp>
-        <p:nvSpPr>
-          <p:cNvPr id="2" name="Title 1">
-            <a:extLst>
-              <a:ext uri="{FF2B5EF4-FFF2-40B4-BE49-F238E27FC236}">
-                <a16:creationId xmlns:a16="http://schemas.microsoft.com/office/drawing/2014/main" id="{A2042E2A-E8CC-9BC2-08AA-D4F4DCA9E0E9}"/>
-              </a:ext>
-            </a:extLst>
-          </p:cNvPr>
-          <p:cNvSpPr>
-            <a:spLocks noGrp="1"/>
-          </p:cNvSpPr>
-          <p:nvPr>
-            <p:ph type="title"/>
-          </p:nvPr>
-        </p:nvSpPr>
-        <p:spPr/>
-        <p:txBody>
-          <a:bodyPr/>
-          <a:lstStyle/>
-          <a:p>
-            <a:r>
-              <a:rPr lang="en-CA" dirty="0"/>
-              <a:t>Getting help</a:t>
-            </a:r>
-          </a:p>
-        </p:txBody>
-      </p:sp>
-      <p:sp>
-        <p:nvSpPr>
-          <p:cNvPr id="3" name="Content Placeholder 2">
-            <a:extLst>
-              <a:ext uri="{FF2B5EF4-FFF2-40B4-BE49-F238E27FC236}">
-                <a16:creationId xmlns:a16="http://schemas.microsoft.com/office/drawing/2014/main" id="{FA54B570-1AC6-0912-7019-D4CD75176F9A}"/>
-              </a:ext>
-            </a:extLst>
-          </p:cNvPr>
-          <p:cNvSpPr>
-            <a:spLocks noGrp="1"/>
-          </p:cNvSpPr>
-          <p:nvPr>
-            <p:ph idx="1"/>
-          </p:nvPr>
-        </p:nvSpPr>
-        <p:spPr/>
-        <p:txBody>
-          <a:bodyPr/>
-          <a:lstStyle/>
-          <a:p>
-            <a:r>
-              <a:rPr lang="en-CA" dirty="0">
-                <a:latin typeface="Cascadia Code" panose="020B0609020000020004" pitchFamily="49" charset="0"/>
-                <a:ea typeface="Cascadia Code" panose="020B0609020000020004" pitchFamily="49" charset="0"/>
-                <a:cs typeface="Cascadia Code" panose="020B0609020000020004" pitchFamily="49" charset="0"/>
-              </a:rPr>
-              <a:t>git help &lt;verb&gt;</a:t>
-            </a:r>
-          </a:p>
-          <a:p>
-            <a:r>
-              <a:rPr lang="en-CA" dirty="0">
-                <a:latin typeface="Cascadia Code" panose="020B0609020000020004" pitchFamily="49" charset="0"/>
-                <a:ea typeface="Cascadia Code" panose="020B0609020000020004" pitchFamily="49" charset="0"/>
-                <a:cs typeface="Cascadia Code" panose="020B0609020000020004" pitchFamily="49" charset="0"/>
-              </a:rPr>
-              <a:t>git &lt;verb&gt; --help</a:t>
-            </a:r>
-          </a:p>
-          <a:p>
-            <a:pPr marL="0" indent="0">
-              <a:buNone/>
-            </a:pPr>
-            <a:endParaRPr lang="en-CA" dirty="0">
-              <a:latin typeface="Cascadia Code" panose="020B0609020000020004" pitchFamily="49" charset="0"/>
-              <a:ea typeface="Cascadia Code" panose="020B0609020000020004" pitchFamily="49" charset="0"/>
-              <a:cs typeface="Cascadia Code" panose="020B0609020000020004" pitchFamily="49" charset="0"/>
-            </a:endParaRPr>
-          </a:p>
-          <a:p>
-            <a:pPr marL="0" indent="0">
-              <a:buNone/>
-            </a:pPr>
-            <a:r>
-              <a:rPr lang="en-CA" b="1" dirty="0"/>
-              <a:t>Git reference manual:</a:t>
-            </a:r>
-            <a:r>
-              <a:rPr lang="en-CA" dirty="0"/>
-              <a:t> https://git-scm.com/docs</a:t>
-            </a:r>
-          </a:p>
-        </p:txBody>
-      </p:sp>
-      <p:sp>
-        <p:nvSpPr>
-          <p:cNvPr id="4" name="Slide Number Placeholder 3">
-            <a:extLst>
-              <a:ext uri="{FF2B5EF4-FFF2-40B4-BE49-F238E27FC236}">
-                <a16:creationId xmlns:a16="http://schemas.microsoft.com/office/drawing/2014/main" id="{9919A3FE-88A8-D9D0-D1DD-E518C5002966}"/>
-              </a:ext>
-            </a:extLst>
-          </p:cNvPr>
-          <p:cNvSpPr>
-            <a:spLocks noGrp="1"/>
-          </p:cNvSpPr>
-          <p:nvPr>
-            <p:ph type="sldNum" sz="quarter" idx="12"/>
-          </p:nvPr>
-        </p:nvSpPr>
-        <p:spPr/>
-        <p:txBody>
-          <a:bodyPr/>
-          <a:lstStyle/>
-          <a:p>
-            <a:fld id="{4F883B06-9FA1-44A8-8ACD-51391BD89E0C}" type="slidenum">
-              <a:rPr lang="en-CA" smtClean="0"/>
-              <a:t>12</a:t>
-            </a:fld>
-            <a:endParaRPr lang="en-CA"/>
-          </a:p>
-        </p:txBody>
-      </p:sp>
-      <p:sp>
-        <p:nvSpPr>
-          <p:cNvPr id="5" name="Text Placeholder 4">
-            <a:extLst>
-              <a:ext uri="{FF2B5EF4-FFF2-40B4-BE49-F238E27FC236}">
-                <a16:creationId xmlns:a16="http://schemas.microsoft.com/office/drawing/2014/main" id="{55A70B26-61D6-DD0C-163B-0CE3F4EA5AE7}"/>
-              </a:ext>
-            </a:extLst>
-          </p:cNvPr>
-          <p:cNvSpPr>
-            <a:spLocks noGrp="1"/>
-          </p:cNvSpPr>
-          <p:nvPr>
-            <p:ph type="body" sz="quarter" idx="13"/>
-          </p:nvPr>
-        </p:nvSpPr>
-        <p:spPr/>
-        <p:txBody>
-          <a:bodyPr/>
-          <a:lstStyle/>
-          <a:p>
-            <a:r>
-              <a:rPr lang="en-CA" dirty="0"/>
-              <a:t>Git</a:t>
-            </a:r>
-          </a:p>
-        </p:txBody>
-      </p:sp>
-    </p:spTree>
-    <p:extLst>
-      <p:ext uri="{BB962C8B-B14F-4D97-AF65-F5344CB8AC3E}">
-        <p14:creationId xmlns:p14="http://schemas.microsoft.com/office/powerpoint/2010/main" val="1486586658"/>
-      </p:ext>
-    </p:extLst>
-  </p:cSld>
-  <p:clrMapOvr>
-    <a:masterClrMapping/>
-  </p:clrMapOvr>
-</p:sld>
-</file>
-
-<file path=ppt/slides/slide13.xml><?xml version="1.0" encoding="utf-8"?>
-<p:sld xmlns:a="http://schemas.openxmlformats.org/drawingml/2006/main" xmlns:r="http://schemas.openxmlformats.org/officeDocument/2006/relationships" xmlns:p="http://schemas.openxmlformats.org/presentationml/2006/main">
-  <p:cSld>
-    <p:spTree>
-      <p:nvGrpSpPr>
-        <p:cNvPr id="1" name=""/>
-        <p:cNvGrpSpPr/>
-        <p:nvPr/>
-      </p:nvGrpSpPr>
-      <p:grpSpPr>
-        <a:xfrm>
-          <a:off x="0" y="0"/>
-          <a:ext cx="0" cy="0"/>
-          <a:chOff x="0" y="0"/>
-          <a:chExt cx="0" cy="0"/>
-        </a:xfrm>
-      </p:grpSpPr>
-      <p:sp>
-        <p:nvSpPr>
-          <p:cNvPr id="6" name="Title 5">
-            <a:extLst>
-              <a:ext uri="{FF2B5EF4-FFF2-40B4-BE49-F238E27FC236}">
-                <a16:creationId xmlns:a16="http://schemas.microsoft.com/office/drawing/2014/main" id="{69EC43A1-F771-D678-35A4-1C08227D43B5}"/>
-              </a:ext>
-            </a:extLst>
-          </p:cNvPr>
-          <p:cNvSpPr>
-            <a:spLocks noGrp="1"/>
-          </p:cNvSpPr>
-          <p:nvPr>
-            <p:ph type="title"/>
-          </p:nvPr>
-        </p:nvSpPr>
-        <p:spPr>
-          <a:xfrm>
-            <a:off x="831850" y="2590685"/>
-            <a:ext cx="10515600" cy="2852737"/>
-          </a:xfrm>
-        </p:spPr>
-        <p:txBody>
-          <a:bodyPr/>
-          <a:lstStyle/>
-          <a:p>
-            <a:r>
-              <a:rPr lang="en-CA" dirty="0"/>
-              <a:t>What questions </a:t>
-            </a:r>
-            <a:br>
-              <a:rPr lang="en-CA" dirty="0"/>
-            </a:br>
-            <a:r>
-              <a:rPr lang="en-CA" dirty="0"/>
-              <a:t>do we have?</a:t>
-            </a:r>
-          </a:p>
-        </p:txBody>
-      </p:sp>
-      <p:sp>
-        <p:nvSpPr>
-          <p:cNvPr id="4" name="Slide Number Placeholder 3">
-            <a:extLst>
-              <a:ext uri="{FF2B5EF4-FFF2-40B4-BE49-F238E27FC236}">
-                <a16:creationId xmlns:a16="http://schemas.microsoft.com/office/drawing/2014/main" id="{21948600-A067-0BE1-52CA-4DFC53D088A0}"/>
-              </a:ext>
-            </a:extLst>
-          </p:cNvPr>
-          <p:cNvSpPr>
-            <a:spLocks noGrp="1"/>
-          </p:cNvSpPr>
-          <p:nvPr>
-            <p:ph type="sldNum" sz="quarter" idx="12"/>
-          </p:nvPr>
-        </p:nvSpPr>
-        <p:spPr/>
-        <p:txBody>
-          <a:bodyPr/>
-          <a:lstStyle/>
-          <a:p>
-            <a:fld id="{4F883B06-9FA1-44A8-8ACD-51391BD89E0C}" type="slidenum">
-              <a:rPr lang="en-CA" smtClean="0"/>
-              <a:t>13</a:t>
-            </a:fld>
-            <a:endParaRPr lang="en-CA"/>
-          </a:p>
-        </p:txBody>
-      </p:sp>
-    </p:spTree>
-    <p:extLst>
-      <p:ext uri="{BB962C8B-B14F-4D97-AF65-F5344CB8AC3E}">
-        <p14:creationId xmlns:p14="http://schemas.microsoft.com/office/powerpoint/2010/main" val="2770725278"/>
-      </p:ext>
-    </p:extLst>
-  </p:cSld>
-  <p:clrMapOvr>
-    <a:masterClrMapping/>
-  </p:clrMapOvr>
-</p:sld>
-</file>
-
-<file path=ppt/slides/slide14.xml><?xml version="1.0" encoding="utf-8"?>
-<p:sld xmlns:a="http://schemas.openxmlformats.org/drawingml/2006/main" xmlns:r="http://schemas.openxmlformats.org/officeDocument/2006/relationships" xmlns:p="http://schemas.openxmlformats.org/presentationml/2006/main">
-  <p:cSld>
-    <p:spTree>
-      <p:nvGrpSpPr>
-        <p:cNvPr id="1" name=""/>
-        <p:cNvGrpSpPr/>
-        <p:nvPr/>
-      </p:nvGrpSpPr>
-      <p:grpSpPr>
-        <a:xfrm>
-          <a:off x="0" y="0"/>
-          <a:ext cx="0" cy="0"/>
-          <a:chOff x="0" y="0"/>
-          <a:chExt cx="0" cy="0"/>
-        </a:xfrm>
-      </p:grpSpPr>
-      <p:sp>
-        <p:nvSpPr>
-          <p:cNvPr id="2" name="Title 1">
-            <a:extLst>
-              <a:ext uri="{FF2B5EF4-FFF2-40B4-BE49-F238E27FC236}">
-                <a16:creationId xmlns:a16="http://schemas.microsoft.com/office/drawing/2014/main" id="{756D6A08-F653-DDAF-1B71-D4A9CB519088}"/>
-              </a:ext>
-            </a:extLst>
-          </p:cNvPr>
-          <p:cNvSpPr>
-            <a:spLocks noGrp="1"/>
-          </p:cNvSpPr>
-          <p:nvPr>
-            <p:ph type="title"/>
-          </p:nvPr>
-        </p:nvSpPr>
-        <p:spPr/>
-        <p:txBody>
-          <a:bodyPr/>
-          <a:lstStyle/>
-          <a:p>
-            <a:r>
-              <a:rPr lang="en-CA" dirty="0"/>
-              <a:t>Meet our analyst, Alex</a:t>
-            </a:r>
-          </a:p>
-        </p:txBody>
-      </p:sp>
-      <p:sp>
-        <p:nvSpPr>
-          <p:cNvPr id="3" name="Content Placeholder 2">
-            <a:extLst>
-              <a:ext uri="{FF2B5EF4-FFF2-40B4-BE49-F238E27FC236}">
-                <a16:creationId xmlns:a16="http://schemas.microsoft.com/office/drawing/2014/main" id="{D447C0B9-E0C2-AAF6-40D5-6F77106C3B8D}"/>
-              </a:ext>
-            </a:extLst>
-          </p:cNvPr>
-          <p:cNvSpPr>
-            <a:spLocks noGrp="1"/>
-          </p:cNvSpPr>
-          <p:nvPr>
-            <p:ph idx="1"/>
-          </p:nvPr>
-        </p:nvSpPr>
-        <p:spPr/>
-        <p:txBody>
-          <a:bodyPr/>
-          <a:lstStyle/>
-          <a:p>
-            <a:r>
-              <a:rPr lang="en-US" dirty="0"/>
-              <a:t>Alex is a data engineer</a:t>
-            </a:r>
-          </a:p>
-          <a:p>
-            <a:r>
-              <a:rPr lang="en-US" dirty="0"/>
-              <a:t>Alex works on a team at a mid-sized company</a:t>
-            </a:r>
-          </a:p>
-          <a:p>
-            <a:r>
-              <a:rPr lang="en-US" dirty="0"/>
-              <a:t>Alex is starting a new project:</a:t>
-            </a:r>
-          </a:p>
-          <a:p>
-            <a:pPr lvl="1"/>
-            <a:r>
-              <a:rPr lang="en-US" dirty="0"/>
-              <a:t>develop a data processing pipeline that aggregates sales data from multiple sources into a centralized data warehouse</a:t>
-            </a:r>
-          </a:p>
-          <a:p>
-            <a:pPr lvl="1"/>
-            <a:r>
-              <a:rPr lang="en-US" dirty="0"/>
-              <a:t>develop a new module for the sales business intelligence dashboard with this analysis</a:t>
-            </a:r>
-          </a:p>
-          <a:p>
-            <a:r>
-              <a:rPr lang="en-US" dirty="0"/>
-              <a:t>Follow along as Alex uses Git to simplify her work</a:t>
-            </a:r>
-          </a:p>
-        </p:txBody>
-      </p:sp>
-      <p:sp>
-        <p:nvSpPr>
-          <p:cNvPr id="4" name="Slide Number Placeholder 3">
-            <a:extLst>
-              <a:ext uri="{FF2B5EF4-FFF2-40B4-BE49-F238E27FC236}">
-                <a16:creationId xmlns:a16="http://schemas.microsoft.com/office/drawing/2014/main" id="{8EE28A26-0939-A51F-A6F5-70067A99AA6A}"/>
-              </a:ext>
-            </a:extLst>
-          </p:cNvPr>
-          <p:cNvSpPr>
-            <a:spLocks noGrp="1"/>
-          </p:cNvSpPr>
-          <p:nvPr>
-            <p:ph type="sldNum" sz="quarter" idx="12"/>
-          </p:nvPr>
-        </p:nvSpPr>
-        <p:spPr/>
-        <p:txBody>
-          <a:bodyPr/>
-          <a:lstStyle/>
-          <a:p>
-            <a:fld id="{4F883B06-9FA1-44A8-8ACD-51391BD89E0C}" type="slidenum">
-              <a:rPr lang="en-CA" smtClean="0"/>
-              <a:t>14</a:t>
-            </a:fld>
-            <a:endParaRPr lang="en-CA"/>
-          </a:p>
-        </p:txBody>
-      </p:sp>
-      <p:sp>
-        <p:nvSpPr>
-          <p:cNvPr id="5" name="Text Placeholder 4">
-            <a:extLst>
-              <a:ext uri="{FF2B5EF4-FFF2-40B4-BE49-F238E27FC236}">
-                <a16:creationId xmlns:a16="http://schemas.microsoft.com/office/drawing/2014/main" id="{536054FC-9E40-518E-CE56-ABAD2F208DEB}"/>
-              </a:ext>
-            </a:extLst>
-          </p:cNvPr>
-          <p:cNvSpPr>
-            <a:spLocks noGrp="1"/>
-          </p:cNvSpPr>
-          <p:nvPr>
-            <p:ph type="body" sz="quarter" idx="13"/>
-          </p:nvPr>
-        </p:nvSpPr>
-        <p:spPr/>
-        <p:txBody>
-          <a:bodyPr/>
-          <a:lstStyle/>
-          <a:p>
-            <a:r>
-              <a:rPr lang="en-CA" dirty="0"/>
-              <a:t>Git: </a:t>
-            </a:r>
-            <a:r>
-              <a:rPr lang="en-CA" b="0" dirty="0"/>
-              <a:t>Introduction</a:t>
-            </a:r>
-          </a:p>
-        </p:txBody>
-      </p:sp>
-    </p:spTree>
-    <p:extLst>
-      <p:ext uri="{BB962C8B-B14F-4D97-AF65-F5344CB8AC3E}">
-        <p14:creationId xmlns:p14="http://schemas.microsoft.com/office/powerpoint/2010/main" val="2777386696"/>
+        <p14:creationId xmlns:p14="http://schemas.microsoft.com/office/powerpoint/2010/main" val="1578593246"/>
       </p:ext>
     </p:extLst>
   </p:cSld>
@@ -10768,374 +10712,6 @@
 </file>
 
 <file path=ppt/slides/slide15.xml><?xml version="1.0" encoding="utf-8"?>
-<p:sld xmlns:a="http://schemas.openxmlformats.org/drawingml/2006/main" xmlns:r="http://schemas.openxmlformats.org/officeDocument/2006/relationships" xmlns:p="http://schemas.openxmlformats.org/presentationml/2006/main">
-  <p:cSld>
-    <p:spTree>
-      <p:nvGrpSpPr>
-        <p:cNvPr id="1" name="">
-          <a:extLst>
-            <a:ext uri="{FF2B5EF4-FFF2-40B4-BE49-F238E27FC236}">
-              <a16:creationId xmlns:a16="http://schemas.microsoft.com/office/drawing/2014/main" id="{182ED2CD-F3F3-1A3E-2275-92CFE4BA68F4}"/>
-            </a:ext>
-          </a:extLst>
-        </p:cNvPr>
-        <p:cNvGrpSpPr/>
-        <p:nvPr/>
-      </p:nvGrpSpPr>
-      <p:grpSpPr>
-        <a:xfrm>
-          <a:off x="0" y="0"/>
-          <a:ext cx="0" cy="0"/>
-          <a:chOff x="0" y="0"/>
-          <a:chExt cx="0" cy="0"/>
-        </a:xfrm>
-      </p:grpSpPr>
-      <p:sp>
-        <p:nvSpPr>
-          <p:cNvPr id="2" name="Title 1">
-            <a:extLst>
-              <a:ext uri="{FF2B5EF4-FFF2-40B4-BE49-F238E27FC236}">
-                <a16:creationId xmlns:a16="http://schemas.microsoft.com/office/drawing/2014/main" id="{56941A09-B95D-3D73-824D-072447084D6B}"/>
-              </a:ext>
-            </a:extLst>
-          </p:cNvPr>
-          <p:cNvSpPr>
-            <a:spLocks noGrp="1"/>
-          </p:cNvSpPr>
-          <p:nvPr>
-            <p:ph type="title"/>
-          </p:nvPr>
-        </p:nvSpPr>
-        <p:spPr/>
-        <p:txBody>
-          <a:bodyPr/>
-          <a:lstStyle/>
-          <a:p>
-            <a:r>
-              <a:rPr lang="en-CA" dirty="0">
-                <a:solidFill>
-                  <a:schemeClr val="accent3">
-                    <a:lumMod val="75000"/>
-                  </a:schemeClr>
-                </a:solidFill>
-              </a:rPr>
-              <a:t>$&gt; </a:t>
-            </a:r>
-            <a:r>
-              <a:rPr lang="en-CA" dirty="0"/>
-              <a:t>Interactive live coding</a:t>
-            </a:r>
-          </a:p>
-        </p:txBody>
-      </p:sp>
-      <p:sp>
-        <p:nvSpPr>
-          <p:cNvPr id="3" name="Content Placeholder 2">
-            <a:extLst>
-              <a:ext uri="{FF2B5EF4-FFF2-40B4-BE49-F238E27FC236}">
-                <a16:creationId xmlns:a16="http://schemas.microsoft.com/office/drawing/2014/main" id="{97C4996A-B831-9D07-C957-5E17A6B30855}"/>
-              </a:ext>
-            </a:extLst>
-          </p:cNvPr>
-          <p:cNvSpPr>
-            <a:spLocks noGrp="1"/>
-          </p:cNvSpPr>
-          <p:nvPr>
-            <p:ph idx="1"/>
-          </p:nvPr>
-        </p:nvSpPr>
-        <p:spPr/>
-        <p:txBody>
-          <a:bodyPr>
-            <a:normAutofit/>
-          </a:bodyPr>
-          <a:lstStyle/>
-          <a:p>
-            <a:pPr marL="0" indent="0">
-              <a:buNone/>
-            </a:pPr>
-            <a:r>
-              <a:rPr lang="en-CA" b="1" dirty="0"/>
-              <a:t>Alex sets up a code repository before writing any code.</a:t>
-            </a:r>
-          </a:p>
-          <a:p>
-            <a:pPr marL="457200" indent="-457200">
-              <a:buFont typeface="+mj-lt"/>
-              <a:buAutoNum type="arabicPeriod"/>
-            </a:pPr>
-            <a:r>
-              <a:rPr lang="en-CA" dirty="0" err="1">
-                <a:latin typeface="Cascadia Code" panose="020B0609020000020004" pitchFamily="49" charset="0"/>
-                <a:ea typeface="Cascadia Code" panose="020B0609020000020004" pitchFamily="49" charset="0"/>
-                <a:cs typeface="Cascadia Code" panose="020B0609020000020004" pitchFamily="49" charset="0"/>
-              </a:rPr>
-              <a:t>mkdir</a:t>
-            </a:r>
-            <a:r>
-              <a:rPr lang="en-CA" dirty="0">
-                <a:latin typeface="Cascadia Code" panose="020B0609020000020004" pitchFamily="49" charset="0"/>
-                <a:ea typeface="Cascadia Code" panose="020B0609020000020004" pitchFamily="49" charset="0"/>
-                <a:cs typeface="Cascadia Code" panose="020B0609020000020004" pitchFamily="49" charset="0"/>
-              </a:rPr>
-              <a:t> </a:t>
-            </a:r>
-            <a:r>
-              <a:rPr lang="en-CA" dirty="0" err="1">
-                <a:latin typeface="Cascadia Code" panose="020B0609020000020004" pitchFamily="49" charset="0"/>
-                <a:ea typeface="Cascadia Code" panose="020B0609020000020004" pitchFamily="49" charset="0"/>
-                <a:cs typeface="Cascadia Code" panose="020B0609020000020004" pitchFamily="49" charset="0"/>
-              </a:rPr>
-              <a:t>myproject</a:t>
-            </a:r>
-            <a:r>
-              <a:rPr lang="en-CA" dirty="0">
-                <a:latin typeface="Cascadia Code" panose="020B0609020000020004" pitchFamily="49" charset="0"/>
-                <a:ea typeface="Cascadia Code" panose="020B0609020000020004" pitchFamily="49" charset="0"/>
-                <a:cs typeface="Cascadia Code" panose="020B0609020000020004" pitchFamily="49" charset="0"/>
-              </a:rPr>
-              <a:t> ;  cd </a:t>
-            </a:r>
-            <a:r>
-              <a:rPr lang="en-CA" dirty="0" err="1">
-                <a:latin typeface="Cascadia Code" panose="020B0609020000020004" pitchFamily="49" charset="0"/>
-                <a:ea typeface="Cascadia Code" panose="020B0609020000020004" pitchFamily="49" charset="0"/>
-                <a:cs typeface="Cascadia Code" panose="020B0609020000020004" pitchFamily="49" charset="0"/>
-              </a:rPr>
-              <a:t>myproject</a:t>
-            </a:r>
-            <a:endParaRPr lang="en-CA" dirty="0">
-              <a:latin typeface="Cascadia Code" panose="020B0609020000020004" pitchFamily="49" charset="0"/>
-              <a:ea typeface="Cascadia Code" panose="020B0609020000020004" pitchFamily="49" charset="0"/>
-              <a:cs typeface="Cascadia Code" panose="020B0609020000020004" pitchFamily="49" charset="0"/>
-            </a:endParaRPr>
-          </a:p>
-          <a:p>
-            <a:pPr marL="457200" indent="-457200">
-              <a:buFont typeface="+mj-lt"/>
-              <a:buAutoNum type="arabicPeriod"/>
-            </a:pPr>
-            <a:r>
-              <a:rPr lang="en-CA" dirty="0">
-                <a:latin typeface="Cascadia Code" panose="020B0609020000020004" pitchFamily="49" charset="0"/>
-                <a:ea typeface="Cascadia Code" panose="020B0609020000020004" pitchFamily="49" charset="0"/>
-                <a:cs typeface="Cascadia Code" panose="020B0609020000020004" pitchFamily="49" charset="0"/>
-              </a:rPr>
-              <a:t>git </a:t>
-            </a:r>
-            <a:r>
-              <a:rPr lang="en-CA" dirty="0" err="1">
-                <a:latin typeface="Cascadia Code" panose="020B0609020000020004" pitchFamily="49" charset="0"/>
-                <a:ea typeface="Cascadia Code" panose="020B0609020000020004" pitchFamily="49" charset="0"/>
-                <a:cs typeface="Cascadia Code" panose="020B0609020000020004" pitchFamily="49" charset="0"/>
-              </a:rPr>
-              <a:t>init</a:t>
-            </a:r>
-            <a:endParaRPr lang="en-CA" dirty="0">
-              <a:latin typeface="Cascadia Code" panose="020B0609020000020004" pitchFamily="49" charset="0"/>
-              <a:ea typeface="Cascadia Code" panose="020B0609020000020004" pitchFamily="49" charset="0"/>
-              <a:cs typeface="Cascadia Code" panose="020B0609020000020004" pitchFamily="49" charset="0"/>
-            </a:endParaRPr>
-          </a:p>
-          <a:p>
-            <a:pPr lvl="1"/>
-            <a:r>
-              <a:rPr lang="en-CA" dirty="0">
-                <a:latin typeface="Inter V" panose="02000503000000020004" pitchFamily="2" charset="0"/>
-                <a:ea typeface="Inter V" panose="02000503000000020004" pitchFamily="2" charset="0"/>
-                <a:cs typeface="Inter V" panose="02000503000000020004" pitchFamily="2" charset="0"/>
-              </a:rPr>
-              <a:t>Initialize a new repository</a:t>
-            </a:r>
-          </a:p>
-          <a:p>
-            <a:pPr marL="457200" indent="-457200">
-              <a:buFont typeface="+mj-lt"/>
-              <a:buAutoNum type="arabicPeriod"/>
-            </a:pPr>
-            <a:r>
-              <a:rPr lang="en-CA" dirty="0">
-                <a:latin typeface="Inter V" panose="02000503000000020004" pitchFamily="2" charset="0"/>
-                <a:ea typeface="Inter V" panose="02000503000000020004" pitchFamily="2" charset="0"/>
-                <a:cs typeface="Inter V" panose="02000503000000020004" pitchFamily="2" charset="0"/>
-              </a:rPr>
-              <a:t>Create README.md</a:t>
-            </a:r>
-          </a:p>
-          <a:p>
-            <a:pPr marL="457200" indent="-457200">
-              <a:buFont typeface="+mj-lt"/>
-              <a:buAutoNum type="arabicPeriod"/>
-            </a:pPr>
-            <a:r>
-              <a:rPr lang="en-CA" dirty="0">
-                <a:latin typeface="Cascadia Code" panose="020B0609020000020004" pitchFamily="49" charset="0"/>
-                <a:ea typeface="Cascadia Code" panose="020B0609020000020004" pitchFamily="49" charset="0"/>
-                <a:cs typeface="Cascadia Code" panose="020B0609020000020004" pitchFamily="49" charset="0"/>
-              </a:rPr>
-              <a:t>git status</a:t>
-            </a:r>
-          </a:p>
-          <a:p>
-            <a:pPr lvl="1"/>
-            <a:r>
-              <a:rPr lang="en-CA" dirty="0">
-                <a:latin typeface="Inter V" panose="02000503000000020004" pitchFamily="2" charset="0"/>
-                <a:ea typeface="Inter V" panose="02000503000000020004" pitchFamily="2" charset="0"/>
-                <a:cs typeface="Inter V" panose="02000503000000020004" pitchFamily="2" charset="0"/>
-              </a:rPr>
-              <a:t>Query the current state</a:t>
-            </a:r>
-          </a:p>
-          <a:p>
-            <a:pPr marL="914400" lvl="1" indent="-457200">
-              <a:buFont typeface="+mj-lt"/>
-              <a:buAutoNum type="arabicPeriod"/>
-            </a:pPr>
-            <a:endParaRPr lang="en-CA" dirty="0">
-              <a:latin typeface="Cascadia Code" panose="020B0609020000020004" pitchFamily="49" charset="0"/>
-              <a:ea typeface="Cascadia Code" panose="020B0609020000020004" pitchFamily="49" charset="0"/>
-              <a:cs typeface="Cascadia Code" panose="020B0609020000020004" pitchFamily="49" charset="0"/>
-            </a:endParaRPr>
-          </a:p>
-        </p:txBody>
-      </p:sp>
-      <p:sp>
-        <p:nvSpPr>
-          <p:cNvPr id="4" name="Slide Number Placeholder 3">
-            <a:extLst>
-              <a:ext uri="{FF2B5EF4-FFF2-40B4-BE49-F238E27FC236}">
-                <a16:creationId xmlns:a16="http://schemas.microsoft.com/office/drawing/2014/main" id="{1815C1C7-FAE6-3D1B-61DE-586B5079C850}"/>
-              </a:ext>
-            </a:extLst>
-          </p:cNvPr>
-          <p:cNvSpPr>
-            <a:spLocks noGrp="1"/>
-          </p:cNvSpPr>
-          <p:nvPr>
-            <p:ph type="sldNum" sz="quarter" idx="12"/>
-          </p:nvPr>
-        </p:nvSpPr>
-        <p:spPr/>
-        <p:txBody>
-          <a:bodyPr/>
-          <a:lstStyle/>
-          <a:p>
-            <a:fld id="{4F883B06-9FA1-44A8-8ACD-51391BD89E0C}" type="slidenum">
-              <a:rPr lang="en-CA" smtClean="0"/>
-              <a:t>15</a:t>
-            </a:fld>
-            <a:endParaRPr lang="en-CA"/>
-          </a:p>
-        </p:txBody>
-      </p:sp>
-      <p:sp>
-        <p:nvSpPr>
-          <p:cNvPr id="5" name="Text Placeholder 4">
-            <a:extLst>
-              <a:ext uri="{FF2B5EF4-FFF2-40B4-BE49-F238E27FC236}">
-                <a16:creationId xmlns:a16="http://schemas.microsoft.com/office/drawing/2014/main" id="{FD73E2E5-0D27-188C-8CA3-F6EE24DD80E2}"/>
-              </a:ext>
-            </a:extLst>
-          </p:cNvPr>
-          <p:cNvSpPr>
-            <a:spLocks noGrp="1"/>
-          </p:cNvSpPr>
-          <p:nvPr>
-            <p:ph type="body" sz="quarter" idx="13"/>
-          </p:nvPr>
-        </p:nvSpPr>
-        <p:spPr/>
-        <p:txBody>
-          <a:bodyPr/>
-          <a:lstStyle/>
-          <a:p>
-            <a:r>
-              <a:rPr lang="en-CA" dirty="0"/>
-              <a:t>Git: </a:t>
-            </a:r>
-            <a:r>
-              <a:rPr lang="en-CA" b="0" dirty="0"/>
-              <a:t>Getting started</a:t>
-            </a:r>
-          </a:p>
-        </p:txBody>
-      </p:sp>
-      <p:sp>
-        <p:nvSpPr>
-          <p:cNvPr id="6" name="Rectangle 5">
-            <a:extLst>
-              <a:ext uri="{FF2B5EF4-FFF2-40B4-BE49-F238E27FC236}">
-                <a16:creationId xmlns:a16="http://schemas.microsoft.com/office/drawing/2014/main" id="{AAC3C477-5797-8367-6CF8-8204F21971AA}"/>
-              </a:ext>
-            </a:extLst>
-          </p:cNvPr>
-          <p:cNvSpPr/>
-          <p:nvPr/>
-        </p:nvSpPr>
-        <p:spPr>
-          <a:xfrm>
-            <a:off x="533400" y="379624"/>
-            <a:ext cx="89452" cy="6154945"/>
-          </a:xfrm>
-          <a:prstGeom prst="rect">
-            <a:avLst/>
-          </a:prstGeom>
-          <a:solidFill>
-            <a:schemeClr val="tx1">
-              <a:lumMod val="50000"/>
-              <a:lumOff val="50000"/>
-            </a:schemeClr>
-          </a:solidFill>
-          <a:ln>
-            <a:noFill/>
-          </a:ln>
-        </p:spPr>
-        <p:style>
-          <a:lnRef idx="2">
-            <a:schemeClr val="accent1">
-              <a:shade val="15000"/>
-            </a:schemeClr>
-          </a:lnRef>
-          <a:fillRef idx="1">
-            <a:schemeClr val="accent1"/>
-          </a:fillRef>
-          <a:effectRef idx="0">
-            <a:schemeClr val="accent1"/>
-          </a:effectRef>
-          <a:fontRef idx="minor">
-            <a:schemeClr val="lt1"/>
-          </a:fontRef>
-        </p:style>
-        <p:txBody>
-          <a:bodyPr rtlCol="0" anchor="ctr"/>
-          <a:lstStyle/>
-          <a:p>
-            <a:pPr algn="ctr"/>
-            <a:endParaRPr lang="en-CA">
-              <a:solidFill>
-                <a:schemeClr val="accent3">
-                  <a:lumMod val="75000"/>
-                </a:schemeClr>
-              </a:solidFill>
-            </a:endParaRPr>
-          </a:p>
-        </p:txBody>
-      </p:sp>
-    </p:spTree>
-    <p:extLst>
-      <p:ext uri="{BB962C8B-B14F-4D97-AF65-F5344CB8AC3E}">
-        <p14:creationId xmlns:p14="http://schemas.microsoft.com/office/powerpoint/2010/main" val="1578593246"/>
-      </p:ext>
-    </p:extLst>
-  </p:cSld>
-  <p:clrMapOvr>
-    <a:masterClrMapping/>
-  </p:clrMapOvr>
-</p:sld>
-</file>
-
-<file path=ppt/slides/slide16.xml><?xml version="1.0" encoding="utf-8"?>
 <p:sld xmlns:a="http://schemas.openxmlformats.org/drawingml/2006/main" xmlns:r="http://schemas.openxmlformats.org/officeDocument/2006/relationships" xmlns:p="http://schemas.openxmlformats.org/presentationml/2006/main" showMasterPhAnim="0">
   <p:cSld>
     <p:spTree>
@@ -11328,7 +10904,7 @@
             <a:fld id="{4F883B06-9FA1-44A8-8ACD-51391BD89E0C}" type="slidenum">
               <a:rPr lang="en-CA" smtClean="0"/>
               <a:pPr/>
-              <a:t>16</a:t>
+              <a:t>15</a:t>
             </a:fld>
             <a:endParaRPr lang="en-CA"/>
           </a:p>
@@ -12411,7 +11987,7 @@
 </p:sld>
 </file>
 
-<file path=ppt/slides/slide17.xml><?xml version="1.0" encoding="utf-8"?>
+<file path=ppt/slides/slide16.xml><?xml version="1.0" encoding="utf-8"?>
 <p:sld xmlns:a="http://schemas.openxmlformats.org/drawingml/2006/main" xmlns:r="http://schemas.openxmlformats.org/officeDocument/2006/relationships" xmlns:p="http://schemas.openxmlformats.org/presentationml/2006/main">
   <p:cSld>
     <p:spTree>
@@ -12544,7 +12120,7 @@
           <a:p>
             <a:fld id="{4F883B06-9FA1-44A8-8ACD-51391BD89E0C}" type="slidenum">
               <a:rPr lang="en-CA" smtClean="0"/>
-              <a:t>17</a:t>
+              <a:t>16</a:t>
             </a:fld>
             <a:endParaRPr lang="en-CA"/>
           </a:p>
@@ -12595,7 +12171,7 @@
 </p:sld>
 </file>
 
-<file path=ppt/slides/slide18.xml><?xml version="1.0" encoding="utf-8"?>
+<file path=ppt/slides/slide17.xml><?xml version="1.0" encoding="utf-8"?>
 <p:sld xmlns:a="http://schemas.openxmlformats.org/drawingml/2006/main" xmlns:r="http://schemas.openxmlformats.org/officeDocument/2006/relationships" xmlns:p="http://schemas.openxmlformats.org/presentationml/2006/main">
   <p:cSld>
     <p:spTree>
@@ -12788,7 +12364,7 @@
           <a:p>
             <a:fld id="{4F883B06-9FA1-44A8-8ACD-51391BD89E0C}" type="slidenum">
               <a:rPr lang="en-CA" smtClean="0"/>
-              <a:t>18</a:t>
+              <a:t>17</a:t>
             </a:fld>
             <a:endParaRPr lang="en-CA"/>
           </a:p>
@@ -12900,7 +12476,7 @@
 </p:sld>
 </file>
 
-<file path=ppt/slides/slide19.xml><?xml version="1.0" encoding="utf-8"?>
+<file path=ppt/slides/slide18.xml><?xml version="1.0" encoding="utf-8"?>
 <p:sld xmlns:a="http://schemas.openxmlformats.org/drawingml/2006/main" xmlns:r="http://schemas.openxmlformats.org/officeDocument/2006/relationships" xmlns:p="http://schemas.openxmlformats.org/presentationml/2006/main" showMasterPhAnim="0">
   <p:cSld>
     <p:spTree>
@@ -13060,7 +12636,7 @@
           <a:p>
             <a:fld id="{4F883B06-9FA1-44A8-8ACD-51391BD89E0C}" type="slidenum">
               <a:rPr lang="en-CA" smtClean="0"/>
-              <a:t>19</a:t>
+              <a:t>18</a:t>
             </a:fld>
             <a:endParaRPr lang="en-CA"/>
           </a:p>
@@ -14385,193 +13961,7 @@
 </p:sld>
 </file>
 
-<file path=ppt/slides/slide2.xml><?xml version="1.0" encoding="utf-8"?>
-<p:sld xmlns:a="http://schemas.openxmlformats.org/drawingml/2006/main" xmlns:r="http://schemas.openxmlformats.org/officeDocument/2006/relationships" xmlns:p="http://schemas.openxmlformats.org/presentationml/2006/main">
-  <p:cSld>
-    <p:spTree>
-      <p:nvGrpSpPr>
-        <p:cNvPr id="1" name=""/>
-        <p:cNvGrpSpPr/>
-        <p:nvPr/>
-      </p:nvGrpSpPr>
-      <p:grpSpPr>
-        <a:xfrm>
-          <a:off x="0" y="0"/>
-          <a:ext cx="0" cy="0"/>
-          <a:chOff x="0" y="0"/>
-          <a:chExt cx="0" cy="0"/>
-        </a:xfrm>
-      </p:grpSpPr>
-      <p:sp>
-        <p:nvSpPr>
-          <p:cNvPr id="2" name="Title 1">
-            <a:extLst>
-              <a:ext uri="{FF2B5EF4-FFF2-40B4-BE49-F238E27FC236}">
-                <a16:creationId xmlns:a16="http://schemas.microsoft.com/office/drawing/2014/main" id="{4FE3458A-11F4-DE30-C0AD-5762187A0E89}"/>
-              </a:ext>
-            </a:extLst>
-          </p:cNvPr>
-          <p:cNvSpPr>
-            <a:spLocks noGrp="1"/>
-          </p:cNvSpPr>
-          <p:nvPr>
-            <p:ph type="title"/>
-          </p:nvPr>
-        </p:nvSpPr>
-        <p:spPr/>
-        <p:txBody>
-          <a:bodyPr/>
-          <a:lstStyle/>
-          <a:p>
-            <a:r>
-              <a:rPr lang="en-CA" dirty="0"/>
-              <a:t>Asking questions</a:t>
-            </a:r>
-          </a:p>
-        </p:txBody>
-      </p:sp>
-      <p:sp>
-        <p:nvSpPr>
-          <p:cNvPr id="3" name="Content Placeholder 2">
-            <a:extLst>
-              <a:ext uri="{FF2B5EF4-FFF2-40B4-BE49-F238E27FC236}">
-                <a16:creationId xmlns:a16="http://schemas.microsoft.com/office/drawing/2014/main" id="{9BA935A1-37DB-D945-08B6-B8E2A0C31128}"/>
-              </a:ext>
-            </a:extLst>
-          </p:cNvPr>
-          <p:cNvSpPr>
-            <a:spLocks noGrp="1"/>
-          </p:cNvSpPr>
-          <p:nvPr>
-            <p:ph idx="1"/>
-          </p:nvPr>
-        </p:nvSpPr>
-        <p:spPr/>
-        <p:txBody>
-          <a:bodyPr/>
-          <a:lstStyle/>
-          <a:p>
-            <a:r>
-              <a:rPr lang="en-CA" dirty="0"/>
-              <a:t>Zoom chat during class</a:t>
-            </a:r>
-          </a:p>
-          <a:p>
-            <a:pPr lvl="1"/>
-            <a:r>
-              <a:rPr lang="en-CA" dirty="0"/>
-              <a:t>Feel free to post and answer questions at any time</a:t>
-            </a:r>
-          </a:p>
-          <a:p>
-            <a:pPr lvl="1"/>
-            <a:r>
-              <a:rPr lang="en-US" dirty="0"/>
-              <a:t>Please use the raise hand feature for verbal questions </a:t>
-            </a:r>
-          </a:p>
-          <a:p>
-            <a:r>
-              <a:rPr lang="en-CA" dirty="0"/>
-              <a:t>Pre- / Post-class office hours with Tong</a:t>
-            </a:r>
-          </a:p>
-          <a:p>
-            <a:r>
-              <a:rPr lang="en-CA" dirty="0"/>
-              <a:t>Email</a:t>
-            </a:r>
-          </a:p>
-          <a:p>
-            <a:pPr lvl="1"/>
-            <a:r>
-              <a:rPr lang="en-CA" dirty="0">
-                <a:hlinkClick r:id="rId2"/>
-              </a:rPr>
-              <a:t>simeonm.wong@mail.utoronto.ca</a:t>
-            </a:r>
-            <a:endParaRPr lang="en-CA" dirty="0"/>
-          </a:p>
-          <a:p>
-            <a:pPr lvl="1"/>
-            <a:r>
-              <a:rPr lang="en-CA" dirty="0">
-                <a:hlinkClick r:id="rId3"/>
-              </a:rPr>
-              <a:t>tong.su@mail.utoronto.ca</a:t>
-            </a:r>
-            <a:endParaRPr lang="en-CA" dirty="0"/>
-          </a:p>
-        </p:txBody>
-      </p:sp>
-      <p:sp>
-        <p:nvSpPr>
-          <p:cNvPr id="4" name="Slide Number Placeholder 3">
-            <a:extLst>
-              <a:ext uri="{FF2B5EF4-FFF2-40B4-BE49-F238E27FC236}">
-                <a16:creationId xmlns:a16="http://schemas.microsoft.com/office/drawing/2014/main" id="{792A0F21-D314-F98A-30D3-A8F746F3CC60}"/>
-              </a:ext>
-            </a:extLst>
-          </p:cNvPr>
-          <p:cNvSpPr>
-            <a:spLocks noGrp="1"/>
-          </p:cNvSpPr>
-          <p:nvPr>
-            <p:ph type="sldNum" sz="quarter" idx="12"/>
-          </p:nvPr>
-        </p:nvSpPr>
-        <p:spPr/>
-        <p:txBody>
-          <a:bodyPr/>
-          <a:lstStyle/>
-          <a:p>
-            <a:fld id="{4F883B06-9FA1-44A8-8ACD-51391BD89E0C}" type="slidenum">
-              <a:rPr lang="en-CA" smtClean="0"/>
-              <a:t>2</a:t>
-            </a:fld>
-            <a:endParaRPr lang="en-CA"/>
-          </a:p>
-        </p:txBody>
-      </p:sp>
-      <p:sp>
-        <p:nvSpPr>
-          <p:cNvPr id="5" name="Text Placeholder 4">
-            <a:extLst>
-              <a:ext uri="{FF2B5EF4-FFF2-40B4-BE49-F238E27FC236}">
-                <a16:creationId xmlns:a16="http://schemas.microsoft.com/office/drawing/2014/main" id="{89F445AD-7402-6C3E-D878-85EDD8A7D9A2}"/>
-              </a:ext>
-            </a:extLst>
-          </p:cNvPr>
-          <p:cNvSpPr>
-            <a:spLocks noGrp="1"/>
-          </p:cNvSpPr>
-          <p:nvPr>
-            <p:ph type="body" sz="quarter" idx="13"/>
-          </p:nvPr>
-        </p:nvSpPr>
-        <p:spPr/>
-        <p:txBody>
-          <a:bodyPr/>
-          <a:lstStyle/>
-          <a:p>
-            <a:endParaRPr lang="en-CA"/>
-          </a:p>
-        </p:txBody>
-      </p:sp>
-    </p:spTree>
-    <p:extLst>
-      <p:ext uri="{BB962C8B-B14F-4D97-AF65-F5344CB8AC3E}">
-        <p14:creationId xmlns:p14="http://schemas.microsoft.com/office/powerpoint/2010/main" val="216056995"/>
-      </p:ext>
-    </p:extLst>
-  </p:cSld>
-  <p:clrMapOvr>
-    <a:masterClrMapping/>
-  </p:clrMapOvr>
-</p:sld>
-</file>
-
-<file path=ppt/slides/slide20.xml><?xml version="1.0" encoding="utf-8"?>
+<file path=ppt/slides/slide19.xml><?xml version="1.0" encoding="utf-8"?>
 <p:sld xmlns:a="http://schemas.openxmlformats.org/drawingml/2006/main" xmlns:r="http://schemas.openxmlformats.org/officeDocument/2006/relationships" xmlns:p="http://schemas.openxmlformats.org/presentationml/2006/main">
   <p:cSld>
     <p:spTree>
@@ -14779,7 +14169,7 @@
           <a:p>
             <a:fld id="{4F883B06-9FA1-44A8-8ACD-51391BD89E0C}" type="slidenum">
               <a:rPr lang="en-CA" smtClean="0"/>
-              <a:t>20</a:t>
+              <a:t>19</a:t>
             </a:fld>
             <a:endParaRPr lang="en-CA"/>
           </a:p>
@@ -14891,6 +14281,365 @@
 </p:sld>
 </file>
 
+<file path=ppt/slides/slide2.xml><?xml version="1.0" encoding="utf-8"?>
+<p:sld xmlns:a="http://schemas.openxmlformats.org/drawingml/2006/main" xmlns:r="http://schemas.openxmlformats.org/officeDocument/2006/relationships" xmlns:p="http://schemas.openxmlformats.org/presentationml/2006/main">
+  <p:cSld>
+    <p:spTree>
+      <p:nvGrpSpPr>
+        <p:cNvPr id="1" name=""/>
+        <p:cNvGrpSpPr/>
+        <p:nvPr/>
+      </p:nvGrpSpPr>
+      <p:grpSpPr>
+        <a:xfrm>
+          <a:off x="0" y="0"/>
+          <a:ext cx="0" cy="0"/>
+          <a:chOff x="0" y="0"/>
+          <a:chExt cx="0" cy="0"/>
+        </a:xfrm>
+      </p:grpSpPr>
+      <p:sp>
+        <p:nvSpPr>
+          <p:cNvPr id="4" name="Slide Number Placeholder 3">
+            <a:extLst>
+              <a:ext uri="{FF2B5EF4-FFF2-40B4-BE49-F238E27FC236}">
+                <a16:creationId xmlns:a16="http://schemas.microsoft.com/office/drawing/2014/main" id="{71D518A3-F353-1080-7557-1915EA890B0B}"/>
+              </a:ext>
+            </a:extLst>
+          </p:cNvPr>
+          <p:cNvSpPr>
+            <a:spLocks noGrp="1"/>
+          </p:cNvSpPr>
+          <p:nvPr>
+            <p:ph type="sldNum" sz="quarter" idx="12"/>
+          </p:nvPr>
+        </p:nvSpPr>
+        <p:spPr/>
+        <p:txBody>
+          <a:bodyPr/>
+          <a:lstStyle/>
+          <a:p>
+            <a:fld id="{4F883B06-9FA1-44A8-8ACD-51391BD89E0C}" type="slidenum">
+              <a:rPr lang="en-CA" smtClean="0"/>
+              <a:t>2</a:t>
+            </a:fld>
+            <a:endParaRPr lang="en-CA"/>
+          </a:p>
+        </p:txBody>
+      </p:sp>
+      <p:sp>
+        <p:nvSpPr>
+          <p:cNvPr id="6" name="Text Placeholder 5">
+            <a:extLst>
+              <a:ext uri="{FF2B5EF4-FFF2-40B4-BE49-F238E27FC236}">
+                <a16:creationId xmlns:a16="http://schemas.microsoft.com/office/drawing/2014/main" id="{9C07844A-948D-B95F-5AA6-8077039DA7AC}"/>
+              </a:ext>
+            </a:extLst>
+          </p:cNvPr>
+          <p:cNvSpPr>
+            <a:spLocks noGrp="1"/>
+          </p:cNvSpPr>
+          <p:nvPr>
+            <p:ph type="body" sz="quarter" idx="13"/>
+          </p:nvPr>
+        </p:nvSpPr>
+        <p:spPr>
+          <a:xfrm>
+            <a:off x="1410562" y="1230086"/>
+            <a:ext cx="8919981" cy="4397828"/>
+          </a:xfrm>
+        </p:spPr>
+        <p:txBody>
+          <a:bodyPr/>
+          <a:lstStyle/>
+          <a:p>
+            <a:pPr>
+              <a:lnSpc>
+                <a:spcPct val="125000"/>
+              </a:lnSpc>
+            </a:pPr>
+            <a:r>
+              <a:rPr lang="en-CA" sz="2400" dirty="0">
+                <a:solidFill>
+                  <a:srgbClr val="002A7E"/>
+                </a:solidFill>
+                <a:latin typeface="Inter Black" panose="02000A03000000020004" pitchFamily="2" charset="0"/>
+                <a:ea typeface="Inter Black" panose="02000A03000000020004" pitchFamily="2" charset="0"/>
+                <a:cs typeface="Inter Black" panose="02000A03000000020004" pitchFamily="2" charset="0"/>
+              </a:rPr>
+              <a:t>Course objective</a:t>
+            </a:r>
+          </a:p>
+          <a:p>
+            <a:pPr>
+              <a:lnSpc>
+                <a:spcPct val="125000"/>
+              </a:lnSpc>
+            </a:pPr>
+            <a:r>
+              <a:rPr lang="en-CA" dirty="0"/>
+              <a:t>How to write </a:t>
+            </a:r>
+            <a:r>
+              <a:rPr lang="en-CA" dirty="0">
+                <a:solidFill>
+                  <a:schemeClr val="accent1"/>
+                </a:solidFill>
+              </a:rPr>
+              <a:t>robust software</a:t>
+            </a:r>
+            <a:r>
+              <a:rPr lang="en-CA" dirty="0"/>
+              <a:t> in a </a:t>
+            </a:r>
+            <a:r>
+              <a:rPr lang="en-CA" dirty="0">
+                <a:solidFill>
+                  <a:schemeClr val="accent1"/>
+                </a:solidFill>
+              </a:rPr>
+              <a:t>team</a:t>
+            </a:r>
+            <a:r>
+              <a:rPr lang="en-CA" dirty="0"/>
+              <a:t> that we, our colleagues, and the public can </a:t>
+            </a:r>
+            <a:r>
+              <a:rPr lang="en-CA" dirty="0">
+                <a:solidFill>
+                  <a:schemeClr val="accent1"/>
+                </a:solidFill>
+              </a:rPr>
+              <a:t>trust</a:t>
+            </a:r>
+            <a:r>
+              <a:rPr lang="en-CA" dirty="0"/>
+              <a:t> and </a:t>
+            </a:r>
+            <a:r>
+              <a:rPr lang="en-CA" dirty="0">
+                <a:solidFill>
+                  <a:schemeClr val="accent1"/>
+                </a:solidFill>
+              </a:rPr>
+              <a:t>use with confidence</a:t>
+            </a:r>
+            <a:r>
+              <a:rPr lang="en-CA" dirty="0"/>
+              <a:t>.</a:t>
+            </a:r>
+          </a:p>
+        </p:txBody>
+      </p:sp>
+    </p:spTree>
+    <p:extLst>
+      <p:ext uri="{BB962C8B-B14F-4D97-AF65-F5344CB8AC3E}">
+        <p14:creationId xmlns:p14="http://schemas.microsoft.com/office/powerpoint/2010/main" val="133851565"/>
+      </p:ext>
+    </p:extLst>
+  </p:cSld>
+  <p:clrMapOvr>
+    <a:masterClrMapping/>
+  </p:clrMapOvr>
+</p:sld>
+</file>
+
+<file path=ppt/slides/slide20.xml><?xml version="1.0" encoding="utf-8"?>
+<p:sld xmlns:a="http://schemas.openxmlformats.org/drawingml/2006/main" xmlns:r="http://schemas.openxmlformats.org/officeDocument/2006/relationships" xmlns:p="http://schemas.openxmlformats.org/presentationml/2006/main">
+  <p:cSld>
+    <p:spTree>
+      <p:nvGrpSpPr>
+        <p:cNvPr id="1" name=""/>
+        <p:cNvGrpSpPr/>
+        <p:nvPr/>
+      </p:nvGrpSpPr>
+      <p:grpSpPr>
+        <a:xfrm>
+          <a:off x="0" y="0"/>
+          <a:ext cx="0" cy="0"/>
+          <a:chOff x="0" y="0"/>
+          <a:chExt cx="0" cy="0"/>
+        </a:xfrm>
+      </p:grpSpPr>
+      <p:sp>
+        <p:nvSpPr>
+          <p:cNvPr id="2" name="Title 1">
+            <a:extLst>
+              <a:ext uri="{FF2B5EF4-FFF2-40B4-BE49-F238E27FC236}">
+                <a16:creationId xmlns:a16="http://schemas.microsoft.com/office/drawing/2014/main" id="{DCCBD030-1CF4-C246-4C0D-B129FC9B8DD3}"/>
+              </a:ext>
+            </a:extLst>
+          </p:cNvPr>
+          <p:cNvSpPr>
+            <a:spLocks noGrp="1"/>
+          </p:cNvSpPr>
+          <p:nvPr>
+            <p:ph type="title"/>
+          </p:nvPr>
+        </p:nvSpPr>
+        <p:spPr/>
+        <p:txBody>
+          <a:bodyPr/>
+          <a:lstStyle/>
+          <a:p>
+            <a:r>
+              <a:rPr lang="en-CA" dirty="0"/>
+              <a:t>Best practices for git commits</a:t>
+            </a:r>
+          </a:p>
+        </p:txBody>
+      </p:sp>
+      <p:sp>
+        <p:nvSpPr>
+          <p:cNvPr id="3" name="Content Placeholder 2">
+            <a:extLst>
+              <a:ext uri="{FF2B5EF4-FFF2-40B4-BE49-F238E27FC236}">
+                <a16:creationId xmlns:a16="http://schemas.microsoft.com/office/drawing/2014/main" id="{58CA1B18-5F5F-ABFA-34D5-9DE377DCE0C7}"/>
+              </a:ext>
+            </a:extLst>
+          </p:cNvPr>
+          <p:cNvSpPr>
+            <a:spLocks noGrp="1"/>
+          </p:cNvSpPr>
+          <p:nvPr>
+            <p:ph idx="1"/>
+          </p:nvPr>
+        </p:nvSpPr>
+        <p:spPr/>
+        <p:txBody>
+          <a:bodyPr/>
+          <a:lstStyle/>
+          <a:p>
+            <a:r>
+              <a:rPr lang="en-US" b="1" u="sng" dirty="0">
+                <a:solidFill>
+                  <a:srgbClr val="002A7E"/>
+                </a:solidFill>
+              </a:rPr>
+              <a:t>Commit messages</a:t>
+            </a:r>
+            <a:r>
+              <a:rPr lang="en-US" b="1" dirty="0">
+                <a:solidFill>
+                  <a:srgbClr val="002A7E"/>
+                </a:solidFill>
+              </a:rPr>
+              <a:t> </a:t>
+            </a:r>
+            <a:r>
+              <a:rPr lang="en-US" dirty="0"/>
+              <a:t>are extremely important:</a:t>
+            </a:r>
+          </a:p>
+          <a:p>
+            <a:pPr lvl="1"/>
+            <a:r>
+              <a:rPr lang="en-US" dirty="0"/>
+              <a:t>for our own records as a reminder for we did</a:t>
+            </a:r>
+          </a:p>
+          <a:p>
+            <a:pPr lvl="1"/>
+            <a:r>
+              <a:rPr lang="en-US" dirty="0"/>
+              <a:t>when collaborating with others</a:t>
+            </a:r>
+          </a:p>
+          <a:p>
+            <a:r>
+              <a:rPr lang="en-US" dirty="0"/>
+              <a:t>Commit often</a:t>
+            </a:r>
+          </a:p>
+          <a:p>
+            <a:pPr lvl="1"/>
+            <a:r>
+              <a:rPr lang="en-US" dirty="0"/>
+              <a:t>mistakes are easier to locate and fix</a:t>
+            </a:r>
+          </a:p>
+          <a:p>
+            <a:r>
+              <a:rPr lang="en-US" dirty="0"/>
+              <a:t>Committed code can always be fixed with another commit</a:t>
+            </a:r>
+          </a:p>
+        </p:txBody>
+      </p:sp>
+      <p:sp>
+        <p:nvSpPr>
+          <p:cNvPr id="4" name="Slide Number Placeholder 3">
+            <a:extLst>
+              <a:ext uri="{FF2B5EF4-FFF2-40B4-BE49-F238E27FC236}">
+                <a16:creationId xmlns:a16="http://schemas.microsoft.com/office/drawing/2014/main" id="{A1DF86B0-2B30-B982-9233-296D170FE406}"/>
+              </a:ext>
+            </a:extLst>
+          </p:cNvPr>
+          <p:cNvSpPr>
+            <a:spLocks noGrp="1"/>
+          </p:cNvSpPr>
+          <p:nvPr>
+            <p:ph type="sldNum" sz="quarter" idx="12"/>
+          </p:nvPr>
+        </p:nvSpPr>
+        <p:spPr/>
+        <p:txBody>
+          <a:bodyPr/>
+          <a:lstStyle/>
+          <a:p>
+            <a:fld id="{4F883B06-9FA1-44A8-8ACD-51391BD89E0C}" type="slidenum">
+              <a:rPr lang="en-CA" smtClean="0"/>
+              <a:t>20</a:t>
+            </a:fld>
+            <a:endParaRPr lang="en-CA"/>
+          </a:p>
+        </p:txBody>
+      </p:sp>
+      <p:sp>
+        <p:nvSpPr>
+          <p:cNvPr id="5" name="Text Placeholder 4">
+            <a:extLst>
+              <a:ext uri="{FF2B5EF4-FFF2-40B4-BE49-F238E27FC236}">
+                <a16:creationId xmlns:a16="http://schemas.microsoft.com/office/drawing/2014/main" id="{CCB897DD-1C68-29EE-18DB-05BE6A0CD9E5}"/>
+              </a:ext>
+            </a:extLst>
+          </p:cNvPr>
+          <p:cNvSpPr>
+            <a:spLocks noGrp="1"/>
+          </p:cNvSpPr>
+          <p:nvPr>
+            <p:ph type="body" sz="quarter" idx="13"/>
+          </p:nvPr>
+        </p:nvSpPr>
+        <p:spPr/>
+        <p:txBody>
+          <a:bodyPr/>
+          <a:lstStyle/>
+          <a:p>
+            <a:r>
+              <a:rPr lang="en-CA" dirty="0"/>
+              <a:t>Git: </a:t>
+            </a:r>
+            <a:r>
+              <a:rPr lang="en-CA" b="0" dirty="0"/>
+              <a:t>Basic commands</a:t>
+            </a:r>
+          </a:p>
+        </p:txBody>
+      </p:sp>
+    </p:spTree>
+    <p:extLst>
+      <p:ext uri="{BB962C8B-B14F-4D97-AF65-F5344CB8AC3E}">
+        <p14:creationId xmlns:p14="http://schemas.microsoft.com/office/powerpoint/2010/main" val="1659870266"/>
+      </p:ext>
+    </p:extLst>
+  </p:cSld>
+  <p:clrMapOvr>
+    <a:masterClrMapping/>
+  </p:clrMapOvr>
+</p:sld>
+</file>
+
 <file path=ppt/slides/slide21.xml><?xml version="1.0" encoding="utf-8"?>
 <p:sld xmlns:a="http://schemas.openxmlformats.org/drawingml/2006/main" xmlns:r="http://schemas.openxmlformats.org/officeDocument/2006/relationships" xmlns:p="http://schemas.openxmlformats.org/presentationml/2006/main">
   <p:cSld>
@@ -14910,202 +14659,6 @@
       </p:grpSpPr>
       <p:sp>
         <p:nvSpPr>
-          <p:cNvPr id="2" name="Title 1">
-            <a:extLst>
-              <a:ext uri="{FF2B5EF4-FFF2-40B4-BE49-F238E27FC236}">
-                <a16:creationId xmlns:a16="http://schemas.microsoft.com/office/drawing/2014/main" id="{DCCBD030-1CF4-C246-4C0D-B129FC9B8DD3}"/>
-              </a:ext>
-            </a:extLst>
-          </p:cNvPr>
-          <p:cNvSpPr>
-            <a:spLocks noGrp="1"/>
-          </p:cNvSpPr>
-          <p:nvPr>
-            <p:ph type="title"/>
-          </p:nvPr>
-        </p:nvSpPr>
-        <p:spPr/>
-        <p:txBody>
-          <a:bodyPr/>
-          <a:lstStyle/>
-          <a:p>
-            <a:r>
-              <a:rPr lang="en-CA" dirty="0"/>
-              <a:t>Best practices for git commits</a:t>
-            </a:r>
-          </a:p>
-        </p:txBody>
-      </p:sp>
-      <p:sp>
-        <p:nvSpPr>
-          <p:cNvPr id="3" name="Content Placeholder 2">
-            <a:extLst>
-              <a:ext uri="{FF2B5EF4-FFF2-40B4-BE49-F238E27FC236}">
-                <a16:creationId xmlns:a16="http://schemas.microsoft.com/office/drawing/2014/main" id="{58CA1B18-5F5F-ABFA-34D5-9DE377DCE0C7}"/>
-              </a:ext>
-            </a:extLst>
-          </p:cNvPr>
-          <p:cNvSpPr>
-            <a:spLocks noGrp="1"/>
-          </p:cNvSpPr>
-          <p:nvPr>
-            <p:ph idx="1"/>
-          </p:nvPr>
-        </p:nvSpPr>
-        <p:spPr/>
-        <p:txBody>
-          <a:bodyPr/>
-          <a:lstStyle/>
-          <a:p>
-            <a:r>
-              <a:rPr lang="en-US" b="1" u="sng" dirty="0">
-                <a:solidFill>
-                  <a:srgbClr val="002A7E"/>
-                </a:solidFill>
-              </a:rPr>
-              <a:t>Commit messages</a:t>
-            </a:r>
-            <a:r>
-              <a:rPr lang="en-US" b="1" dirty="0">
-                <a:solidFill>
-                  <a:srgbClr val="002A7E"/>
-                </a:solidFill>
-              </a:rPr>
-              <a:t> </a:t>
-            </a:r>
-            <a:r>
-              <a:rPr lang="en-US" dirty="0"/>
-              <a:t>are extremely important:</a:t>
-            </a:r>
-          </a:p>
-          <a:p>
-            <a:pPr lvl="1"/>
-            <a:r>
-              <a:rPr lang="en-US" dirty="0"/>
-              <a:t>for our own records as a reminder for we did</a:t>
-            </a:r>
-          </a:p>
-          <a:p>
-            <a:pPr lvl="1"/>
-            <a:r>
-              <a:rPr lang="en-US" dirty="0"/>
-              <a:t>when collaborating with others</a:t>
-            </a:r>
-          </a:p>
-          <a:p>
-            <a:r>
-              <a:rPr lang="en-US" dirty="0"/>
-              <a:t>Commit often</a:t>
-            </a:r>
-          </a:p>
-          <a:p>
-            <a:pPr lvl="1"/>
-            <a:r>
-              <a:rPr lang="en-US" dirty="0"/>
-              <a:t>mistakes are easier to locate and fix</a:t>
-            </a:r>
-          </a:p>
-          <a:p>
-            <a:r>
-              <a:rPr lang="en-US" dirty="0"/>
-              <a:t>Committed code can always be fixed with another commit</a:t>
-            </a:r>
-          </a:p>
-        </p:txBody>
-      </p:sp>
-      <p:sp>
-        <p:nvSpPr>
-          <p:cNvPr id="4" name="Slide Number Placeholder 3">
-            <a:extLst>
-              <a:ext uri="{FF2B5EF4-FFF2-40B4-BE49-F238E27FC236}">
-                <a16:creationId xmlns:a16="http://schemas.microsoft.com/office/drawing/2014/main" id="{A1DF86B0-2B30-B982-9233-296D170FE406}"/>
-              </a:ext>
-            </a:extLst>
-          </p:cNvPr>
-          <p:cNvSpPr>
-            <a:spLocks noGrp="1"/>
-          </p:cNvSpPr>
-          <p:nvPr>
-            <p:ph type="sldNum" sz="quarter" idx="12"/>
-          </p:nvPr>
-        </p:nvSpPr>
-        <p:spPr/>
-        <p:txBody>
-          <a:bodyPr/>
-          <a:lstStyle/>
-          <a:p>
-            <a:fld id="{4F883B06-9FA1-44A8-8ACD-51391BD89E0C}" type="slidenum">
-              <a:rPr lang="en-CA" smtClean="0"/>
-              <a:t>21</a:t>
-            </a:fld>
-            <a:endParaRPr lang="en-CA"/>
-          </a:p>
-        </p:txBody>
-      </p:sp>
-      <p:sp>
-        <p:nvSpPr>
-          <p:cNvPr id="5" name="Text Placeholder 4">
-            <a:extLst>
-              <a:ext uri="{FF2B5EF4-FFF2-40B4-BE49-F238E27FC236}">
-                <a16:creationId xmlns:a16="http://schemas.microsoft.com/office/drawing/2014/main" id="{CCB897DD-1C68-29EE-18DB-05BE6A0CD9E5}"/>
-              </a:ext>
-            </a:extLst>
-          </p:cNvPr>
-          <p:cNvSpPr>
-            <a:spLocks noGrp="1"/>
-          </p:cNvSpPr>
-          <p:nvPr>
-            <p:ph type="body" sz="quarter" idx="13"/>
-          </p:nvPr>
-        </p:nvSpPr>
-        <p:spPr/>
-        <p:txBody>
-          <a:bodyPr/>
-          <a:lstStyle/>
-          <a:p>
-            <a:r>
-              <a:rPr lang="en-CA" dirty="0"/>
-              <a:t>Git: </a:t>
-            </a:r>
-            <a:r>
-              <a:rPr lang="en-CA" b="0" dirty="0"/>
-              <a:t>Basic commands</a:t>
-            </a:r>
-          </a:p>
-        </p:txBody>
-      </p:sp>
-    </p:spTree>
-    <p:extLst>
-      <p:ext uri="{BB962C8B-B14F-4D97-AF65-F5344CB8AC3E}">
-        <p14:creationId xmlns:p14="http://schemas.microsoft.com/office/powerpoint/2010/main" val="1659870266"/>
-      </p:ext>
-    </p:extLst>
-  </p:cSld>
-  <p:clrMapOvr>
-    <a:masterClrMapping/>
-  </p:clrMapOvr>
-</p:sld>
-</file>
-
-<file path=ppt/slides/slide22.xml><?xml version="1.0" encoding="utf-8"?>
-<p:sld xmlns:a="http://schemas.openxmlformats.org/drawingml/2006/main" xmlns:r="http://schemas.openxmlformats.org/officeDocument/2006/relationships" xmlns:p="http://schemas.openxmlformats.org/presentationml/2006/main">
-  <p:cSld>
-    <p:spTree>
-      <p:nvGrpSpPr>
-        <p:cNvPr id="1" name=""/>
-        <p:cNvGrpSpPr/>
-        <p:nvPr/>
-      </p:nvGrpSpPr>
-      <p:grpSpPr>
-        <a:xfrm>
-          <a:off x="0" y="0"/>
-          <a:ext cx="0" cy="0"/>
-          <a:chOff x="0" y="0"/>
-          <a:chExt cx="0" cy="0"/>
-        </a:xfrm>
-      </p:grpSpPr>
-      <p:sp>
-        <p:nvSpPr>
           <p:cNvPr id="5" name="Title 4">
             <a:extLst>
               <a:ext uri="{FF2B5EF4-FFF2-40B4-BE49-F238E27FC236}">
@@ -15273,7 +14826,7 @@
           <a:p>
             <a:fld id="{4D042A53-EC6C-4ABE-8EF8-06E66F9ABFC9}" type="slidenum">
               <a:rPr lang="en-CA" smtClean="0"/>
-              <a:t>22</a:t>
+              <a:t>21</a:t>
             </a:fld>
             <a:endParaRPr lang="en-CA"/>
           </a:p>
@@ -15382,7 +14935,7 @@
 </p:sld>
 </file>
 
-<file path=ppt/slides/slide23.xml><?xml version="1.0" encoding="utf-8"?>
+<file path=ppt/slides/slide22.xml><?xml version="1.0" encoding="utf-8"?>
 <p:sld xmlns:a="http://schemas.openxmlformats.org/drawingml/2006/main" xmlns:r="http://schemas.openxmlformats.org/officeDocument/2006/relationships" xmlns:p="http://schemas.openxmlformats.org/presentationml/2006/main">
   <p:cSld>
     <p:spTree>
@@ -15587,7 +15140,7 @@
           <a:p>
             <a:fld id="{4F883B06-9FA1-44A8-8ACD-51391BD89E0C}" type="slidenum">
               <a:rPr lang="en-CA" smtClean="0"/>
-              <a:t>23</a:t>
+              <a:t>22</a:t>
             </a:fld>
             <a:endParaRPr lang="en-CA"/>
           </a:p>
@@ -15638,7 +15191,7 @@
 </p:sld>
 </file>
 
-<file path=ppt/slides/slide24.xml><?xml version="1.0" encoding="utf-8"?>
+<file path=ppt/slides/slide23.xml><?xml version="1.0" encoding="utf-8"?>
 <p:sld xmlns:a="http://schemas.openxmlformats.org/drawingml/2006/main" xmlns:r="http://schemas.openxmlformats.org/officeDocument/2006/relationships" xmlns:p="http://schemas.openxmlformats.org/presentationml/2006/main">
   <p:cSld>
     <p:spTree>
@@ -15724,7 +15277,7 @@
           <a:p>
             <a:fld id="{4F883B06-9FA1-44A8-8ACD-51391BD89E0C}" type="slidenum">
               <a:rPr lang="en-CA" smtClean="0"/>
-              <a:t>24</a:t>
+              <a:t>23</a:t>
             </a:fld>
             <a:endParaRPr lang="en-CA"/>
           </a:p>
@@ -15743,7 +15296,7 @@
 </p:sld>
 </file>
 
-<file path=ppt/slides/slide25.xml><?xml version="1.0" encoding="utf-8"?>
+<file path=ppt/slides/slide24.xml><?xml version="1.0" encoding="utf-8"?>
 <p:sld xmlns:a="http://schemas.openxmlformats.org/drawingml/2006/main" xmlns:r="http://schemas.openxmlformats.org/officeDocument/2006/relationships" xmlns:p="http://schemas.openxmlformats.org/presentationml/2006/main">
   <p:cSld>
     <p:spTree>
@@ -15851,7 +15404,7 @@
           <a:p>
             <a:fld id="{4F883B06-9FA1-44A8-8ACD-51391BD89E0C}" type="slidenum">
               <a:rPr lang="en-CA" smtClean="0"/>
-              <a:t>25</a:t>
+              <a:t>24</a:t>
             </a:fld>
             <a:endParaRPr lang="en-CA"/>
           </a:p>
@@ -15893,6 +15446,226 @@
     <p:extLst>
       <p:ext uri="{BB962C8B-B14F-4D97-AF65-F5344CB8AC3E}">
         <p14:creationId xmlns:p14="http://schemas.microsoft.com/office/powerpoint/2010/main" val="963903886"/>
+      </p:ext>
+    </p:extLst>
+  </p:cSld>
+  <p:clrMapOvr>
+    <a:masterClrMapping/>
+  </p:clrMapOvr>
+</p:sld>
+</file>
+
+<file path=ppt/slides/slide25.xml><?xml version="1.0" encoding="utf-8"?>
+<p:sld xmlns:a="http://schemas.openxmlformats.org/drawingml/2006/main" xmlns:r="http://schemas.openxmlformats.org/officeDocument/2006/relationships" xmlns:p="http://schemas.openxmlformats.org/presentationml/2006/main">
+  <p:cSld>
+    <p:spTree>
+      <p:nvGrpSpPr>
+        <p:cNvPr id="1" name=""/>
+        <p:cNvGrpSpPr/>
+        <p:nvPr/>
+      </p:nvGrpSpPr>
+      <p:grpSpPr>
+        <a:xfrm>
+          <a:off x="0" y="0"/>
+          <a:ext cx="0" cy="0"/>
+          <a:chOff x="0" y="0"/>
+          <a:chExt cx="0" cy="0"/>
+        </a:xfrm>
+      </p:grpSpPr>
+      <p:sp>
+        <p:nvSpPr>
+          <p:cNvPr id="2" name="Title 1">
+            <a:extLst>
+              <a:ext uri="{FF2B5EF4-FFF2-40B4-BE49-F238E27FC236}">
+                <a16:creationId xmlns:a16="http://schemas.microsoft.com/office/drawing/2014/main" id="{FA984F8E-EFE0-98A9-28FB-0CFAC4F126BF}"/>
+              </a:ext>
+            </a:extLst>
+          </p:cNvPr>
+          <p:cNvSpPr>
+            <a:spLocks noGrp="1"/>
+          </p:cNvSpPr>
+          <p:nvPr>
+            <p:ph type="title"/>
+          </p:nvPr>
+        </p:nvSpPr>
+        <p:spPr/>
+        <p:txBody>
+          <a:bodyPr/>
+          <a:lstStyle/>
+          <a:p>
+            <a:r>
+              <a:rPr lang="en-CA" dirty="0"/>
+              <a:t>Viewing commit history</a:t>
+            </a:r>
+          </a:p>
+        </p:txBody>
+      </p:sp>
+      <p:sp>
+        <p:nvSpPr>
+          <p:cNvPr id="3" name="Content Placeholder 2">
+            <a:extLst>
+              <a:ext uri="{FF2B5EF4-FFF2-40B4-BE49-F238E27FC236}">
+                <a16:creationId xmlns:a16="http://schemas.microsoft.com/office/drawing/2014/main" id="{599DC99B-1DE3-630D-9474-EA4A9D5686F8}"/>
+              </a:ext>
+            </a:extLst>
+          </p:cNvPr>
+          <p:cNvSpPr>
+            <a:spLocks noGrp="1"/>
+          </p:cNvSpPr>
+          <p:nvPr>
+            <p:ph idx="1"/>
+          </p:nvPr>
+        </p:nvSpPr>
+        <p:spPr/>
+        <p:txBody>
+          <a:bodyPr/>
+          <a:lstStyle/>
+          <a:p>
+            <a:r>
+              <a:rPr lang="en-CA" dirty="0"/>
+              <a:t>To see a history of our commits:</a:t>
+            </a:r>
+          </a:p>
+          <a:p>
+            <a:pPr marL="0" indent="0">
+              <a:buNone/>
+            </a:pPr>
+            <a:r>
+              <a:rPr lang="en-CA" dirty="0"/>
+              <a:t>	</a:t>
+            </a:r>
+            <a:r>
+              <a:rPr lang="en-CA" dirty="0">
+                <a:latin typeface="Cascadia Code" panose="020B0609020000020004" pitchFamily="49" charset="0"/>
+                <a:ea typeface="Cascadia Code" panose="020B0609020000020004" pitchFamily="49" charset="0"/>
+                <a:cs typeface="Cascadia Code" panose="020B0609020000020004" pitchFamily="49" charset="0"/>
+              </a:rPr>
+              <a:t>git log</a:t>
+            </a:r>
+            <a:endParaRPr lang="en-CA" dirty="0"/>
+          </a:p>
+          <a:p>
+            <a:r>
+              <a:rPr lang="en-CA" dirty="0"/>
+              <a:t>For more details:</a:t>
+            </a:r>
+          </a:p>
+          <a:p>
+            <a:pPr marL="0" indent="0">
+              <a:buNone/>
+            </a:pPr>
+            <a:r>
+              <a:rPr lang="en-CA" dirty="0"/>
+              <a:t>	</a:t>
+            </a:r>
+            <a:r>
+              <a:rPr lang="en-CA" dirty="0">
+                <a:latin typeface="Cascadia Code" panose="020B0609020000020004" pitchFamily="49" charset="0"/>
+                <a:ea typeface="Cascadia Code" panose="020B0609020000020004" pitchFamily="49" charset="0"/>
+                <a:cs typeface="Cascadia Code" panose="020B0609020000020004" pitchFamily="49" charset="0"/>
+              </a:rPr>
+              <a:t>git log --stat</a:t>
+            </a:r>
+          </a:p>
+          <a:p>
+            <a:r>
+              <a:rPr lang="en-CA" dirty="0"/>
+              <a:t>For less details:</a:t>
+            </a:r>
+          </a:p>
+          <a:p>
+            <a:pPr marL="0" indent="0">
+              <a:buNone/>
+            </a:pPr>
+            <a:r>
+              <a:rPr lang="en-CA" dirty="0">
+                <a:latin typeface="Cascadia Code" panose="020B0609020000020004" pitchFamily="49" charset="0"/>
+                <a:ea typeface="Cascadia Code" panose="020B0609020000020004" pitchFamily="49" charset="0"/>
+                <a:cs typeface="Cascadia Code" panose="020B0609020000020004" pitchFamily="49" charset="0"/>
+              </a:rPr>
+              <a:t>	git log --</a:t>
+            </a:r>
+            <a:r>
+              <a:rPr lang="en-CA" dirty="0" err="1">
+                <a:latin typeface="Cascadia Code" panose="020B0609020000020004" pitchFamily="49" charset="0"/>
+                <a:ea typeface="Cascadia Code" panose="020B0609020000020004" pitchFamily="49" charset="0"/>
+                <a:cs typeface="Cascadia Code" panose="020B0609020000020004" pitchFamily="49" charset="0"/>
+              </a:rPr>
+              <a:t>oneline</a:t>
+            </a:r>
+            <a:endParaRPr lang="en-CA" dirty="0">
+              <a:latin typeface="Cascadia Code" panose="020B0609020000020004" pitchFamily="49" charset="0"/>
+              <a:ea typeface="Cascadia Code" panose="020B0609020000020004" pitchFamily="49" charset="0"/>
+              <a:cs typeface="Cascadia Code" panose="020B0609020000020004" pitchFamily="49" charset="0"/>
+            </a:endParaRPr>
+          </a:p>
+        </p:txBody>
+      </p:sp>
+      <p:sp>
+        <p:nvSpPr>
+          <p:cNvPr id="4" name="Slide Number Placeholder 3">
+            <a:extLst>
+              <a:ext uri="{FF2B5EF4-FFF2-40B4-BE49-F238E27FC236}">
+                <a16:creationId xmlns:a16="http://schemas.microsoft.com/office/drawing/2014/main" id="{29F3A10B-4D09-F1C7-0790-89368E924B1C}"/>
+              </a:ext>
+            </a:extLst>
+          </p:cNvPr>
+          <p:cNvSpPr>
+            <a:spLocks noGrp="1"/>
+          </p:cNvSpPr>
+          <p:nvPr>
+            <p:ph type="sldNum" sz="quarter" idx="12"/>
+          </p:nvPr>
+        </p:nvSpPr>
+        <p:spPr/>
+        <p:txBody>
+          <a:bodyPr/>
+          <a:lstStyle/>
+          <a:p>
+            <a:fld id="{4F883B06-9FA1-44A8-8ACD-51391BD89E0C}" type="slidenum">
+              <a:rPr lang="en-CA" smtClean="0"/>
+              <a:t>25</a:t>
+            </a:fld>
+            <a:endParaRPr lang="en-CA"/>
+          </a:p>
+        </p:txBody>
+      </p:sp>
+      <p:sp>
+        <p:nvSpPr>
+          <p:cNvPr id="5" name="Text Placeholder 4">
+            <a:extLst>
+              <a:ext uri="{FF2B5EF4-FFF2-40B4-BE49-F238E27FC236}">
+                <a16:creationId xmlns:a16="http://schemas.microsoft.com/office/drawing/2014/main" id="{E4FA65FE-021A-AF37-B145-5165258363C3}"/>
+              </a:ext>
+            </a:extLst>
+          </p:cNvPr>
+          <p:cNvSpPr>
+            <a:spLocks noGrp="1"/>
+          </p:cNvSpPr>
+          <p:nvPr>
+            <p:ph type="body" sz="quarter" idx="13"/>
+          </p:nvPr>
+        </p:nvSpPr>
+        <p:spPr/>
+        <p:txBody>
+          <a:bodyPr/>
+          <a:lstStyle/>
+          <a:p>
+            <a:r>
+              <a:rPr lang="en-CA" dirty="0"/>
+              <a:t>Git: </a:t>
+            </a:r>
+            <a:r>
+              <a:rPr lang="en-CA" b="0" dirty="0"/>
+              <a:t>History</a:t>
+            </a:r>
+          </a:p>
+        </p:txBody>
+      </p:sp>
+    </p:spTree>
+    <p:extLst>
+      <p:ext uri="{BB962C8B-B14F-4D97-AF65-F5344CB8AC3E}">
+        <p14:creationId xmlns:p14="http://schemas.microsoft.com/office/powerpoint/2010/main" val="2663414462"/>
       </p:ext>
     </p:extLst>
   </p:cSld>
@@ -15924,226 +15697,6 @@
           <p:cNvPr id="2" name="Title 1">
             <a:extLst>
               <a:ext uri="{FF2B5EF4-FFF2-40B4-BE49-F238E27FC236}">
-                <a16:creationId xmlns:a16="http://schemas.microsoft.com/office/drawing/2014/main" id="{FA984F8E-EFE0-98A9-28FB-0CFAC4F126BF}"/>
-              </a:ext>
-            </a:extLst>
-          </p:cNvPr>
-          <p:cNvSpPr>
-            <a:spLocks noGrp="1"/>
-          </p:cNvSpPr>
-          <p:nvPr>
-            <p:ph type="title"/>
-          </p:nvPr>
-        </p:nvSpPr>
-        <p:spPr/>
-        <p:txBody>
-          <a:bodyPr/>
-          <a:lstStyle/>
-          <a:p>
-            <a:r>
-              <a:rPr lang="en-CA" dirty="0"/>
-              <a:t>Viewing commit history</a:t>
-            </a:r>
-          </a:p>
-        </p:txBody>
-      </p:sp>
-      <p:sp>
-        <p:nvSpPr>
-          <p:cNvPr id="3" name="Content Placeholder 2">
-            <a:extLst>
-              <a:ext uri="{FF2B5EF4-FFF2-40B4-BE49-F238E27FC236}">
-                <a16:creationId xmlns:a16="http://schemas.microsoft.com/office/drawing/2014/main" id="{599DC99B-1DE3-630D-9474-EA4A9D5686F8}"/>
-              </a:ext>
-            </a:extLst>
-          </p:cNvPr>
-          <p:cNvSpPr>
-            <a:spLocks noGrp="1"/>
-          </p:cNvSpPr>
-          <p:nvPr>
-            <p:ph idx="1"/>
-          </p:nvPr>
-        </p:nvSpPr>
-        <p:spPr/>
-        <p:txBody>
-          <a:bodyPr/>
-          <a:lstStyle/>
-          <a:p>
-            <a:r>
-              <a:rPr lang="en-CA" dirty="0"/>
-              <a:t>To see a history of our commits:</a:t>
-            </a:r>
-          </a:p>
-          <a:p>
-            <a:pPr marL="0" indent="0">
-              <a:buNone/>
-            </a:pPr>
-            <a:r>
-              <a:rPr lang="en-CA" dirty="0"/>
-              <a:t>	</a:t>
-            </a:r>
-            <a:r>
-              <a:rPr lang="en-CA" dirty="0">
-                <a:latin typeface="Cascadia Code" panose="020B0609020000020004" pitchFamily="49" charset="0"/>
-                <a:ea typeface="Cascadia Code" panose="020B0609020000020004" pitchFamily="49" charset="0"/>
-                <a:cs typeface="Cascadia Code" panose="020B0609020000020004" pitchFamily="49" charset="0"/>
-              </a:rPr>
-              <a:t>git log</a:t>
-            </a:r>
-            <a:endParaRPr lang="en-CA" dirty="0"/>
-          </a:p>
-          <a:p>
-            <a:r>
-              <a:rPr lang="en-CA" dirty="0"/>
-              <a:t>For more details:</a:t>
-            </a:r>
-          </a:p>
-          <a:p>
-            <a:pPr marL="0" indent="0">
-              <a:buNone/>
-            </a:pPr>
-            <a:r>
-              <a:rPr lang="en-CA" dirty="0"/>
-              <a:t>	</a:t>
-            </a:r>
-            <a:r>
-              <a:rPr lang="en-CA" dirty="0">
-                <a:latin typeface="Cascadia Code" panose="020B0609020000020004" pitchFamily="49" charset="0"/>
-                <a:ea typeface="Cascadia Code" panose="020B0609020000020004" pitchFamily="49" charset="0"/>
-                <a:cs typeface="Cascadia Code" panose="020B0609020000020004" pitchFamily="49" charset="0"/>
-              </a:rPr>
-              <a:t>git log --stat</a:t>
-            </a:r>
-          </a:p>
-          <a:p>
-            <a:r>
-              <a:rPr lang="en-CA" dirty="0"/>
-              <a:t>For less details:</a:t>
-            </a:r>
-          </a:p>
-          <a:p>
-            <a:pPr marL="0" indent="0">
-              <a:buNone/>
-            </a:pPr>
-            <a:r>
-              <a:rPr lang="en-CA" dirty="0">
-                <a:latin typeface="Cascadia Code" panose="020B0609020000020004" pitchFamily="49" charset="0"/>
-                <a:ea typeface="Cascadia Code" panose="020B0609020000020004" pitchFamily="49" charset="0"/>
-                <a:cs typeface="Cascadia Code" panose="020B0609020000020004" pitchFamily="49" charset="0"/>
-              </a:rPr>
-              <a:t>	git log --</a:t>
-            </a:r>
-            <a:r>
-              <a:rPr lang="en-CA" dirty="0" err="1">
-                <a:latin typeface="Cascadia Code" panose="020B0609020000020004" pitchFamily="49" charset="0"/>
-                <a:ea typeface="Cascadia Code" panose="020B0609020000020004" pitchFamily="49" charset="0"/>
-                <a:cs typeface="Cascadia Code" panose="020B0609020000020004" pitchFamily="49" charset="0"/>
-              </a:rPr>
-              <a:t>oneline</a:t>
-            </a:r>
-            <a:endParaRPr lang="en-CA" dirty="0">
-              <a:latin typeface="Cascadia Code" panose="020B0609020000020004" pitchFamily="49" charset="0"/>
-              <a:ea typeface="Cascadia Code" panose="020B0609020000020004" pitchFamily="49" charset="0"/>
-              <a:cs typeface="Cascadia Code" panose="020B0609020000020004" pitchFamily="49" charset="0"/>
-            </a:endParaRPr>
-          </a:p>
-        </p:txBody>
-      </p:sp>
-      <p:sp>
-        <p:nvSpPr>
-          <p:cNvPr id="4" name="Slide Number Placeholder 3">
-            <a:extLst>
-              <a:ext uri="{FF2B5EF4-FFF2-40B4-BE49-F238E27FC236}">
-                <a16:creationId xmlns:a16="http://schemas.microsoft.com/office/drawing/2014/main" id="{29F3A10B-4D09-F1C7-0790-89368E924B1C}"/>
-              </a:ext>
-            </a:extLst>
-          </p:cNvPr>
-          <p:cNvSpPr>
-            <a:spLocks noGrp="1"/>
-          </p:cNvSpPr>
-          <p:nvPr>
-            <p:ph type="sldNum" sz="quarter" idx="12"/>
-          </p:nvPr>
-        </p:nvSpPr>
-        <p:spPr/>
-        <p:txBody>
-          <a:bodyPr/>
-          <a:lstStyle/>
-          <a:p>
-            <a:fld id="{4F883B06-9FA1-44A8-8ACD-51391BD89E0C}" type="slidenum">
-              <a:rPr lang="en-CA" smtClean="0"/>
-              <a:t>26</a:t>
-            </a:fld>
-            <a:endParaRPr lang="en-CA"/>
-          </a:p>
-        </p:txBody>
-      </p:sp>
-      <p:sp>
-        <p:nvSpPr>
-          <p:cNvPr id="5" name="Text Placeholder 4">
-            <a:extLst>
-              <a:ext uri="{FF2B5EF4-FFF2-40B4-BE49-F238E27FC236}">
-                <a16:creationId xmlns:a16="http://schemas.microsoft.com/office/drawing/2014/main" id="{E4FA65FE-021A-AF37-B145-5165258363C3}"/>
-              </a:ext>
-            </a:extLst>
-          </p:cNvPr>
-          <p:cNvSpPr>
-            <a:spLocks noGrp="1"/>
-          </p:cNvSpPr>
-          <p:nvPr>
-            <p:ph type="body" sz="quarter" idx="13"/>
-          </p:nvPr>
-        </p:nvSpPr>
-        <p:spPr/>
-        <p:txBody>
-          <a:bodyPr/>
-          <a:lstStyle/>
-          <a:p>
-            <a:r>
-              <a:rPr lang="en-CA" dirty="0"/>
-              <a:t>Git: </a:t>
-            </a:r>
-            <a:r>
-              <a:rPr lang="en-CA" b="0" dirty="0"/>
-              <a:t>History</a:t>
-            </a:r>
-          </a:p>
-        </p:txBody>
-      </p:sp>
-    </p:spTree>
-    <p:extLst>
-      <p:ext uri="{BB962C8B-B14F-4D97-AF65-F5344CB8AC3E}">
-        <p14:creationId xmlns:p14="http://schemas.microsoft.com/office/powerpoint/2010/main" val="2663414462"/>
-      </p:ext>
-    </p:extLst>
-  </p:cSld>
-  <p:clrMapOvr>
-    <a:masterClrMapping/>
-  </p:clrMapOvr>
-</p:sld>
-</file>
-
-<file path=ppt/slides/slide27.xml><?xml version="1.0" encoding="utf-8"?>
-<p:sld xmlns:a="http://schemas.openxmlformats.org/drawingml/2006/main" xmlns:r="http://schemas.openxmlformats.org/officeDocument/2006/relationships" xmlns:p="http://schemas.openxmlformats.org/presentationml/2006/main">
-  <p:cSld>
-    <p:spTree>
-      <p:nvGrpSpPr>
-        <p:cNvPr id="1" name=""/>
-        <p:cNvGrpSpPr/>
-        <p:nvPr/>
-      </p:nvGrpSpPr>
-      <p:grpSpPr>
-        <a:xfrm>
-          <a:off x="0" y="0"/>
-          <a:ext cx="0" cy="0"/>
-          <a:chOff x="0" y="0"/>
-          <a:chExt cx="0" cy="0"/>
-        </a:xfrm>
-      </p:grpSpPr>
-      <p:sp>
-        <p:nvSpPr>
-          <p:cNvPr id="2" name="Title 1">
-            <a:extLst>
-              <a:ext uri="{FF2B5EF4-FFF2-40B4-BE49-F238E27FC236}">
                 <a16:creationId xmlns:a16="http://schemas.microsoft.com/office/drawing/2014/main" id="{B4AE758D-BDC5-0A67-7B86-3409BF8CF9E8}"/>
               </a:ext>
             </a:extLst>
@@ -16270,7 +15823,7 @@
           <a:p>
             <a:fld id="{4F883B06-9FA1-44A8-8ACD-51391BD89E0C}" type="slidenum">
               <a:rPr lang="en-CA" smtClean="0"/>
-              <a:t>27</a:t>
+              <a:t>26</a:t>
             </a:fld>
             <a:endParaRPr lang="en-CA"/>
           </a:p>
@@ -16321,7 +15874,7 @@
 </p:sld>
 </file>
 
-<file path=ppt/slides/slide28.xml><?xml version="1.0" encoding="utf-8"?>
+<file path=ppt/slides/slide27.xml><?xml version="1.0" encoding="utf-8"?>
 <p:sld xmlns:a="http://schemas.openxmlformats.org/drawingml/2006/main" xmlns:r="http://schemas.openxmlformats.org/officeDocument/2006/relationships" xmlns:p="http://schemas.openxmlformats.org/presentationml/2006/main">
   <p:cSld>
     <p:spTree>
@@ -16469,7 +16022,7 @@
           <a:p>
             <a:fld id="{4F883B06-9FA1-44A8-8ACD-51391BD89E0C}" type="slidenum">
               <a:rPr lang="en-CA" smtClean="0"/>
-              <a:t>28</a:t>
+              <a:t>27</a:t>
             </a:fld>
             <a:endParaRPr lang="en-CA"/>
           </a:p>
@@ -16581,7 +16134,7 @@
 </p:sld>
 </file>
 
-<file path=ppt/slides/slide29.xml><?xml version="1.0" encoding="utf-8"?>
+<file path=ppt/slides/slide28.xml><?xml version="1.0" encoding="utf-8"?>
 <p:sld xmlns:a="http://schemas.openxmlformats.org/drawingml/2006/main" xmlns:r="http://schemas.openxmlformats.org/officeDocument/2006/relationships" xmlns:p="http://schemas.openxmlformats.org/presentationml/2006/main">
   <p:cSld>
     <p:spTree>
@@ -16689,7 +16242,7 @@
           <a:p>
             <a:fld id="{4F883B06-9FA1-44A8-8ACD-51391BD89E0C}" type="slidenum">
               <a:rPr lang="en-CA" smtClean="0"/>
-              <a:t>29</a:t>
+              <a:t>28</a:t>
             </a:fld>
             <a:endParaRPr lang="en-CA"/>
           </a:p>
@@ -16740,170 +16293,7 @@
 </p:sld>
 </file>
 
-<file path=ppt/slides/slide3.xml><?xml version="1.0" encoding="utf-8"?>
-<p:sld xmlns:a="http://schemas.openxmlformats.org/drawingml/2006/main" xmlns:r="http://schemas.openxmlformats.org/officeDocument/2006/relationships" xmlns:p="http://schemas.openxmlformats.org/presentationml/2006/main">
-  <p:cSld>
-    <p:spTree>
-      <p:nvGrpSpPr>
-        <p:cNvPr id="1" name=""/>
-        <p:cNvGrpSpPr/>
-        <p:nvPr/>
-      </p:nvGrpSpPr>
-      <p:grpSpPr>
-        <a:xfrm>
-          <a:off x="0" y="0"/>
-          <a:ext cx="0" cy="0"/>
-          <a:chOff x="0" y="0"/>
-          <a:chExt cx="0" cy="0"/>
-        </a:xfrm>
-      </p:grpSpPr>
-      <p:sp>
-        <p:nvSpPr>
-          <p:cNvPr id="4" name="Slide Number Placeholder 3">
-            <a:extLst>
-              <a:ext uri="{FF2B5EF4-FFF2-40B4-BE49-F238E27FC236}">
-                <a16:creationId xmlns:a16="http://schemas.microsoft.com/office/drawing/2014/main" id="{71D518A3-F353-1080-7557-1915EA890B0B}"/>
-              </a:ext>
-            </a:extLst>
-          </p:cNvPr>
-          <p:cNvSpPr>
-            <a:spLocks noGrp="1"/>
-          </p:cNvSpPr>
-          <p:nvPr>
-            <p:ph type="sldNum" sz="quarter" idx="12"/>
-          </p:nvPr>
-        </p:nvSpPr>
-        <p:spPr/>
-        <p:txBody>
-          <a:bodyPr/>
-          <a:lstStyle/>
-          <a:p>
-            <a:fld id="{4F883B06-9FA1-44A8-8ACD-51391BD89E0C}" type="slidenum">
-              <a:rPr lang="en-CA" smtClean="0"/>
-              <a:t>3</a:t>
-            </a:fld>
-            <a:endParaRPr lang="en-CA"/>
-          </a:p>
-        </p:txBody>
-      </p:sp>
-      <p:sp>
-        <p:nvSpPr>
-          <p:cNvPr id="6" name="Text Placeholder 5">
-            <a:extLst>
-              <a:ext uri="{FF2B5EF4-FFF2-40B4-BE49-F238E27FC236}">
-                <a16:creationId xmlns:a16="http://schemas.microsoft.com/office/drawing/2014/main" id="{9C07844A-948D-B95F-5AA6-8077039DA7AC}"/>
-              </a:ext>
-            </a:extLst>
-          </p:cNvPr>
-          <p:cNvSpPr>
-            <a:spLocks noGrp="1"/>
-          </p:cNvSpPr>
-          <p:nvPr>
-            <p:ph type="body" sz="quarter" idx="13"/>
-          </p:nvPr>
-        </p:nvSpPr>
-        <p:spPr>
-          <a:xfrm>
-            <a:off x="1410562" y="1230086"/>
-            <a:ext cx="8919981" cy="4397828"/>
-          </a:xfrm>
-        </p:spPr>
-        <p:txBody>
-          <a:bodyPr/>
-          <a:lstStyle/>
-          <a:p>
-            <a:pPr>
-              <a:lnSpc>
-                <a:spcPct val="125000"/>
-              </a:lnSpc>
-            </a:pPr>
-            <a:r>
-              <a:rPr lang="en-CA" sz="2400" dirty="0">
-                <a:solidFill>
-                  <a:srgbClr val="002A7E"/>
-                </a:solidFill>
-                <a:latin typeface="Inter Black" panose="02000A03000000020004" pitchFamily="2" charset="0"/>
-                <a:ea typeface="Inter Black" panose="02000A03000000020004" pitchFamily="2" charset="0"/>
-                <a:cs typeface="Inter Black" panose="02000A03000000020004" pitchFamily="2" charset="0"/>
-              </a:rPr>
-              <a:t>Course objective</a:t>
-            </a:r>
-          </a:p>
-          <a:p>
-            <a:pPr>
-              <a:lnSpc>
-                <a:spcPct val="125000"/>
-              </a:lnSpc>
-            </a:pPr>
-            <a:r>
-              <a:rPr lang="en-CA" dirty="0"/>
-              <a:t>How to write </a:t>
-            </a:r>
-            <a:r>
-              <a:rPr lang="en-CA" dirty="0">
-                <a:solidFill>
-                  <a:schemeClr val="accent1"/>
-                </a:solidFill>
-              </a:rPr>
-              <a:t>robust software</a:t>
-            </a:r>
-            <a:r>
-              <a:rPr lang="en-CA" dirty="0"/>
-              <a:t> in a </a:t>
-            </a:r>
-            <a:r>
-              <a:rPr lang="en-CA" dirty="0">
-                <a:solidFill>
-                  <a:schemeClr val="accent1"/>
-                </a:solidFill>
-              </a:rPr>
-              <a:t>team</a:t>
-            </a:r>
-            <a:r>
-              <a:rPr lang="en-CA" dirty="0"/>
-              <a:t> that we, our colleagues, and the public can </a:t>
-            </a:r>
-            <a:r>
-              <a:rPr lang="en-CA" dirty="0">
-                <a:solidFill>
-                  <a:schemeClr val="accent1"/>
-                </a:solidFill>
-              </a:rPr>
-              <a:t>trust</a:t>
-            </a:r>
-            <a:r>
-              <a:rPr lang="en-CA" dirty="0"/>
-              <a:t> and </a:t>
-            </a:r>
-            <a:r>
-              <a:rPr lang="en-CA" dirty="0">
-                <a:solidFill>
-                  <a:schemeClr val="accent1"/>
-                </a:solidFill>
-              </a:rPr>
-              <a:t>use with confidence</a:t>
-            </a:r>
-            <a:r>
-              <a:rPr lang="en-CA" dirty="0"/>
-              <a:t>.</a:t>
-            </a:r>
-          </a:p>
-        </p:txBody>
-      </p:sp>
-    </p:spTree>
-    <p:extLst>
-      <p:ext uri="{BB962C8B-B14F-4D97-AF65-F5344CB8AC3E}">
-        <p14:creationId xmlns:p14="http://schemas.microsoft.com/office/powerpoint/2010/main" val="133851565"/>
-      </p:ext>
-    </p:extLst>
-  </p:cSld>
-  <p:clrMapOvr>
-    <a:masterClrMapping/>
-  </p:clrMapOvr>
-</p:sld>
-</file>
-
-<file path=ppt/slides/slide30.xml><?xml version="1.0" encoding="utf-8"?>
+<file path=ppt/slides/slide29.xml><?xml version="1.0" encoding="utf-8"?>
 <p:sld xmlns:a="http://schemas.openxmlformats.org/drawingml/2006/main" xmlns:r="http://schemas.openxmlformats.org/officeDocument/2006/relationships" xmlns:p="http://schemas.openxmlformats.org/presentationml/2006/main" showMasterPhAnim="0">
   <p:cSld>
     <p:spTree>
@@ -17061,7 +16451,7 @@
           <a:p>
             <a:fld id="{4F883B06-9FA1-44A8-8ACD-51391BD89E0C}" type="slidenum">
               <a:rPr lang="en-CA" smtClean="0"/>
-              <a:t>30</a:t>
+              <a:t>29</a:t>
             </a:fld>
             <a:endParaRPr lang="en-CA"/>
           </a:p>
@@ -17648,7 +17038,177 @@
 </p:sld>
 </file>
 
-<file path=ppt/slides/slide31.xml><?xml version="1.0" encoding="utf-8"?>
+<file path=ppt/slides/slide3.xml><?xml version="1.0" encoding="utf-8"?>
+<p:sld xmlns:a="http://schemas.openxmlformats.org/drawingml/2006/main" xmlns:r="http://schemas.openxmlformats.org/officeDocument/2006/relationships" xmlns:p="http://schemas.openxmlformats.org/presentationml/2006/main">
+  <p:cSld>
+    <p:spTree>
+      <p:nvGrpSpPr>
+        <p:cNvPr id="1" name=""/>
+        <p:cNvGrpSpPr/>
+        <p:nvPr/>
+      </p:nvGrpSpPr>
+      <p:grpSpPr>
+        <a:xfrm>
+          <a:off x="0" y="0"/>
+          <a:ext cx="0" cy="0"/>
+          <a:chOff x="0" y="0"/>
+          <a:chExt cx="0" cy="0"/>
+        </a:xfrm>
+      </p:grpSpPr>
+      <p:sp>
+        <p:nvSpPr>
+          <p:cNvPr id="2" name="Title 1">
+            <a:extLst>
+              <a:ext uri="{FF2B5EF4-FFF2-40B4-BE49-F238E27FC236}">
+                <a16:creationId xmlns:a16="http://schemas.microsoft.com/office/drawing/2014/main" id="{773FF4D2-8FFE-3175-AF89-3CC4EA18A26E}"/>
+              </a:ext>
+            </a:extLst>
+          </p:cNvPr>
+          <p:cNvSpPr>
+            <a:spLocks noGrp="1"/>
+          </p:cNvSpPr>
+          <p:nvPr>
+            <p:ph type="title"/>
+          </p:nvPr>
+        </p:nvSpPr>
+        <p:spPr/>
+        <p:txBody>
+          <a:bodyPr/>
+          <a:lstStyle/>
+          <a:p>
+            <a:r>
+              <a:rPr lang="en-CA" dirty="0"/>
+              <a:t>What is version control?</a:t>
+            </a:r>
+          </a:p>
+        </p:txBody>
+      </p:sp>
+      <p:sp>
+        <p:nvSpPr>
+          <p:cNvPr id="3" name="Content Placeholder 2">
+            <a:extLst>
+              <a:ext uri="{FF2B5EF4-FFF2-40B4-BE49-F238E27FC236}">
+                <a16:creationId xmlns:a16="http://schemas.microsoft.com/office/drawing/2014/main" id="{B99A96CD-43EF-B39E-F442-3FFEB0934AF9}"/>
+              </a:ext>
+            </a:extLst>
+          </p:cNvPr>
+          <p:cNvSpPr>
+            <a:spLocks noGrp="1"/>
+          </p:cNvSpPr>
+          <p:nvPr>
+            <p:ph idx="1"/>
+          </p:nvPr>
+        </p:nvSpPr>
+        <p:spPr/>
+        <p:txBody>
+          <a:bodyPr/>
+          <a:lstStyle/>
+          <a:p>
+            <a:r>
+              <a:rPr lang="en-US" dirty="0"/>
+              <a:t>A system that records changes to a file or a set of files over time </a:t>
+            </a:r>
+          </a:p>
+          <a:p>
+            <a:r>
+              <a:rPr lang="en-US" dirty="0"/>
+              <a:t>Enables us to recall a specific version later</a:t>
+            </a:r>
+          </a:p>
+          <a:p>
+            <a:r>
+              <a:rPr lang="en-US" b="1" dirty="0"/>
+              <a:t>e.g. </a:t>
+            </a:r>
+            <a:r>
+              <a:rPr lang="en-US" dirty="0"/>
+              <a:t>Copying files to another directory to save past versions is a form of version control.</a:t>
+            </a:r>
+          </a:p>
+          <a:p>
+            <a:pPr lvl="1"/>
+            <a:r>
+              <a:rPr lang="en-US" dirty="0"/>
+              <a:t>While it is simple, it lacks flexibility and ability to handle complexity</a:t>
+            </a:r>
+          </a:p>
+        </p:txBody>
+      </p:sp>
+      <p:sp>
+        <p:nvSpPr>
+          <p:cNvPr id="4" name="Slide Number Placeholder 3">
+            <a:extLst>
+              <a:ext uri="{FF2B5EF4-FFF2-40B4-BE49-F238E27FC236}">
+                <a16:creationId xmlns:a16="http://schemas.microsoft.com/office/drawing/2014/main" id="{178BF3B1-46F2-55E3-2558-63376749CCC2}"/>
+              </a:ext>
+            </a:extLst>
+          </p:cNvPr>
+          <p:cNvSpPr>
+            <a:spLocks noGrp="1"/>
+          </p:cNvSpPr>
+          <p:nvPr>
+            <p:ph type="sldNum" sz="quarter" idx="12"/>
+          </p:nvPr>
+        </p:nvSpPr>
+        <p:spPr/>
+        <p:txBody>
+          <a:bodyPr/>
+          <a:lstStyle/>
+          <a:p>
+            <a:fld id="{4F883B06-9FA1-44A8-8ACD-51391BD89E0C}" type="slidenum">
+              <a:rPr lang="en-CA" smtClean="0"/>
+              <a:t>3</a:t>
+            </a:fld>
+            <a:endParaRPr lang="en-CA"/>
+          </a:p>
+        </p:txBody>
+      </p:sp>
+      <p:sp>
+        <p:nvSpPr>
+          <p:cNvPr id="5" name="Text Placeholder 4">
+            <a:extLst>
+              <a:ext uri="{FF2B5EF4-FFF2-40B4-BE49-F238E27FC236}">
+                <a16:creationId xmlns:a16="http://schemas.microsoft.com/office/drawing/2014/main" id="{B9418768-B126-4D38-8270-5952C5FD0656}"/>
+              </a:ext>
+            </a:extLst>
+          </p:cNvPr>
+          <p:cNvSpPr>
+            <a:spLocks noGrp="1"/>
+          </p:cNvSpPr>
+          <p:nvPr>
+            <p:ph type="body" sz="quarter" idx="13"/>
+          </p:nvPr>
+        </p:nvSpPr>
+        <p:spPr/>
+        <p:txBody>
+          <a:bodyPr/>
+          <a:lstStyle/>
+          <a:p>
+            <a:r>
+              <a:rPr lang="en-CA" dirty="0"/>
+              <a:t>Git: </a:t>
+            </a:r>
+            <a:r>
+              <a:rPr lang="en-CA" b="0" dirty="0"/>
+              <a:t>Introduction</a:t>
+            </a:r>
+          </a:p>
+        </p:txBody>
+      </p:sp>
+    </p:spTree>
+    <p:extLst>
+      <p:ext uri="{BB962C8B-B14F-4D97-AF65-F5344CB8AC3E}">
+        <p14:creationId xmlns:p14="http://schemas.microsoft.com/office/powerpoint/2010/main" val="680834313"/>
+      </p:ext>
+    </p:extLst>
+  </p:cSld>
+  <p:clrMapOvr>
+    <a:masterClrMapping/>
+  </p:clrMapOvr>
+</p:sld>
+</file>
+
+<file path=ppt/slides/slide30.xml><?xml version="1.0" encoding="utf-8"?>
 <p:sld xmlns:a="http://schemas.openxmlformats.org/drawingml/2006/main" xmlns:r="http://schemas.openxmlformats.org/officeDocument/2006/relationships" xmlns:p="http://schemas.openxmlformats.org/presentationml/2006/main">
   <p:cSld>
     <p:spTree>
@@ -17810,7 +17370,7 @@
           <a:p>
             <a:fld id="{4F883B06-9FA1-44A8-8ACD-51391BD89E0C}" type="slidenum">
               <a:rPr lang="en-CA" smtClean="0"/>
-              <a:t>31</a:t>
+              <a:t>30</a:t>
             </a:fld>
             <a:endParaRPr lang="en-CA"/>
           </a:p>
@@ -17922,7 +17482,7 @@
 </p:sld>
 </file>
 
-<file path=ppt/slides/slide32.xml><?xml version="1.0" encoding="utf-8"?>
+<file path=ppt/slides/slide31.xml><?xml version="1.0" encoding="utf-8"?>
 <p:sld xmlns:a="http://schemas.openxmlformats.org/drawingml/2006/main" xmlns:r="http://schemas.openxmlformats.org/officeDocument/2006/relationships" xmlns:p="http://schemas.openxmlformats.org/presentationml/2006/main">
   <p:cSld>
     <p:spTree>
@@ -18084,7 +17644,7 @@
           <a:p>
             <a:fld id="{4F883B06-9FA1-44A8-8ACD-51391BD89E0C}" type="slidenum">
               <a:rPr lang="en-CA" smtClean="0"/>
-              <a:t>32</a:t>
+              <a:t>31</a:t>
             </a:fld>
             <a:endParaRPr lang="en-CA"/>
           </a:p>
@@ -18135,7 +17695,7 @@
 </p:sld>
 </file>
 
-<file path=ppt/slides/slide33.xml><?xml version="1.0" encoding="utf-8"?>
+<file path=ppt/slides/slide32.xml><?xml version="1.0" encoding="utf-8"?>
 <p:sld xmlns:a="http://schemas.openxmlformats.org/drawingml/2006/main" xmlns:r="http://schemas.openxmlformats.org/officeDocument/2006/relationships" xmlns:p="http://schemas.openxmlformats.org/presentationml/2006/main">
   <p:cSld>
     <p:spTree>
@@ -18221,7 +17781,7 @@
           <a:p>
             <a:fld id="{4F883B06-9FA1-44A8-8ACD-51391BD89E0C}" type="slidenum">
               <a:rPr lang="en-CA" smtClean="0"/>
-              <a:t>33</a:t>
+              <a:t>32</a:t>
             </a:fld>
             <a:endParaRPr lang="en-CA"/>
           </a:p>
@@ -18231,6 +17791,171 @@
     <p:extLst>
       <p:ext uri="{BB962C8B-B14F-4D97-AF65-F5344CB8AC3E}">
         <p14:creationId xmlns:p14="http://schemas.microsoft.com/office/powerpoint/2010/main" val="1835344104"/>
+      </p:ext>
+    </p:extLst>
+  </p:cSld>
+  <p:clrMapOvr>
+    <a:masterClrMapping/>
+  </p:clrMapOvr>
+</p:sld>
+</file>
+
+<file path=ppt/slides/slide33.xml><?xml version="1.0" encoding="utf-8"?>
+<p:sld xmlns:a="http://schemas.openxmlformats.org/drawingml/2006/main" xmlns:r="http://schemas.openxmlformats.org/officeDocument/2006/relationships" xmlns:p="http://schemas.openxmlformats.org/presentationml/2006/main">
+  <p:cSld>
+    <p:spTree>
+      <p:nvGrpSpPr>
+        <p:cNvPr id="1" name=""/>
+        <p:cNvGrpSpPr/>
+        <p:nvPr/>
+      </p:nvGrpSpPr>
+      <p:grpSpPr>
+        <a:xfrm>
+          <a:off x="0" y="0"/>
+          <a:ext cx="0" cy="0"/>
+          <a:chOff x="0" y="0"/>
+          <a:chExt cx="0" cy="0"/>
+        </a:xfrm>
+      </p:grpSpPr>
+      <p:sp>
+        <p:nvSpPr>
+          <p:cNvPr id="2" name="Title 1">
+            <a:extLst>
+              <a:ext uri="{FF2B5EF4-FFF2-40B4-BE49-F238E27FC236}">
+                <a16:creationId xmlns:a16="http://schemas.microsoft.com/office/drawing/2014/main" id="{D7D632DB-78ED-244D-8925-11FCE23A20FE}"/>
+              </a:ext>
+            </a:extLst>
+          </p:cNvPr>
+          <p:cNvSpPr>
+            <a:spLocks noGrp="1"/>
+          </p:cNvSpPr>
+          <p:nvPr>
+            <p:ph type="title"/>
+          </p:nvPr>
+        </p:nvSpPr>
+        <p:spPr/>
+        <p:txBody>
+          <a:bodyPr/>
+          <a:lstStyle/>
+          <a:p>
+            <a:r>
+              <a:rPr lang="en-CA" dirty="0"/>
+              <a:t>GitHub</a:t>
+            </a:r>
+          </a:p>
+        </p:txBody>
+      </p:sp>
+      <p:sp>
+        <p:nvSpPr>
+          <p:cNvPr id="3" name="Content Placeholder 2">
+            <a:extLst>
+              <a:ext uri="{FF2B5EF4-FFF2-40B4-BE49-F238E27FC236}">
+                <a16:creationId xmlns:a16="http://schemas.microsoft.com/office/drawing/2014/main" id="{9C33C140-D3E6-0E7E-1FB6-69B6EA1530A3}"/>
+              </a:ext>
+            </a:extLst>
+          </p:cNvPr>
+          <p:cNvSpPr>
+            <a:spLocks noGrp="1"/>
+          </p:cNvSpPr>
+          <p:nvPr>
+            <p:ph idx="1"/>
+          </p:nvPr>
+        </p:nvSpPr>
+        <p:spPr/>
+        <p:txBody>
+          <a:bodyPr/>
+          <a:lstStyle/>
+          <a:p>
+            <a:r>
+              <a:rPr lang="en-CA" dirty="0"/>
+              <a:t>GitHub is an online service for hosting and collaborating on code</a:t>
+            </a:r>
+          </a:p>
+          <a:p>
+            <a:r>
+              <a:rPr lang="en-CA" dirty="0"/>
+              <a:t>Based on Git version control software</a:t>
+            </a:r>
+          </a:p>
+          <a:p>
+            <a:r>
+              <a:rPr lang="en-CA" dirty="0"/>
+              <a:t>Graphical display of code history, commit messages</a:t>
+            </a:r>
+          </a:p>
+          <a:p>
+            <a:r>
+              <a:rPr lang="en-CA" dirty="0"/>
+              <a:t>Code review, project management, and many other useful features!</a:t>
+            </a:r>
+          </a:p>
+        </p:txBody>
+      </p:sp>
+      <p:sp>
+        <p:nvSpPr>
+          <p:cNvPr id="4" name="Slide Number Placeholder 3">
+            <a:extLst>
+              <a:ext uri="{FF2B5EF4-FFF2-40B4-BE49-F238E27FC236}">
+                <a16:creationId xmlns:a16="http://schemas.microsoft.com/office/drawing/2014/main" id="{D5CAC8B6-E8FE-710C-E5F5-3E58A4CD3113}"/>
+              </a:ext>
+            </a:extLst>
+          </p:cNvPr>
+          <p:cNvSpPr>
+            <a:spLocks noGrp="1"/>
+          </p:cNvSpPr>
+          <p:nvPr>
+            <p:ph type="sldNum" sz="quarter" idx="12"/>
+          </p:nvPr>
+        </p:nvSpPr>
+        <p:spPr/>
+        <p:txBody>
+          <a:bodyPr/>
+          <a:lstStyle/>
+          <a:p>
+            <a:fld id="{4F883B06-9FA1-44A8-8ACD-51391BD89E0C}" type="slidenum">
+              <a:rPr lang="en-CA" smtClean="0"/>
+              <a:t>33</a:t>
+            </a:fld>
+            <a:endParaRPr lang="en-CA"/>
+          </a:p>
+        </p:txBody>
+      </p:sp>
+      <p:sp>
+        <p:nvSpPr>
+          <p:cNvPr id="5" name="Text Placeholder 4">
+            <a:extLst>
+              <a:ext uri="{FF2B5EF4-FFF2-40B4-BE49-F238E27FC236}">
+                <a16:creationId xmlns:a16="http://schemas.microsoft.com/office/drawing/2014/main" id="{345C0285-10B1-254C-9E54-D0C267C9B6EB}"/>
+              </a:ext>
+            </a:extLst>
+          </p:cNvPr>
+          <p:cNvSpPr>
+            <a:spLocks noGrp="1"/>
+          </p:cNvSpPr>
+          <p:nvPr>
+            <p:ph type="body" sz="quarter" idx="13"/>
+          </p:nvPr>
+        </p:nvSpPr>
+        <p:spPr/>
+        <p:txBody>
+          <a:bodyPr/>
+          <a:lstStyle/>
+          <a:p>
+            <a:r>
+              <a:rPr lang="en-CA" dirty="0"/>
+              <a:t>Git: </a:t>
+            </a:r>
+            <a:r>
+              <a:rPr lang="en-CA" b="0" dirty="0"/>
+              <a:t>Remote repositories</a:t>
+            </a:r>
+          </a:p>
+        </p:txBody>
+      </p:sp>
+    </p:spTree>
+    <p:extLst>
+      <p:ext uri="{BB962C8B-B14F-4D97-AF65-F5344CB8AC3E}">
+        <p14:creationId xmlns:p14="http://schemas.microsoft.com/office/powerpoint/2010/main" val="2836602915"/>
       </p:ext>
     </p:extLst>
   </p:cSld>
@@ -18262,7 +17987,7 @@
           <p:cNvPr id="2" name="Title 1">
             <a:extLst>
               <a:ext uri="{FF2B5EF4-FFF2-40B4-BE49-F238E27FC236}">
-                <a16:creationId xmlns:a16="http://schemas.microsoft.com/office/drawing/2014/main" id="{D7D632DB-78ED-244D-8925-11FCE23A20FE}"/>
+                <a16:creationId xmlns:a16="http://schemas.microsoft.com/office/drawing/2014/main" id="{F08E87A9-238F-6E4A-2F1C-B710842AAF1F}"/>
               </a:ext>
             </a:extLst>
           </p:cNvPr>
@@ -18280,7 +18005,7 @@
           <a:p>
             <a:r>
               <a:rPr lang="en-CA" dirty="0"/>
-              <a:t>GitHub</a:t>
+              <a:t>Login to GitHub in the command-line</a:t>
             </a:r>
           </a:p>
         </p:txBody>
@@ -18290,7 +18015,7 @@
           <p:cNvPr id="3" name="Content Placeholder 2">
             <a:extLst>
               <a:ext uri="{FF2B5EF4-FFF2-40B4-BE49-F238E27FC236}">
-                <a16:creationId xmlns:a16="http://schemas.microsoft.com/office/drawing/2014/main" id="{9C33C140-D3E6-0E7E-1FB6-69B6EA1530A3}"/>
+                <a16:creationId xmlns:a16="http://schemas.microsoft.com/office/drawing/2014/main" id="{DCE9F683-806B-85AD-BB03-87E6993A15D8}"/>
               </a:ext>
             </a:extLst>
           </p:cNvPr>
@@ -18307,26 +18032,104 @@
           <a:lstStyle/>
           <a:p>
             <a:r>
+              <a:rPr lang="en-CA" b="1" dirty="0"/>
+              <a:t>Git Credential Manager </a:t>
+            </a:r>
+            <a:r>
               <a:rPr lang="en-CA" dirty="0"/>
-              <a:t>GitHub is an online service for hosting and collaborating on code</a:t>
-            </a:r>
-          </a:p>
-          <a:p>
+              <a:t>stores your GitHub account details safely:</a:t>
+            </a:r>
+          </a:p>
+          <a:p>
+            <a:pPr lvl="1"/>
             <a:r>
               <a:rPr lang="en-CA" dirty="0"/>
-              <a:t>Based on Git version control software</a:t>
-            </a:r>
-          </a:p>
-          <a:p>
+              <a:t>enables the Git command to authenticate with GitHub </a:t>
+            </a:r>
+          </a:p>
+          <a:p>
+            <a:pPr lvl="1"/>
             <a:r>
               <a:rPr lang="en-CA" dirty="0"/>
-              <a:t>Graphical display of code history, commit messages</a:t>
+              <a:t>without needing to type your password every time</a:t>
             </a:r>
           </a:p>
           <a:p>
             <a:r>
               <a:rPr lang="en-CA" dirty="0"/>
-              <a:t>Code review, project management, and many other useful features!</a:t>
+              <a:t>Check if you’re logged in:</a:t>
+            </a:r>
+          </a:p>
+          <a:p>
+            <a:pPr marL="0" indent="0">
+              <a:buNone/>
+            </a:pPr>
+            <a:r>
+              <a:rPr lang="en-CA" dirty="0"/>
+              <a:t>	</a:t>
+            </a:r>
+            <a:r>
+              <a:rPr lang="en-CA" dirty="0">
+                <a:latin typeface="Cascadia Code" panose="020B0609020000020004" pitchFamily="49" charset="0"/>
+                <a:ea typeface="Cascadia Code" panose="020B0609020000020004" pitchFamily="49" charset="0"/>
+                <a:cs typeface="Cascadia Code" panose="020B0609020000020004" pitchFamily="49" charset="0"/>
+              </a:rPr>
+              <a:t>git-credential-manager </a:t>
+            </a:r>
+            <a:r>
+              <a:rPr lang="en-CA" dirty="0" err="1">
+                <a:latin typeface="Cascadia Code" panose="020B0609020000020004" pitchFamily="49" charset="0"/>
+                <a:ea typeface="Cascadia Code" panose="020B0609020000020004" pitchFamily="49" charset="0"/>
+                <a:cs typeface="Cascadia Code" panose="020B0609020000020004" pitchFamily="49" charset="0"/>
+              </a:rPr>
+              <a:t>github</a:t>
+            </a:r>
+            <a:r>
+              <a:rPr lang="en-CA" dirty="0">
+                <a:latin typeface="Cascadia Code" panose="020B0609020000020004" pitchFamily="49" charset="0"/>
+                <a:ea typeface="Cascadia Code" panose="020B0609020000020004" pitchFamily="49" charset="0"/>
+                <a:cs typeface="Cascadia Code" panose="020B0609020000020004" pitchFamily="49" charset="0"/>
+              </a:rPr>
+              <a:t> list</a:t>
+            </a:r>
+          </a:p>
+          <a:p>
+            <a:r>
+              <a:rPr lang="en-CA" dirty="0"/>
+              <a:t>If not, login on Git Credential Manager:</a:t>
+            </a:r>
+          </a:p>
+          <a:p>
+            <a:pPr marL="0" indent="0">
+              <a:buNone/>
+            </a:pPr>
+            <a:r>
+              <a:rPr lang="en-CA" dirty="0"/>
+              <a:t>	</a:t>
+            </a:r>
+            <a:r>
+              <a:rPr lang="en-CA" dirty="0">
+                <a:latin typeface="Cascadia Code" panose="020B0609020000020004" pitchFamily="49" charset="0"/>
+                <a:ea typeface="Cascadia Code" panose="020B0609020000020004" pitchFamily="49" charset="0"/>
+                <a:cs typeface="Cascadia Code" panose="020B0609020000020004" pitchFamily="49" charset="0"/>
+              </a:rPr>
+              <a:t>git-credential-manager </a:t>
+            </a:r>
+            <a:r>
+              <a:rPr lang="en-CA" dirty="0" err="1">
+                <a:latin typeface="Cascadia Code" panose="020B0609020000020004" pitchFamily="49" charset="0"/>
+                <a:ea typeface="Cascadia Code" panose="020B0609020000020004" pitchFamily="49" charset="0"/>
+                <a:cs typeface="Cascadia Code" panose="020B0609020000020004" pitchFamily="49" charset="0"/>
+              </a:rPr>
+              <a:t>github</a:t>
+            </a:r>
+            <a:r>
+              <a:rPr lang="en-CA" dirty="0">
+                <a:latin typeface="Cascadia Code" panose="020B0609020000020004" pitchFamily="49" charset="0"/>
+                <a:ea typeface="Cascadia Code" panose="020B0609020000020004" pitchFamily="49" charset="0"/>
+                <a:cs typeface="Cascadia Code" panose="020B0609020000020004" pitchFamily="49" charset="0"/>
+              </a:rPr>
+              <a:t> login</a:t>
             </a:r>
           </a:p>
         </p:txBody>
@@ -18336,7 +18139,7 @@
           <p:cNvPr id="4" name="Slide Number Placeholder 3">
             <a:extLst>
               <a:ext uri="{FF2B5EF4-FFF2-40B4-BE49-F238E27FC236}">
-                <a16:creationId xmlns:a16="http://schemas.microsoft.com/office/drawing/2014/main" id="{D5CAC8B6-E8FE-710C-E5F5-3E58A4CD3113}"/>
+                <a16:creationId xmlns:a16="http://schemas.microsoft.com/office/drawing/2014/main" id="{D17F317F-266F-BB34-5973-AFD4D98BA99B}"/>
               </a:ext>
             </a:extLst>
           </p:cNvPr>
@@ -18365,7 +18168,7 @@
           <p:cNvPr id="5" name="Text Placeholder 4">
             <a:extLst>
               <a:ext uri="{FF2B5EF4-FFF2-40B4-BE49-F238E27FC236}">
-                <a16:creationId xmlns:a16="http://schemas.microsoft.com/office/drawing/2014/main" id="{345C0285-10B1-254C-9E54-D0C267C9B6EB}"/>
+                <a16:creationId xmlns:a16="http://schemas.microsoft.com/office/drawing/2014/main" id="{AA385714-AFB3-D8B6-0DAC-5E9FC007C78D}"/>
               </a:ext>
             </a:extLst>
           </p:cNvPr>
@@ -18395,7 +18198,7 @@
     </p:spTree>
     <p:extLst>
       <p:ext uri="{BB962C8B-B14F-4D97-AF65-F5344CB8AC3E}">
-        <p14:creationId xmlns:p14="http://schemas.microsoft.com/office/powerpoint/2010/main" val="2836602915"/>
+        <p14:creationId xmlns:p14="http://schemas.microsoft.com/office/powerpoint/2010/main" val="1085692766"/>
       </p:ext>
     </p:extLst>
   </p:cSld>
@@ -18427,249 +18230,6 @@
           <p:cNvPr id="2" name="Title 1">
             <a:extLst>
               <a:ext uri="{FF2B5EF4-FFF2-40B4-BE49-F238E27FC236}">
-                <a16:creationId xmlns:a16="http://schemas.microsoft.com/office/drawing/2014/main" id="{F08E87A9-238F-6E4A-2F1C-B710842AAF1F}"/>
-              </a:ext>
-            </a:extLst>
-          </p:cNvPr>
-          <p:cNvSpPr>
-            <a:spLocks noGrp="1"/>
-          </p:cNvSpPr>
-          <p:nvPr>
-            <p:ph type="title"/>
-          </p:nvPr>
-        </p:nvSpPr>
-        <p:spPr/>
-        <p:txBody>
-          <a:bodyPr/>
-          <a:lstStyle/>
-          <a:p>
-            <a:r>
-              <a:rPr lang="en-CA" dirty="0"/>
-              <a:t>Login to GitHub in the command-line</a:t>
-            </a:r>
-          </a:p>
-        </p:txBody>
-      </p:sp>
-      <p:sp>
-        <p:nvSpPr>
-          <p:cNvPr id="3" name="Content Placeholder 2">
-            <a:extLst>
-              <a:ext uri="{FF2B5EF4-FFF2-40B4-BE49-F238E27FC236}">
-                <a16:creationId xmlns:a16="http://schemas.microsoft.com/office/drawing/2014/main" id="{DCE9F683-806B-85AD-BB03-87E6993A15D8}"/>
-              </a:ext>
-            </a:extLst>
-          </p:cNvPr>
-          <p:cNvSpPr>
-            <a:spLocks noGrp="1"/>
-          </p:cNvSpPr>
-          <p:nvPr>
-            <p:ph idx="1"/>
-          </p:nvPr>
-        </p:nvSpPr>
-        <p:spPr/>
-        <p:txBody>
-          <a:bodyPr/>
-          <a:lstStyle/>
-          <a:p>
-            <a:r>
-              <a:rPr lang="en-CA" b="1" dirty="0"/>
-              <a:t>Git Credential Manager </a:t>
-            </a:r>
-            <a:r>
-              <a:rPr lang="en-CA" dirty="0"/>
-              <a:t>stores your GitHub account details safely:</a:t>
-            </a:r>
-          </a:p>
-          <a:p>
-            <a:pPr lvl="1"/>
-            <a:r>
-              <a:rPr lang="en-CA" dirty="0"/>
-              <a:t>enables the Git command to authenticate with GitHub </a:t>
-            </a:r>
-          </a:p>
-          <a:p>
-            <a:pPr lvl="1"/>
-            <a:r>
-              <a:rPr lang="en-CA" dirty="0"/>
-              <a:t>without needing to type your password every time</a:t>
-            </a:r>
-          </a:p>
-          <a:p>
-            <a:r>
-              <a:rPr lang="en-CA" dirty="0"/>
-              <a:t>Check if you’re logged in:</a:t>
-            </a:r>
-          </a:p>
-          <a:p>
-            <a:pPr marL="0" indent="0">
-              <a:buNone/>
-            </a:pPr>
-            <a:r>
-              <a:rPr lang="en-CA" dirty="0"/>
-              <a:t>	</a:t>
-            </a:r>
-            <a:r>
-              <a:rPr lang="en-CA" dirty="0">
-                <a:latin typeface="Cascadia Code" panose="020B0609020000020004" pitchFamily="49" charset="0"/>
-                <a:ea typeface="Cascadia Code" panose="020B0609020000020004" pitchFamily="49" charset="0"/>
-                <a:cs typeface="Cascadia Code" panose="020B0609020000020004" pitchFamily="49" charset="0"/>
-              </a:rPr>
-              <a:t>git-credential-manager </a:t>
-            </a:r>
-            <a:r>
-              <a:rPr lang="en-CA" dirty="0" err="1">
-                <a:latin typeface="Cascadia Code" panose="020B0609020000020004" pitchFamily="49" charset="0"/>
-                <a:ea typeface="Cascadia Code" panose="020B0609020000020004" pitchFamily="49" charset="0"/>
-                <a:cs typeface="Cascadia Code" panose="020B0609020000020004" pitchFamily="49" charset="0"/>
-              </a:rPr>
-              <a:t>github</a:t>
-            </a:r>
-            <a:r>
-              <a:rPr lang="en-CA" dirty="0">
-                <a:latin typeface="Cascadia Code" panose="020B0609020000020004" pitchFamily="49" charset="0"/>
-                <a:ea typeface="Cascadia Code" panose="020B0609020000020004" pitchFamily="49" charset="0"/>
-                <a:cs typeface="Cascadia Code" panose="020B0609020000020004" pitchFamily="49" charset="0"/>
-              </a:rPr>
-              <a:t> list</a:t>
-            </a:r>
-          </a:p>
-          <a:p>
-            <a:r>
-              <a:rPr lang="en-CA" dirty="0"/>
-              <a:t>If not, login on Git Credential Manager:</a:t>
-            </a:r>
-          </a:p>
-          <a:p>
-            <a:pPr marL="0" indent="0">
-              <a:buNone/>
-            </a:pPr>
-            <a:r>
-              <a:rPr lang="en-CA" dirty="0"/>
-              <a:t>	</a:t>
-            </a:r>
-            <a:r>
-              <a:rPr lang="en-CA" dirty="0">
-                <a:latin typeface="Cascadia Code" panose="020B0609020000020004" pitchFamily="49" charset="0"/>
-                <a:ea typeface="Cascadia Code" panose="020B0609020000020004" pitchFamily="49" charset="0"/>
-                <a:cs typeface="Cascadia Code" panose="020B0609020000020004" pitchFamily="49" charset="0"/>
-              </a:rPr>
-              <a:t>git-credential-manager </a:t>
-            </a:r>
-            <a:r>
-              <a:rPr lang="en-CA" dirty="0" err="1">
-                <a:latin typeface="Cascadia Code" panose="020B0609020000020004" pitchFamily="49" charset="0"/>
-                <a:ea typeface="Cascadia Code" panose="020B0609020000020004" pitchFamily="49" charset="0"/>
-                <a:cs typeface="Cascadia Code" panose="020B0609020000020004" pitchFamily="49" charset="0"/>
-              </a:rPr>
-              <a:t>github</a:t>
-            </a:r>
-            <a:r>
-              <a:rPr lang="en-CA" dirty="0">
-                <a:latin typeface="Cascadia Code" panose="020B0609020000020004" pitchFamily="49" charset="0"/>
-                <a:ea typeface="Cascadia Code" panose="020B0609020000020004" pitchFamily="49" charset="0"/>
-                <a:cs typeface="Cascadia Code" panose="020B0609020000020004" pitchFamily="49" charset="0"/>
-              </a:rPr>
-              <a:t> login</a:t>
-            </a:r>
-          </a:p>
-        </p:txBody>
-      </p:sp>
-      <p:sp>
-        <p:nvSpPr>
-          <p:cNvPr id="4" name="Slide Number Placeholder 3">
-            <a:extLst>
-              <a:ext uri="{FF2B5EF4-FFF2-40B4-BE49-F238E27FC236}">
-                <a16:creationId xmlns:a16="http://schemas.microsoft.com/office/drawing/2014/main" id="{D17F317F-266F-BB34-5973-AFD4D98BA99B}"/>
-              </a:ext>
-            </a:extLst>
-          </p:cNvPr>
-          <p:cNvSpPr>
-            <a:spLocks noGrp="1"/>
-          </p:cNvSpPr>
-          <p:nvPr>
-            <p:ph type="sldNum" sz="quarter" idx="12"/>
-          </p:nvPr>
-        </p:nvSpPr>
-        <p:spPr/>
-        <p:txBody>
-          <a:bodyPr/>
-          <a:lstStyle/>
-          <a:p>
-            <a:fld id="{4F883B06-9FA1-44A8-8ACD-51391BD89E0C}" type="slidenum">
-              <a:rPr lang="en-CA" smtClean="0"/>
-              <a:t>35</a:t>
-            </a:fld>
-            <a:endParaRPr lang="en-CA"/>
-          </a:p>
-        </p:txBody>
-      </p:sp>
-      <p:sp>
-        <p:nvSpPr>
-          <p:cNvPr id="5" name="Text Placeholder 4">
-            <a:extLst>
-              <a:ext uri="{FF2B5EF4-FFF2-40B4-BE49-F238E27FC236}">
-                <a16:creationId xmlns:a16="http://schemas.microsoft.com/office/drawing/2014/main" id="{AA385714-AFB3-D8B6-0DAC-5E9FC007C78D}"/>
-              </a:ext>
-            </a:extLst>
-          </p:cNvPr>
-          <p:cNvSpPr>
-            <a:spLocks noGrp="1"/>
-          </p:cNvSpPr>
-          <p:nvPr>
-            <p:ph type="body" sz="quarter" idx="13"/>
-          </p:nvPr>
-        </p:nvSpPr>
-        <p:spPr/>
-        <p:txBody>
-          <a:bodyPr/>
-          <a:lstStyle/>
-          <a:p>
-            <a:r>
-              <a:rPr lang="en-CA" dirty="0"/>
-              <a:t>Git: </a:t>
-            </a:r>
-            <a:r>
-              <a:rPr lang="en-CA" b="0" dirty="0"/>
-              <a:t>Remote repositories</a:t>
-            </a:r>
-          </a:p>
-        </p:txBody>
-      </p:sp>
-    </p:spTree>
-    <p:extLst>
-      <p:ext uri="{BB962C8B-B14F-4D97-AF65-F5344CB8AC3E}">
-        <p14:creationId xmlns:p14="http://schemas.microsoft.com/office/powerpoint/2010/main" val="1085692766"/>
-      </p:ext>
-    </p:extLst>
-  </p:cSld>
-  <p:clrMapOvr>
-    <a:masterClrMapping/>
-  </p:clrMapOvr>
-</p:sld>
-</file>
-
-<file path=ppt/slides/slide36.xml><?xml version="1.0" encoding="utf-8"?>
-<p:sld xmlns:a="http://schemas.openxmlformats.org/drawingml/2006/main" xmlns:r="http://schemas.openxmlformats.org/officeDocument/2006/relationships" xmlns:p="http://schemas.openxmlformats.org/presentationml/2006/main">
-  <p:cSld>
-    <p:spTree>
-      <p:nvGrpSpPr>
-        <p:cNvPr id="1" name=""/>
-        <p:cNvGrpSpPr/>
-        <p:nvPr/>
-      </p:nvGrpSpPr>
-      <p:grpSpPr>
-        <a:xfrm>
-          <a:off x="0" y="0"/>
-          <a:ext cx="0" cy="0"/>
-          <a:chOff x="0" y="0"/>
-          <a:chExt cx="0" cy="0"/>
-        </a:xfrm>
-      </p:grpSpPr>
-      <p:sp>
-        <p:nvSpPr>
-          <p:cNvPr id="2" name="Title 1">
-            <a:extLst>
-              <a:ext uri="{FF2B5EF4-FFF2-40B4-BE49-F238E27FC236}">
                 <a16:creationId xmlns:a16="http://schemas.microsoft.com/office/drawing/2014/main" id="{9FD9E5BE-27DD-25C2-9D70-5F471D2CA2BC}"/>
               </a:ext>
             </a:extLst>
@@ -18852,7 +18412,7 @@
           <a:p>
             <a:fld id="{4F883B06-9FA1-44A8-8ACD-51391BD89E0C}" type="slidenum">
               <a:rPr lang="en-CA" smtClean="0"/>
-              <a:t>36</a:t>
+              <a:t>35</a:t>
             </a:fld>
             <a:endParaRPr lang="en-CA"/>
           </a:p>
@@ -18903,7 +18463,7 @@
 </p:sld>
 </file>
 
-<file path=ppt/slides/slide37.xml><?xml version="1.0" encoding="utf-8"?>
+<file path=ppt/slides/slide36.xml><?xml version="1.0" encoding="utf-8"?>
 <p:sld xmlns:a="http://schemas.openxmlformats.org/drawingml/2006/main" xmlns:r="http://schemas.openxmlformats.org/officeDocument/2006/relationships" xmlns:p="http://schemas.openxmlformats.org/presentationml/2006/main" showMasterPhAnim="0">
   <p:cSld>
     <p:spTree>
@@ -19036,7 +18596,7 @@
           <a:p>
             <a:fld id="{4F883B06-9FA1-44A8-8ACD-51391BD89E0C}" type="slidenum">
               <a:rPr lang="en-CA" smtClean="0"/>
-              <a:t>37</a:t>
+              <a:t>36</a:t>
             </a:fld>
             <a:endParaRPr lang="en-CA"/>
           </a:p>
@@ -21474,7 +21034,7 @@
 </p:sld>
 </file>
 
-<file path=ppt/slides/slide38.xml><?xml version="1.0" encoding="utf-8"?>
+<file path=ppt/slides/slide37.xml><?xml version="1.0" encoding="utf-8"?>
 <p:sld xmlns:a="http://schemas.openxmlformats.org/drawingml/2006/main" xmlns:r="http://schemas.openxmlformats.org/officeDocument/2006/relationships" xmlns:p="http://schemas.openxmlformats.org/presentationml/2006/main">
   <p:cSld>
     <p:spTree>
@@ -21662,7 +21222,7 @@
           <a:p>
             <a:fld id="{4F883B06-9FA1-44A8-8ACD-51391BD89E0C}" type="slidenum">
               <a:rPr lang="en-CA" smtClean="0"/>
-              <a:t>38</a:t>
+              <a:t>37</a:t>
             </a:fld>
             <a:endParaRPr lang="en-CA"/>
           </a:p>
@@ -21774,7 +21334,7 @@
 </p:sld>
 </file>
 
-<file path=ppt/slides/slide39.xml><?xml version="1.0" encoding="utf-8"?>
+<file path=ppt/slides/slide38.xml><?xml version="1.0" encoding="utf-8"?>
 <p:sld xmlns:a="http://schemas.openxmlformats.org/drawingml/2006/main" xmlns:r="http://schemas.openxmlformats.org/officeDocument/2006/relationships" xmlns:p="http://schemas.openxmlformats.org/presentationml/2006/main">
   <p:cSld>
     <p:spTree>
@@ -21860,7 +21420,7 @@
           <a:p>
             <a:fld id="{4F883B06-9FA1-44A8-8ACD-51391BD89E0C}" type="slidenum">
               <a:rPr lang="en-CA" smtClean="0"/>
-              <a:t>39</a:t>
+              <a:t>38</a:t>
             </a:fld>
             <a:endParaRPr lang="en-CA"/>
           </a:p>
@@ -21870,6 +21430,193 @@
     <p:extLst>
       <p:ext uri="{BB962C8B-B14F-4D97-AF65-F5344CB8AC3E}">
         <p14:creationId xmlns:p14="http://schemas.microsoft.com/office/powerpoint/2010/main" val="796451764"/>
+      </p:ext>
+    </p:extLst>
+  </p:cSld>
+  <p:clrMapOvr>
+    <a:masterClrMapping/>
+  </p:clrMapOvr>
+</p:sld>
+</file>
+
+<file path=ppt/slides/slide39.xml><?xml version="1.0" encoding="utf-8"?>
+<p:sld xmlns:a="http://schemas.openxmlformats.org/drawingml/2006/main" xmlns:r="http://schemas.openxmlformats.org/officeDocument/2006/relationships" xmlns:p="http://schemas.openxmlformats.org/presentationml/2006/main">
+  <p:cSld>
+    <p:spTree>
+      <p:nvGrpSpPr>
+        <p:cNvPr id="1" name="">
+          <a:extLst>
+            <a:ext uri="{FF2B5EF4-FFF2-40B4-BE49-F238E27FC236}">
+              <a16:creationId xmlns:a16="http://schemas.microsoft.com/office/drawing/2014/main" id="{9FED564F-F9BD-9120-3910-E495180C596C}"/>
+            </a:ext>
+          </a:extLst>
+        </p:cNvPr>
+        <p:cNvGrpSpPr/>
+        <p:nvPr/>
+      </p:nvGrpSpPr>
+      <p:grpSpPr>
+        <a:xfrm>
+          <a:off x="0" y="0"/>
+          <a:ext cx="0" cy="0"/>
+          <a:chOff x="0" y="0"/>
+          <a:chExt cx="0" cy="0"/>
+        </a:xfrm>
+      </p:grpSpPr>
+      <p:sp>
+        <p:nvSpPr>
+          <p:cNvPr id="2" name="Title 1">
+            <a:extLst>
+              <a:ext uri="{FF2B5EF4-FFF2-40B4-BE49-F238E27FC236}">
+                <a16:creationId xmlns:a16="http://schemas.microsoft.com/office/drawing/2014/main" id="{356D381A-4A4A-CAA7-073A-53AD0C9F0B75}"/>
+              </a:ext>
+            </a:extLst>
+          </p:cNvPr>
+          <p:cNvSpPr>
+            <a:spLocks noGrp="1"/>
+          </p:cNvSpPr>
+          <p:nvPr>
+            <p:ph type="title"/>
+          </p:nvPr>
+        </p:nvSpPr>
+        <p:spPr/>
+        <p:txBody>
+          <a:bodyPr/>
+          <a:lstStyle/>
+          <a:p>
+            <a:r>
+              <a:rPr lang="en-CA" dirty="0"/>
+              <a:t>Tracking changes with Alex</a:t>
+            </a:r>
+          </a:p>
+        </p:txBody>
+      </p:sp>
+      <p:sp>
+        <p:nvSpPr>
+          <p:cNvPr id="3" name="Content Placeholder 2">
+            <a:extLst>
+              <a:ext uri="{FF2B5EF4-FFF2-40B4-BE49-F238E27FC236}">
+                <a16:creationId xmlns:a16="http://schemas.microsoft.com/office/drawing/2014/main" id="{B24718C6-4AC3-EE1F-B0A1-5630A0CFD459}"/>
+              </a:ext>
+            </a:extLst>
+          </p:cNvPr>
+          <p:cNvSpPr>
+            <a:spLocks noGrp="1"/>
+          </p:cNvSpPr>
+          <p:nvPr>
+            <p:ph idx="1"/>
+          </p:nvPr>
+        </p:nvSpPr>
+        <p:spPr/>
+        <p:txBody>
+          <a:bodyPr/>
+          <a:lstStyle/>
+          <a:p>
+            <a:r>
+              <a:rPr lang="en-US" dirty="0"/>
+              <a:t>Alex is asked by a teammate to help with a part of their code.</a:t>
+            </a:r>
+          </a:p>
+          <a:p>
+            <a:r>
+              <a:rPr lang="en-US" dirty="0"/>
+              <a:t>Alex needs to:</a:t>
+            </a:r>
+          </a:p>
+          <a:p>
+            <a:pPr lvl="1"/>
+            <a:r>
+              <a:rPr lang="en-US" dirty="0"/>
+              <a:t>download their code</a:t>
+            </a:r>
+          </a:p>
+          <a:p>
+            <a:pPr lvl="1"/>
+            <a:r>
+              <a:rPr lang="en-US" dirty="0"/>
+              <a:t>make edits</a:t>
+            </a:r>
+          </a:p>
+          <a:p>
+            <a:pPr lvl="1"/>
+            <a:r>
+              <a:rPr lang="en-US" dirty="0"/>
+              <a:t>track her changes</a:t>
+            </a:r>
+          </a:p>
+          <a:p>
+            <a:pPr lvl="1"/>
+            <a:r>
+              <a:rPr lang="en-US" dirty="0"/>
+              <a:t>upload her changes</a:t>
+            </a:r>
+          </a:p>
+        </p:txBody>
+      </p:sp>
+      <p:sp>
+        <p:nvSpPr>
+          <p:cNvPr id="4" name="Slide Number Placeholder 3">
+            <a:extLst>
+              <a:ext uri="{FF2B5EF4-FFF2-40B4-BE49-F238E27FC236}">
+                <a16:creationId xmlns:a16="http://schemas.microsoft.com/office/drawing/2014/main" id="{A09B97DE-0936-58E7-583E-105CFBAF33E1}"/>
+              </a:ext>
+            </a:extLst>
+          </p:cNvPr>
+          <p:cNvSpPr>
+            <a:spLocks noGrp="1"/>
+          </p:cNvSpPr>
+          <p:nvPr>
+            <p:ph type="sldNum" sz="quarter" idx="12"/>
+          </p:nvPr>
+        </p:nvSpPr>
+        <p:spPr/>
+        <p:txBody>
+          <a:bodyPr/>
+          <a:lstStyle/>
+          <a:p>
+            <a:fld id="{4F883B06-9FA1-44A8-8ACD-51391BD89E0C}" type="slidenum">
+              <a:rPr lang="en-CA" smtClean="0"/>
+              <a:t>39</a:t>
+            </a:fld>
+            <a:endParaRPr lang="en-CA"/>
+          </a:p>
+        </p:txBody>
+      </p:sp>
+      <p:sp>
+        <p:nvSpPr>
+          <p:cNvPr id="5" name="Text Placeholder 4">
+            <a:extLst>
+              <a:ext uri="{FF2B5EF4-FFF2-40B4-BE49-F238E27FC236}">
+                <a16:creationId xmlns:a16="http://schemas.microsoft.com/office/drawing/2014/main" id="{C6EC60A7-F069-3290-56E9-CBC5C3C69127}"/>
+              </a:ext>
+            </a:extLst>
+          </p:cNvPr>
+          <p:cNvSpPr>
+            <a:spLocks noGrp="1"/>
+          </p:cNvSpPr>
+          <p:nvPr>
+            <p:ph type="body" sz="quarter" idx="13"/>
+          </p:nvPr>
+        </p:nvSpPr>
+        <p:spPr/>
+        <p:txBody>
+          <a:bodyPr/>
+          <a:lstStyle/>
+          <a:p>
+            <a:r>
+              <a:rPr lang="en-CA" dirty="0"/>
+              <a:t>Git: </a:t>
+            </a:r>
+            <a:r>
+              <a:rPr lang="en-CA" b="0" dirty="0"/>
+              <a:t>Remote repositories</a:t>
+            </a:r>
+          </a:p>
+        </p:txBody>
+      </p:sp>
+    </p:spTree>
+    <p:extLst>
+      <p:ext uri="{BB962C8B-B14F-4D97-AF65-F5344CB8AC3E}">
+        <p14:creationId xmlns:p14="http://schemas.microsoft.com/office/powerpoint/2010/main" val="2611204567"/>
       </p:ext>
     </p:extLst>
   </p:cSld>
@@ -21901,7 +21648,7 @@
           <p:cNvPr id="2" name="Title 1">
             <a:extLst>
               <a:ext uri="{FF2B5EF4-FFF2-40B4-BE49-F238E27FC236}">
-                <a16:creationId xmlns:a16="http://schemas.microsoft.com/office/drawing/2014/main" id="{773FF4D2-8FFE-3175-AF89-3CC4EA18A26E}"/>
+                <a16:creationId xmlns:a16="http://schemas.microsoft.com/office/drawing/2014/main" id="{2352CF0F-D868-B2D6-EBAF-9BF72AB02F80}"/>
               </a:ext>
             </a:extLst>
           </p:cNvPr>
@@ -21929,7 +21676,7 @@
           <p:cNvPr id="3" name="Content Placeholder 2">
             <a:extLst>
               <a:ext uri="{FF2B5EF4-FFF2-40B4-BE49-F238E27FC236}">
-                <a16:creationId xmlns:a16="http://schemas.microsoft.com/office/drawing/2014/main" id="{B99A96CD-43EF-B39E-F442-3FFEB0934AF9}"/>
+                <a16:creationId xmlns:a16="http://schemas.microsoft.com/office/drawing/2014/main" id="{6A40D71C-3A4A-554C-654F-4BA955473EDF}"/>
               </a:ext>
             </a:extLst>
           </p:cNvPr>
@@ -21942,36 +21689,55 @@
         </p:nvSpPr>
         <p:spPr/>
         <p:txBody>
-          <a:bodyPr/>
-          <a:lstStyle/>
-          <a:p>
+          <a:bodyPr>
+            <a:normAutofit lnSpcReduction="10000"/>
+          </a:bodyPr>
+          <a:lstStyle/>
+          <a:p>
+            <a:pPr marL="0" indent="0">
+              <a:buNone/>
+            </a:pPr>
             <a:r>
               <a:rPr lang="en-US" dirty="0"/>
-              <a:t>A system that records changes to a file or a set of files over time </a:t>
+              <a:t>Version Control Systems (VCS) can do a number of things and can be applied on nearly any type of file on our computers:</a:t>
             </a:r>
           </a:p>
           <a:p>
             <a:r>
               <a:rPr lang="en-US" dirty="0"/>
-              <a:t>Enables us to recall a specific version later</a:t>
-            </a:r>
-          </a:p>
-          <a:p>
-            <a:r>
-              <a:rPr lang="en-US" b="1" dirty="0"/>
-              <a:t>e.g. </a:t>
-            </a:r>
+              <a:t>revert files to a previous state</a:t>
+            </a:r>
+          </a:p>
+          <a:p>
             <a:r>
               <a:rPr lang="en-US" dirty="0"/>
-              <a:t>Copying files to another directory to save past versions is a form of version control.</a:t>
-            </a:r>
-          </a:p>
-          <a:p>
-            <a:pPr lvl="1"/>
+              <a:t>revert entire project to a previous state</a:t>
+            </a:r>
+          </a:p>
+          <a:p>
             <a:r>
               <a:rPr lang="en-US" dirty="0"/>
-              <a:t>While it is simple, it lacks flexibility and ability to handle complexity</a:t>
-            </a:r>
+              <a:t>compare changes over time</a:t>
+            </a:r>
+          </a:p>
+          <a:p>
+            <a:r>
+              <a:rPr lang="en-US" dirty="0"/>
+              <a:t>see who modified something last</a:t>
+            </a:r>
+          </a:p>
+          <a:p>
+            <a:r>
+              <a:rPr lang="en-US" dirty="0"/>
+              <a:t>who introduced an issue and when</a:t>
+            </a:r>
+          </a:p>
+          <a:p>
+            <a:r>
+              <a:rPr lang="en-US" dirty="0"/>
+              <a:t>recover lost files</a:t>
+            </a:r>
+            <a:endParaRPr lang="en-CA" dirty="0"/>
           </a:p>
         </p:txBody>
       </p:sp>
@@ -21980,7 +21746,7 @@
           <p:cNvPr id="4" name="Slide Number Placeholder 3">
             <a:extLst>
               <a:ext uri="{FF2B5EF4-FFF2-40B4-BE49-F238E27FC236}">
-                <a16:creationId xmlns:a16="http://schemas.microsoft.com/office/drawing/2014/main" id="{178BF3B1-46F2-55E3-2558-63376749CCC2}"/>
+                <a16:creationId xmlns:a16="http://schemas.microsoft.com/office/drawing/2014/main" id="{29C44507-5AE6-90E7-4802-F0EF8B4CD16F}"/>
               </a:ext>
             </a:extLst>
           </p:cNvPr>
@@ -22009,7 +21775,7 @@
           <p:cNvPr id="5" name="Text Placeholder 4">
             <a:extLst>
               <a:ext uri="{FF2B5EF4-FFF2-40B4-BE49-F238E27FC236}">
-                <a16:creationId xmlns:a16="http://schemas.microsoft.com/office/drawing/2014/main" id="{B9418768-B126-4D38-8270-5952C5FD0656}"/>
+                <a16:creationId xmlns:a16="http://schemas.microsoft.com/office/drawing/2014/main" id="{3DC53B79-E3D5-DB8F-F9A7-71A44C43C297}"/>
               </a:ext>
             </a:extLst>
           </p:cNvPr>
@@ -22039,7 +21805,7 @@
     </p:spTree>
     <p:extLst>
       <p:ext uri="{BB962C8B-B14F-4D97-AF65-F5344CB8AC3E}">
-        <p14:creationId xmlns:p14="http://schemas.microsoft.com/office/powerpoint/2010/main" val="680834313"/>
+        <p14:creationId xmlns:p14="http://schemas.microsoft.com/office/powerpoint/2010/main" val="1957460853"/>
       </p:ext>
     </p:extLst>
   </p:cSld>
@@ -22050,193 +21816,6 @@
 </file>
 
 <file path=ppt/slides/slide40.xml><?xml version="1.0" encoding="utf-8"?>
-<p:sld xmlns:a="http://schemas.openxmlformats.org/drawingml/2006/main" xmlns:r="http://schemas.openxmlformats.org/officeDocument/2006/relationships" xmlns:p="http://schemas.openxmlformats.org/presentationml/2006/main">
-  <p:cSld>
-    <p:spTree>
-      <p:nvGrpSpPr>
-        <p:cNvPr id="1" name="">
-          <a:extLst>
-            <a:ext uri="{FF2B5EF4-FFF2-40B4-BE49-F238E27FC236}">
-              <a16:creationId xmlns:a16="http://schemas.microsoft.com/office/drawing/2014/main" id="{9FED564F-F9BD-9120-3910-E495180C596C}"/>
-            </a:ext>
-          </a:extLst>
-        </p:cNvPr>
-        <p:cNvGrpSpPr/>
-        <p:nvPr/>
-      </p:nvGrpSpPr>
-      <p:grpSpPr>
-        <a:xfrm>
-          <a:off x="0" y="0"/>
-          <a:ext cx="0" cy="0"/>
-          <a:chOff x="0" y="0"/>
-          <a:chExt cx="0" cy="0"/>
-        </a:xfrm>
-      </p:grpSpPr>
-      <p:sp>
-        <p:nvSpPr>
-          <p:cNvPr id="2" name="Title 1">
-            <a:extLst>
-              <a:ext uri="{FF2B5EF4-FFF2-40B4-BE49-F238E27FC236}">
-                <a16:creationId xmlns:a16="http://schemas.microsoft.com/office/drawing/2014/main" id="{356D381A-4A4A-CAA7-073A-53AD0C9F0B75}"/>
-              </a:ext>
-            </a:extLst>
-          </p:cNvPr>
-          <p:cNvSpPr>
-            <a:spLocks noGrp="1"/>
-          </p:cNvSpPr>
-          <p:nvPr>
-            <p:ph type="title"/>
-          </p:nvPr>
-        </p:nvSpPr>
-        <p:spPr/>
-        <p:txBody>
-          <a:bodyPr/>
-          <a:lstStyle/>
-          <a:p>
-            <a:r>
-              <a:rPr lang="en-CA" dirty="0"/>
-              <a:t>Tracking changes with Alex</a:t>
-            </a:r>
-          </a:p>
-        </p:txBody>
-      </p:sp>
-      <p:sp>
-        <p:nvSpPr>
-          <p:cNvPr id="3" name="Content Placeholder 2">
-            <a:extLst>
-              <a:ext uri="{FF2B5EF4-FFF2-40B4-BE49-F238E27FC236}">
-                <a16:creationId xmlns:a16="http://schemas.microsoft.com/office/drawing/2014/main" id="{B24718C6-4AC3-EE1F-B0A1-5630A0CFD459}"/>
-              </a:ext>
-            </a:extLst>
-          </p:cNvPr>
-          <p:cNvSpPr>
-            <a:spLocks noGrp="1"/>
-          </p:cNvSpPr>
-          <p:nvPr>
-            <p:ph idx="1"/>
-          </p:nvPr>
-        </p:nvSpPr>
-        <p:spPr/>
-        <p:txBody>
-          <a:bodyPr/>
-          <a:lstStyle/>
-          <a:p>
-            <a:r>
-              <a:rPr lang="en-US" dirty="0"/>
-              <a:t>Alex is asked by a teammate to help with a part of their code.</a:t>
-            </a:r>
-          </a:p>
-          <a:p>
-            <a:r>
-              <a:rPr lang="en-US" dirty="0"/>
-              <a:t>Alex needs to:</a:t>
-            </a:r>
-          </a:p>
-          <a:p>
-            <a:pPr lvl="1"/>
-            <a:r>
-              <a:rPr lang="en-US" dirty="0"/>
-              <a:t>download their code</a:t>
-            </a:r>
-          </a:p>
-          <a:p>
-            <a:pPr lvl="1"/>
-            <a:r>
-              <a:rPr lang="en-US" dirty="0"/>
-              <a:t>make edits</a:t>
-            </a:r>
-          </a:p>
-          <a:p>
-            <a:pPr lvl="1"/>
-            <a:r>
-              <a:rPr lang="en-US" dirty="0"/>
-              <a:t>track her changes</a:t>
-            </a:r>
-          </a:p>
-          <a:p>
-            <a:pPr lvl="1"/>
-            <a:r>
-              <a:rPr lang="en-US" dirty="0"/>
-              <a:t>upload her changes</a:t>
-            </a:r>
-          </a:p>
-        </p:txBody>
-      </p:sp>
-      <p:sp>
-        <p:nvSpPr>
-          <p:cNvPr id="4" name="Slide Number Placeholder 3">
-            <a:extLst>
-              <a:ext uri="{FF2B5EF4-FFF2-40B4-BE49-F238E27FC236}">
-                <a16:creationId xmlns:a16="http://schemas.microsoft.com/office/drawing/2014/main" id="{A09B97DE-0936-58E7-583E-105CFBAF33E1}"/>
-              </a:ext>
-            </a:extLst>
-          </p:cNvPr>
-          <p:cNvSpPr>
-            <a:spLocks noGrp="1"/>
-          </p:cNvSpPr>
-          <p:nvPr>
-            <p:ph type="sldNum" sz="quarter" idx="12"/>
-          </p:nvPr>
-        </p:nvSpPr>
-        <p:spPr/>
-        <p:txBody>
-          <a:bodyPr/>
-          <a:lstStyle/>
-          <a:p>
-            <a:fld id="{4F883B06-9FA1-44A8-8ACD-51391BD89E0C}" type="slidenum">
-              <a:rPr lang="en-CA" smtClean="0"/>
-              <a:t>40</a:t>
-            </a:fld>
-            <a:endParaRPr lang="en-CA"/>
-          </a:p>
-        </p:txBody>
-      </p:sp>
-      <p:sp>
-        <p:nvSpPr>
-          <p:cNvPr id="5" name="Text Placeholder 4">
-            <a:extLst>
-              <a:ext uri="{FF2B5EF4-FFF2-40B4-BE49-F238E27FC236}">
-                <a16:creationId xmlns:a16="http://schemas.microsoft.com/office/drawing/2014/main" id="{C6EC60A7-F069-3290-56E9-CBC5C3C69127}"/>
-              </a:ext>
-            </a:extLst>
-          </p:cNvPr>
-          <p:cNvSpPr>
-            <a:spLocks noGrp="1"/>
-          </p:cNvSpPr>
-          <p:nvPr>
-            <p:ph type="body" sz="quarter" idx="13"/>
-          </p:nvPr>
-        </p:nvSpPr>
-        <p:spPr/>
-        <p:txBody>
-          <a:bodyPr/>
-          <a:lstStyle/>
-          <a:p>
-            <a:r>
-              <a:rPr lang="en-CA" dirty="0"/>
-              <a:t>Git: </a:t>
-            </a:r>
-            <a:r>
-              <a:rPr lang="en-CA" b="0" dirty="0"/>
-              <a:t>Remote repositories</a:t>
-            </a:r>
-          </a:p>
-        </p:txBody>
-      </p:sp>
-    </p:spTree>
-    <p:extLst>
-      <p:ext uri="{BB962C8B-B14F-4D97-AF65-F5344CB8AC3E}">
-        <p14:creationId xmlns:p14="http://schemas.microsoft.com/office/powerpoint/2010/main" val="2611204567"/>
-      </p:ext>
-    </p:extLst>
-  </p:cSld>
-  <p:clrMapOvr>
-    <a:masterClrMapping/>
-  </p:clrMapOvr>
-</p:sld>
-</file>
-
-<file path=ppt/slides/slide41.xml><?xml version="1.0" encoding="utf-8"?>
 <p:sld xmlns:a="http://schemas.openxmlformats.org/drawingml/2006/main" xmlns:r="http://schemas.openxmlformats.org/officeDocument/2006/relationships" xmlns:p="http://schemas.openxmlformats.org/presentationml/2006/main">
   <p:cSld>
     <p:spTree>
@@ -22381,7 +21960,7 @@
           <a:p>
             <a:fld id="{4F883B06-9FA1-44A8-8ACD-51391BD89E0C}" type="slidenum">
               <a:rPr lang="en-CA" smtClean="0"/>
-              <a:t>41</a:t>
+              <a:t>40</a:t>
             </a:fld>
             <a:endParaRPr lang="en-CA"/>
           </a:p>
@@ -22432,7 +22011,7 @@
 </p:sld>
 </file>
 
-<file path=ppt/slides/slide42.xml><?xml version="1.0" encoding="utf-8"?>
+<file path=ppt/slides/slide41.xml><?xml version="1.0" encoding="utf-8"?>
 <p:sld xmlns:a="http://schemas.openxmlformats.org/drawingml/2006/main" xmlns:r="http://schemas.openxmlformats.org/officeDocument/2006/relationships" xmlns:p="http://schemas.openxmlformats.org/presentationml/2006/main">
   <p:cSld>
     <p:spTree>
@@ -22621,7 +22200,7 @@
           <a:p>
             <a:fld id="{4F883B06-9FA1-44A8-8ACD-51391BD89E0C}" type="slidenum">
               <a:rPr lang="en-CA" smtClean="0"/>
-              <a:t>42</a:t>
+              <a:t>41</a:t>
             </a:fld>
             <a:endParaRPr lang="en-CA"/>
           </a:p>
@@ -22733,7 +22312,7 @@
 </p:sld>
 </file>
 
-<file path=ppt/slides/slide43.xml><?xml version="1.0" encoding="utf-8"?>
+<file path=ppt/slides/slide42.xml><?xml version="1.0" encoding="utf-8"?>
 <p:sld xmlns:a="http://schemas.openxmlformats.org/drawingml/2006/main" xmlns:r="http://schemas.openxmlformats.org/officeDocument/2006/relationships" xmlns:p="http://schemas.openxmlformats.org/presentationml/2006/main">
   <p:cSld>
     <p:spTree>
@@ -22869,7 +22448,7 @@
           <a:p>
             <a:fld id="{4F883B06-9FA1-44A8-8ACD-51391BD89E0C}" type="slidenum">
               <a:rPr lang="en-CA" smtClean="0"/>
-              <a:t>43</a:t>
+              <a:t>42</a:t>
             </a:fld>
             <a:endParaRPr lang="en-CA"/>
           </a:p>
@@ -22920,7 +22499,7 @@
 </p:sld>
 </file>
 
-<file path=ppt/slides/slide44.xml><?xml version="1.0" encoding="utf-8"?>
+<file path=ppt/slides/slide43.xml><?xml version="1.0" encoding="utf-8"?>
 <p:sld xmlns:a="http://schemas.openxmlformats.org/drawingml/2006/main" xmlns:r="http://schemas.openxmlformats.org/officeDocument/2006/relationships" xmlns:p="http://schemas.openxmlformats.org/presentationml/2006/main">
   <p:cSld>
     <p:spTree>
@@ -23103,7 +22682,7 @@
           <a:p>
             <a:fld id="{4F883B06-9FA1-44A8-8ACD-51391BD89E0C}" type="slidenum">
               <a:rPr lang="en-CA" smtClean="0"/>
-              <a:t>44</a:t>
+              <a:t>43</a:t>
             </a:fld>
             <a:endParaRPr lang="en-CA"/>
           </a:p>
@@ -23215,7 +22794,7 @@
 </p:sld>
 </file>
 
-<file path=ppt/slides/slide45.xml><?xml version="1.0" encoding="utf-8"?>
+<file path=ppt/slides/slide44.xml><?xml version="1.0" encoding="utf-8"?>
 <p:sld xmlns:a="http://schemas.openxmlformats.org/drawingml/2006/main" xmlns:r="http://schemas.openxmlformats.org/officeDocument/2006/relationships" xmlns:p="http://schemas.openxmlformats.org/presentationml/2006/main">
   <p:cSld>
     <p:spTree>
@@ -23354,7 +22933,7 @@
           <a:p>
             <a:fld id="{4F883B06-9FA1-44A8-8ACD-51391BD89E0C}" type="slidenum">
               <a:rPr lang="en-CA" smtClean="0"/>
-              <a:t>45</a:t>
+              <a:t>44</a:t>
             </a:fld>
             <a:endParaRPr lang="en-CA"/>
           </a:p>
@@ -23405,7 +22984,7 @@
 </p:sld>
 </file>
 
-<file path=ppt/slides/slide46.xml><?xml version="1.0" encoding="utf-8"?>
+<file path=ppt/slides/slide45.xml><?xml version="1.0" encoding="utf-8"?>
 <p:sld xmlns:a="http://schemas.openxmlformats.org/drawingml/2006/main" xmlns:r="http://schemas.openxmlformats.org/officeDocument/2006/relationships" xmlns:p="http://schemas.openxmlformats.org/presentationml/2006/main">
   <p:cSld>
     <p:spTree>
@@ -23589,7 +23168,7 @@
           <a:p>
             <a:fld id="{4F883B06-9FA1-44A8-8ACD-51391BD89E0C}" type="slidenum">
               <a:rPr lang="en-CA" smtClean="0"/>
-              <a:t>46</a:t>
+              <a:t>45</a:t>
             </a:fld>
             <a:endParaRPr lang="en-CA"/>
           </a:p>
@@ -23701,7 +23280,7 @@
 </p:sld>
 </file>
 
-<file path=ppt/slides/slide47.xml><?xml version="1.0" encoding="utf-8"?>
+<file path=ppt/slides/slide46.xml><?xml version="1.0" encoding="utf-8"?>
 <p:sld xmlns:a="http://schemas.openxmlformats.org/drawingml/2006/main" xmlns:r="http://schemas.openxmlformats.org/officeDocument/2006/relationships" xmlns:p="http://schemas.openxmlformats.org/presentationml/2006/main">
   <p:cSld>
     <p:spTree>
@@ -23909,7 +23488,7 @@
           <a:p>
             <a:fld id="{4F883B06-9FA1-44A8-8ACD-51391BD89E0C}" type="slidenum">
               <a:rPr lang="en-CA" smtClean="0"/>
-              <a:t>47</a:t>
+              <a:t>46</a:t>
             </a:fld>
             <a:endParaRPr lang="en-CA"/>
           </a:p>
@@ -23960,7 +23539,7 @@
 </p:sld>
 </file>
 
-<file path=ppt/slides/slide48.xml><?xml version="1.0" encoding="utf-8"?>
+<file path=ppt/slides/slide47.xml><?xml version="1.0" encoding="utf-8"?>
 <p:sld xmlns:a="http://schemas.openxmlformats.org/drawingml/2006/main" xmlns:r="http://schemas.openxmlformats.org/officeDocument/2006/relationships" xmlns:p="http://schemas.openxmlformats.org/presentationml/2006/main">
   <p:cSld>
     <p:spTree>
@@ -24046,7 +23625,7 @@
           <a:p>
             <a:fld id="{4F883B06-9FA1-44A8-8ACD-51391BD89E0C}" type="slidenum">
               <a:rPr lang="en-CA" smtClean="0"/>
-              <a:t>48</a:t>
+              <a:t>47</a:t>
             </a:fld>
             <a:endParaRPr lang="en-CA"/>
           </a:p>
@@ -24056,175 +23635,6 @@
     <p:extLst>
       <p:ext uri="{BB962C8B-B14F-4D97-AF65-F5344CB8AC3E}">
         <p14:creationId xmlns:p14="http://schemas.microsoft.com/office/powerpoint/2010/main" val="4086500192"/>
-      </p:ext>
-    </p:extLst>
-  </p:cSld>
-  <p:clrMapOvr>
-    <a:masterClrMapping/>
-  </p:clrMapOvr>
-</p:sld>
-</file>
-
-<file path=ppt/slides/slide49.xml><?xml version="1.0" encoding="utf-8"?>
-<p:sld xmlns:a="http://schemas.openxmlformats.org/drawingml/2006/main" xmlns:r="http://schemas.openxmlformats.org/officeDocument/2006/relationships" xmlns:p="http://schemas.openxmlformats.org/presentationml/2006/main">
-  <p:cSld>
-    <p:spTree>
-      <p:nvGrpSpPr>
-        <p:cNvPr id="1" name="">
-          <a:extLst>
-            <a:ext uri="{FF2B5EF4-FFF2-40B4-BE49-F238E27FC236}">
-              <a16:creationId xmlns:a16="http://schemas.microsoft.com/office/drawing/2014/main" id="{B50B2765-CFBE-BC8B-360A-7C191A3E2583}"/>
-            </a:ext>
-          </a:extLst>
-        </p:cNvPr>
-        <p:cNvGrpSpPr/>
-        <p:nvPr/>
-      </p:nvGrpSpPr>
-      <p:grpSpPr>
-        <a:xfrm>
-          <a:off x="0" y="0"/>
-          <a:ext cx="0" cy="0"/>
-          <a:chOff x="0" y="0"/>
-          <a:chExt cx="0" cy="0"/>
-        </a:xfrm>
-      </p:grpSpPr>
-      <p:sp>
-        <p:nvSpPr>
-          <p:cNvPr id="4" name="Slide Number Placeholder 3">
-            <a:extLst>
-              <a:ext uri="{FF2B5EF4-FFF2-40B4-BE49-F238E27FC236}">
-                <a16:creationId xmlns:a16="http://schemas.microsoft.com/office/drawing/2014/main" id="{0656A112-104F-7A97-C5EA-E0CAB9D2D2DE}"/>
-              </a:ext>
-            </a:extLst>
-          </p:cNvPr>
-          <p:cNvSpPr>
-            <a:spLocks noGrp="1"/>
-          </p:cNvSpPr>
-          <p:nvPr>
-            <p:ph type="sldNum" sz="quarter" idx="12"/>
-          </p:nvPr>
-        </p:nvSpPr>
-        <p:spPr/>
-        <p:txBody>
-          <a:bodyPr/>
-          <a:lstStyle/>
-          <a:p>
-            <a:fld id="{4F883B06-9FA1-44A8-8ACD-51391BD89E0C}" type="slidenum">
-              <a:rPr lang="en-CA" smtClean="0"/>
-              <a:t>49</a:t>
-            </a:fld>
-            <a:endParaRPr lang="en-CA"/>
-          </a:p>
-        </p:txBody>
-      </p:sp>
-      <p:sp>
-        <p:nvSpPr>
-          <p:cNvPr id="6" name="Text Placeholder 5">
-            <a:extLst>
-              <a:ext uri="{FF2B5EF4-FFF2-40B4-BE49-F238E27FC236}">
-                <a16:creationId xmlns:a16="http://schemas.microsoft.com/office/drawing/2014/main" id="{BDE08975-8C3C-A22E-0641-BE97D39CA549}"/>
-              </a:ext>
-            </a:extLst>
-          </p:cNvPr>
-          <p:cNvSpPr>
-            <a:spLocks noGrp="1"/>
-          </p:cNvSpPr>
-          <p:nvPr>
-            <p:ph type="body" sz="quarter" idx="13"/>
-          </p:nvPr>
-        </p:nvSpPr>
-        <p:spPr>
-          <a:xfrm>
-            <a:off x="1410562" y="1230086"/>
-            <a:ext cx="8919981" cy="4397828"/>
-          </a:xfrm>
-        </p:spPr>
-        <p:txBody>
-          <a:bodyPr/>
-          <a:lstStyle/>
-          <a:p>
-            <a:pPr>
-              <a:lnSpc>
-                <a:spcPct val="125000"/>
-              </a:lnSpc>
-            </a:pPr>
-            <a:r>
-              <a:rPr lang="en-CA" sz="2400" dirty="0">
-                <a:solidFill>
-                  <a:srgbClr val="002A7E"/>
-                </a:solidFill>
-                <a:latin typeface="Inter Black" panose="02000A03000000020004" pitchFamily="2" charset="0"/>
-                <a:ea typeface="Inter Black" panose="02000A03000000020004" pitchFamily="2" charset="0"/>
-                <a:cs typeface="Inter Black" panose="02000A03000000020004" pitchFamily="2" charset="0"/>
-              </a:rPr>
-              <a:t>Course objective</a:t>
-            </a:r>
-          </a:p>
-          <a:p>
-            <a:pPr>
-              <a:lnSpc>
-                <a:spcPct val="125000"/>
-              </a:lnSpc>
-            </a:pPr>
-            <a:r>
-              <a:rPr lang="en-CA" dirty="0"/>
-              <a:t>How to write </a:t>
-            </a:r>
-            <a:r>
-              <a:rPr lang="en-CA" dirty="0">
-                <a:solidFill>
-                  <a:schemeClr val="accent1"/>
-                </a:solidFill>
-              </a:rPr>
-              <a:t>robust software</a:t>
-            </a:r>
-            <a:r>
-              <a:rPr lang="en-CA" dirty="0"/>
-              <a:t> in a </a:t>
-            </a:r>
-            <a:r>
-              <a:rPr lang="en-CA" dirty="0">
-                <a:solidFill>
-                  <a:schemeClr val="accent1"/>
-                </a:solidFill>
-              </a:rPr>
-              <a:t>team</a:t>
-            </a:r>
-            <a:r>
-              <a:rPr lang="en-CA" dirty="0"/>
-              <a:t> that we, our colleagues, and the public can </a:t>
-            </a:r>
-            <a:r>
-              <a:rPr lang="en-CA" dirty="0">
-                <a:solidFill>
-                  <a:schemeClr val="accent1"/>
-                </a:solidFill>
-              </a:rPr>
-              <a:t>trust</a:t>
-            </a:r>
-            <a:r>
-              <a:rPr lang="en-CA" dirty="0"/>
-              <a:t> and </a:t>
-            </a:r>
-            <a:r>
-              <a:rPr lang="en-CA" dirty="0">
-                <a:solidFill>
-                  <a:schemeClr val="accent1"/>
-                </a:solidFill>
-              </a:rPr>
-              <a:t>use with confidence</a:t>
-            </a:r>
-            <a:r>
-              <a:rPr lang="en-CA" dirty="0"/>
-              <a:t>.</a:t>
-            </a:r>
-          </a:p>
-        </p:txBody>
-      </p:sp>
-    </p:spTree>
-    <p:extLst>
-      <p:ext uri="{BB962C8B-B14F-4D97-AF65-F5344CB8AC3E}">
-        <p14:creationId xmlns:p14="http://schemas.microsoft.com/office/powerpoint/2010/main" val="4043788301"/>
       </p:ext>
     </p:extLst>
   </p:cSld>
@@ -24256,7 +23666,7 @@
           <p:cNvPr id="2" name="Title 1">
             <a:extLst>
               <a:ext uri="{FF2B5EF4-FFF2-40B4-BE49-F238E27FC236}">
-                <a16:creationId xmlns:a16="http://schemas.microsoft.com/office/drawing/2014/main" id="{2352CF0F-D868-B2D6-EBAF-9BF72AB02F80}"/>
+                <a16:creationId xmlns:a16="http://schemas.microsoft.com/office/drawing/2014/main" id="{9720D74A-2433-55A2-6422-35B9FB915E53}"/>
               </a:ext>
             </a:extLst>
           </p:cNvPr>
@@ -24274,78 +23684,8 @@
           <a:p>
             <a:r>
               <a:rPr lang="en-CA" dirty="0"/>
-              <a:t>What is version control?</a:t>
-            </a:r>
-          </a:p>
-        </p:txBody>
-      </p:sp>
-      <p:sp>
-        <p:nvSpPr>
-          <p:cNvPr id="3" name="Content Placeholder 2">
-            <a:extLst>
-              <a:ext uri="{FF2B5EF4-FFF2-40B4-BE49-F238E27FC236}">
-                <a16:creationId xmlns:a16="http://schemas.microsoft.com/office/drawing/2014/main" id="{6A40D71C-3A4A-554C-654F-4BA955473EDF}"/>
-              </a:ext>
-            </a:extLst>
-          </p:cNvPr>
-          <p:cNvSpPr>
-            <a:spLocks noGrp="1"/>
-          </p:cNvSpPr>
-          <p:nvPr>
-            <p:ph idx="1"/>
-          </p:nvPr>
-        </p:nvSpPr>
-        <p:spPr/>
-        <p:txBody>
-          <a:bodyPr>
-            <a:normAutofit lnSpcReduction="10000"/>
-          </a:bodyPr>
-          <a:lstStyle/>
-          <a:p>
-            <a:pPr marL="0" indent="0">
-              <a:buNone/>
-            </a:pPr>
-            <a:r>
-              <a:rPr lang="en-US" dirty="0"/>
-              <a:t>Version Control Systems (VCS) can do a number of things and can be applied on nearly any type of file on our computers:</a:t>
-            </a:r>
-          </a:p>
-          <a:p>
-            <a:r>
-              <a:rPr lang="en-US" dirty="0"/>
-              <a:t>revert files to a previous state</a:t>
-            </a:r>
-          </a:p>
-          <a:p>
-            <a:r>
-              <a:rPr lang="en-US" dirty="0"/>
-              <a:t>revert entire project to a previous state</a:t>
-            </a:r>
-          </a:p>
-          <a:p>
-            <a:r>
-              <a:rPr lang="en-US" dirty="0"/>
-              <a:t>compare changes over time</a:t>
-            </a:r>
-          </a:p>
-          <a:p>
-            <a:r>
-              <a:rPr lang="en-US" dirty="0"/>
-              <a:t>see who modified something last</a:t>
-            </a:r>
-          </a:p>
-          <a:p>
-            <a:r>
-              <a:rPr lang="en-US" dirty="0"/>
-              <a:t>who introduced an issue and when</a:t>
-            </a:r>
-          </a:p>
-          <a:p>
-            <a:r>
-              <a:rPr lang="en-US" dirty="0"/>
-              <a:t>recover lost files</a:t>
-            </a:r>
-            <a:endParaRPr lang="en-CA" dirty="0"/>
+              <a:t>Why version control for software?</a:t>
+            </a:r>
           </a:p>
         </p:txBody>
       </p:sp>
@@ -24354,7 +23694,7 @@
           <p:cNvPr id="4" name="Slide Number Placeholder 3">
             <a:extLst>
               <a:ext uri="{FF2B5EF4-FFF2-40B4-BE49-F238E27FC236}">
-                <a16:creationId xmlns:a16="http://schemas.microsoft.com/office/drawing/2014/main" id="{29C44507-5AE6-90E7-4802-F0EF8B4CD16F}"/>
+                <a16:creationId xmlns:a16="http://schemas.microsoft.com/office/drawing/2014/main" id="{7609AC2C-AEA1-AE14-33E0-74ECD289F085}"/>
               </a:ext>
             </a:extLst>
           </p:cNvPr>
@@ -24373,283 +23713,6 @@
             <a:fld id="{4F883B06-9FA1-44A8-8ACD-51391BD89E0C}" type="slidenum">
               <a:rPr lang="en-CA" smtClean="0"/>
               <a:t>5</a:t>
-            </a:fld>
-            <a:endParaRPr lang="en-CA"/>
-          </a:p>
-        </p:txBody>
-      </p:sp>
-      <p:sp>
-        <p:nvSpPr>
-          <p:cNvPr id="5" name="Text Placeholder 4">
-            <a:extLst>
-              <a:ext uri="{FF2B5EF4-FFF2-40B4-BE49-F238E27FC236}">
-                <a16:creationId xmlns:a16="http://schemas.microsoft.com/office/drawing/2014/main" id="{3DC53B79-E3D5-DB8F-F9A7-71A44C43C297}"/>
-              </a:ext>
-            </a:extLst>
-          </p:cNvPr>
-          <p:cNvSpPr>
-            <a:spLocks noGrp="1"/>
-          </p:cNvSpPr>
-          <p:nvPr>
-            <p:ph type="body" sz="quarter" idx="13"/>
-          </p:nvPr>
-        </p:nvSpPr>
-        <p:spPr/>
-        <p:txBody>
-          <a:bodyPr/>
-          <a:lstStyle/>
-          <a:p>
-            <a:r>
-              <a:rPr lang="en-CA" dirty="0"/>
-              <a:t>Git: </a:t>
-            </a:r>
-            <a:r>
-              <a:rPr lang="en-CA" b="0" dirty="0"/>
-              <a:t>Introduction</a:t>
-            </a:r>
-          </a:p>
-        </p:txBody>
-      </p:sp>
-    </p:spTree>
-    <p:extLst>
-      <p:ext uri="{BB962C8B-B14F-4D97-AF65-F5344CB8AC3E}">
-        <p14:creationId xmlns:p14="http://schemas.microsoft.com/office/powerpoint/2010/main" val="1957460853"/>
-      </p:ext>
-    </p:extLst>
-  </p:cSld>
-  <p:clrMapOvr>
-    <a:masterClrMapping/>
-  </p:clrMapOvr>
-</p:sld>
-</file>
-
-<file path=ppt/slides/slide50.xml><?xml version="1.0" encoding="utf-8"?>
-<p:sld xmlns:a="http://schemas.openxmlformats.org/drawingml/2006/main" xmlns:r="http://schemas.openxmlformats.org/officeDocument/2006/relationships" xmlns:p="http://schemas.openxmlformats.org/presentationml/2006/main">
-  <p:cSld>
-    <p:spTree>
-      <p:nvGrpSpPr>
-        <p:cNvPr id="1" name=""/>
-        <p:cNvGrpSpPr/>
-        <p:nvPr/>
-      </p:nvGrpSpPr>
-      <p:grpSpPr>
-        <a:xfrm>
-          <a:off x="0" y="0"/>
-          <a:ext cx="0" cy="0"/>
-          <a:chOff x="0" y="0"/>
-          <a:chExt cx="0" cy="0"/>
-        </a:xfrm>
-      </p:grpSpPr>
-      <p:sp>
-        <p:nvSpPr>
-          <p:cNvPr id="7" name="Title 6">
-            <a:extLst>
-              <a:ext uri="{FF2B5EF4-FFF2-40B4-BE49-F238E27FC236}">
-                <a16:creationId xmlns:a16="http://schemas.microsoft.com/office/drawing/2014/main" id="{44459679-58C1-E569-6722-82FCE045FF38}"/>
-              </a:ext>
-            </a:extLst>
-          </p:cNvPr>
-          <p:cNvSpPr>
-            <a:spLocks noGrp="1"/>
-          </p:cNvSpPr>
-          <p:nvPr>
-            <p:ph type="title"/>
-          </p:nvPr>
-        </p:nvSpPr>
-        <p:spPr/>
-        <p:txBody>
-          <a:bodyPr/>
-          <a:lstStyle/>
-          <a:p>
-            <a:r>
-              <a:rPr lang="en-CA" dirty="0"/>
-              <a:t>Homework #1</a:t>
-            </a:r>
-          </a:p>
-        </p:txBody>
-      </p:sp>
-      <p:sp>
-        <p:nvSpPr>
-          <p:cNvPr id="8" name="Content Placeholder 7">
-            <a:extLst>
-              <a:ext uri="{FF2B5EF4-FFF2-40B4-BE49-F238E27FC236}">
-                <a16:creationId xmlns:a16="http://schemas.microsoft.com/office/drawing/2014/main" id="{781FE38C-6658-BF07-4611-32EB68E95835}"/>
-              </a:ext>
-            </a:extLst>
-          </p:cNvPr>
-          <p:cNvSpPr>
-            <a:spLocks noGrp="1"/>
-          </p:cNvSpPr>
-          <p:nvPr>
-            <p:ph idx="1"/>
-          </p:nvPr>
-        </p:nvSpPr>
-        <p:spPr/>
-        <p:txBody>
-          <a:bodyPr/>
-          <a:lstStyle/>
-          <a:p>
-            <a:r>
-              <a:rPr lang="en-CA" dirty="0"/>
-              <a:t>Due tomorrow before class</a:t>
-            </a:r>
-          </a:p>
-          <a:p>
-            <a:r>
-              <a:rPr lang="en-CA" dirty="0"/>
-              <a:t>Create a README.md file, commit, then upload to GitHub</a:t>
-            </a:r>
-          </a:p>
-          <a:p>
-            <a:endParaRPr lang="en-CA" dirty="0"/>
-          </a:p>
-          <a:p>
-            <a:r>
-              <a:rPr lang="en-CA" dirty="0"/>
-              <a:t>Detailed instructions on the GitHub repo</a:t>
-            </a:r>
-          </a:p>
-          <a:p>
-            <a:endParaRPr lang="en-CA" dirty="0"/>
-          </a:p>
-        </p:txBody>
-      </p:sp>
-      <p:sp>
-        <p:nvSpPr>
-          <p:cNvPr id="4" name="Slide Number Placeholder 3">
-            <a:extLst>
-              <a:ext uri="{FF2B5EF4-FFF2-40B4-BE49-F238E27FC236}">
-                <a16:creationId xmlns:a16="http://schemas.microsoft.com/office/drawing/2014/main" id="{0F816E99-CAB3-4822-226F-E90A69C9D619}"/>
-              </a:ext>
-            </a:extLst>
-          </p:cNvPr>
-          <p:cNvSpPr>
-            <a:spLocks noGrp="1"/>
-          </p:cNvSpPr>
-          <p:nvPr>
-            <p:ph type="sldNum" sz="quarter" idx="12"/>
-          </p:nvPr>
-        </p:nvSpPr>
-        <p:spPr/>
-        <p:txBody>
-          <a:bodyPr/>
-          <a:lstStyle/>
-          <a:p>
-            <a:fld id="{4D042A53-EC6C-4ABE-8EF8-06E66F9ABFC9}" type="slidenum">
-              <a:rPr lang="en-CA" smtClean="0"/>
-              <a:t>50</a:t>
-            </a:fld>
-            <a:endParaRPr lang="en-CA"/>
-          </a:p>
-        </p:txBody>
-      </p:sp>
-      <p:sp>
-        <p:nvSpPr>
-          <p:cNvPr id="9" name="Text Placeholder 8">
-            <a:extLst>
-              <a:ext uri="{FF2B5EF4-FFF2-40B4-BE49-F238E27FC236}">
-                <a16:creationId xmlns:a16="http://schemas.microsoft.com/office/drawing/2014/main" id="{DA0E72EA-1C1B-56FB-6E13-2CFF94BE7C84}"/>
-              </a:ext>
-            </a:extLst>
-          </p:cNvPr>
-          <p:cNvSpPr>
-            <a:spLocks noGrp="1"/>
-          </p:cNvSpPr>
-          <p:nvPr>
-            <p:ph type="body" sz="quarter" idx="13"/>
-          </p:nvPr>
-        </p:nvSpPr>
-        <p:spPr/>
-        <p:txBody>
-          <a:bodyPr/>
-          <a:lstStyle/>
-          <a:p>
-            <a:endParaRPr lang="en-CA" dirty="0"/>
-          </a:p>
-        </p:txBody>
-      </p:sp>
-    </p:spTree>
-    <p:extLst>
-      <p:ext uri="{BB962C8B-B14F-4D97-AF65-F5344CB8AC3E}">
-        <p14:creationId xmlns:p14="http://schemas.microsoft.com/office/powerpoint/2010/main" val="1272274739"/>
-      </p:ext>
-    </p:extLst>
-  </p:cSld>
-  <p:clrMapOvr>
-    <a:masterClrMapping/>
-  </p:clrMapOvr>
-</p:sld>
-</file>
-
-<file path=ppt/slides/slide6.xml><?xml version="1.0" encoding="utf-8"?>
-<p:sld xmlns:a="http://schemas.openxmlformats.org/drawingml/2006/main" xmlns:r="http://schemas.openxmlformats.org/officeDocument/2006/relationships" xmlns:p="http://schemas.openxmlformats.org/presentationml/2006/main">
-  <p:cSld>
-    <p:spTree>
-      <p:nvGrpSpPr>
-        <p:cNvPr id="1" name=""/>
-        <p:cNvGrpSpPr/>
-        <p:nvPr/>
-      </p:nvGrpSpPr>
-      <p:grpSpPr>
-        <a:xfrm>
-          <a:off x="0" y="0"/>
-          <a:ext cx="0" cy="0"/>
-          <a:chOff x="0" y="0"/>
-          <a:chExt cx="0" cy="0"/>
-        </a:xfrm>
-      </p:grpSpPr>
-      <p:sp>
-        <p:nvSpPr>
-          <p:cNvPr id="2" name="Title 1">
-            <a:extLst>
-              <a:ext uri="{FF2B5EF4-FFF2-40B4-BE49-F238E27FC236}">
-                <a16:creationId xmlns:a16="http://schemas.microsoft.com/office/drawing/2014/main" id="{9720D74A-2433-55A2-6422-35B9FB915E53}"/>
-              </a:ext>
-            </a:extLst>
-          </p:cNvPr>
-          <p:cNvSpPr>
-            <a:spLocks noGrp="1"/>
-          </p:cNvSpPr>
-          <p:nvPr>
-            <p:ph type="title"/>
-          </p:nvPr>
-        </p:nvSpPr>
-        <p:spPr/>
-        <p:txBody>
-          <a:bodyPr/>
-          <a:lstStyle/>
-          <a:p>
-            <a:r>
-              <a:rPr lang="en-CA" dirty="0"/>
-              <a:t>Why version control for software?</a:t>
-            </a:r>
-          </a:p>
-        </p:txBody>
-      </p:sp>
-      <p:sp>
-        <p:nvSpPr>
-          <p:cNvPr id="4" name="Slide Number Placeholder 3">
-            <a:extLst>
-              <a:ext uri="{FF2B5EF4-FFF2-40B4-BE49-F238E27FC236}">
-                <a16:creationId xmlns:a16="http://schemas.microsoft.com/office/drawing/2014/main" id="{7609AC2C-AEA1-AE14-33E0-74ECD289F085}"/>
-              </a:ext>
-            </a:extLst>
-          </p:cNvPr>
-          <p:cNvSpPr>
-            <a:spLocks noGrp="1"/>
-          </p:cNvSpPr>
-          <p:nvPr>
-            <p:ph type="sldNum" sz="quarter" idx="12"/>
-          </p:nvPr>
-        </p:nvSpPr>
-        <p:spPr/>
-        <p:txBody>
-          <a:bodyPr/>
-          <a:lstStyle/>
-          <a:p>
-            <a:fld id="{4F883B06-9FA1-44A8-8ACD-51391BD89E0C}" type="slidenum">
-              <a:rPr lang="en-CA" smtClean="0"/>
-              <a:t>6</a:t>
             </a:fld>
             <a:endParaRPr lang="en-CA"/>
           </a:p>
@@ -24747,7 +23810,7 @@
 </p:sld>
 </file>
 
-<file path=ppt/slides/slide7.xml><?xml version="1.0" encoding="utf-8"?>
+<file path=ppt/slides/slide6.xml><?xml version="1.0" encoding="utf-8"?>
 <p:sld xmlns:a="http://schemas.openxmlformats.org/drawingml/2006/main" xmlns:r="http://schemas.openxmlformats.org/officeDocument/2006/relationships" xmlns:p="http://schemas.openxmlformats.org/presentationml/2006/main">
   <p:cSld>
     <p:spTree>
@@ -24882,7 +23945,7 @@
           <a:p>
             <a:fld id="{4F883B06-9FA1-44A8-8ACD-51391BD89E0C}" type="slidenum">
               <a:rPr lang="en-CA" smtClean="0"/>
-              <a:t>7</a:t>
+              <a:t>6</a:t>
             </a:fld>
             <a:endParaRPr lang="en-CA"/>
           </a:p>
@@ -24933,7 +23996,7 @@
 </p:sld>
 </file>
 
-<file path=ppt/slides/slide8.xml><?xml version="1.0" encoding="utf-8"?>
+<file path=ppt/slides/slide7.xml><?xml version="1.0" encoding="utf-8"?>
 <p:sld xmlns:a="http://schemas.openxmlformats.org/drawingml/2006/main" xmlns:r="http://schemas.openxmlformats.org/officeDocument/2006/relationships" xmlns:p="http://schemas.openxmlformats.org/presentationml/2006/main">
   <p:cSld>
     <p:spTree>
@@ -25071,7 +24134,7 @@
           <a:p>
             <a:fld id="{4F883B06-9FA1-44A8-8ACD-51391BD89E0C}" type="slidenum">
               <a:rPr lang="en-CA" smtClean="0"/>
-              <a:t>8</a:t>
+              <a:t>7</a:t>
             </a:fld>
             <a:endParaRPr lang="en-CA"/>
           </a:p>
@@ -25156,6 +24219,175 @@
 </p:sld>
 </file>
 
+<file path=ppt/slides/slide8.xml><?xml version="1.0" encoding="utf-8"?>
+<p:sld xmlns:a="http://schemas.openxmlformats.org/drawingml/2006/main" xmlns:r="http://schemas.openxmlformats.org/officeDocument/2006/relationships" xmlns:p="http://schemas.openxmlformats.org/presentationml/2006/main">
+  <p:cSld>
+    <p:spTree>
+      <p:nvGrpSpPr>
+        <p:cNvPr id="1" name=""/>
+        <p:cNvGrpSpPr/>
+        <p:nvPr/>
+      </p:nvGrpSpPr>
+      <p:grpSpPr>
+        <a:xfrm>
+          <a:off x="0" y="0"/>
+          <a:ext cx="0" cy="0"/>
+          <a:chOff x="0" y="0"/>
+          <a:chExt cx="0" cy="0"/>
+        </a:xfrm>
+      </p:grpSpPr>
+      <p:sp>
+        <p:nvSpPr>
+          <p:cNvPr id="2" name="Title 1">
+            <a:extLst>
+              <a:ext uri="{FF2B5EF4-FFF2-40B4-BE49-F238E27FC236}">
+                <a16:creationId xmlns:a16="http://schemas.microsoft.com/office/drawing/2014/main" id="{7FA71CB6-D4E8-1987-A358-F4F61E53F0A4}"/>
+              </a:ext>
+            </a:extLst>
+          </p:cNvPr>
+          <p:cNvSpPr>
+            <a:spLocks noGrp="1"/>
+          </p:cNvSpPr>
+          <p:nvPr>
+            <p:ph type="title"/>
+          </p:nvPr>
+        </p:nvSpPr>
+        <p:spPr/>
+        <p:txBody>
+          <a:bodyPr/>
+          <a:lstStyle/>
+          <a:p>
+            <a:r>
+              <a:rPr lang="en-CA" dirty="0"/>
+              <a:t>Installing Git</a:t>
+            </a:r>
+          </a:p>
+        </p:txBody>
+      </p:sp>
+      <p:sp>
+        <p:nvSpPr>
+          <p:cNvPr id="3" name="Content Placeholder 2">
+            <a:extLst>
+              <a:ext uri="{FF2B5EF4-FFF2-40B4-BE49-F238E27FC236}">
+                <a16:creationId xmlns:a16="http://schemas.microsoft.com/office/drawing/2014/main" id="{C7D0344C-1990-D33B-E43A-05CA9C29664F}"/>
+              </a:ext>
+            </a:extLst>
+          </p:cNvPr>
+          <p:cNvSpPr>
+            <a:spLocks noGrp="1"/>
+          </p:cNvSpPr>
+          <p:nvPr>
+            <p:ph idx="1"/>
+          </p:nvPr>
+        </p:nvSpPr>
+        <p:spPr/>
+        <p:txBody>
+          <a:bodyPr/>
+          <a:lstStyle/>
+          <a:p>
+            <a:pPr marL="0" indent="0">
+              <a:buNone/>
+            </a:pPr>
+            <a:r>
+              <a:rPr lang="en-CA" dirty="0"/>
+              <a:t>Please see the environment setup instructions in the Onboarding repository:</a:t>
+            </a:r>
+          </a:p>
+          <a:p>
+            <a:pPr marL="0" indent="0">
+              <a:buNone/>
+            </a:pPr>
+            <a:r>
+              <a:rPr lang="en-CA" dirty="0">
+                <a:hlinkClick r:id="rId3"/>
+              </a:rPr>
+              <a:t>https://github.com/UofT-DSI/Onboarding/tree/main/environment_setup</a:t>
+            </a:r>
+            <a:endParaRPr lang="en-CA" dirty="0"/>
+          </a:p>
+          <a:p>
+            <a:pPr marL="0" indent="0">
+              <a:buNone/>
+            </a:pPr>
+            <a:endParaRPr lang="en-CA" dirty="0"/>
+          </a:p>
+        </p:txBody>
+      </p:sp>
+      <p:sp>
+        <p:nvSpPr>
+          <p:cNvPr id="4" name="Slide Number Placeholder 3">
+            <a:extLst>
+              <a:ext uri="{FF2B5EF4-FFF2-40B4-BE49-F238E27FC236}">
+                <a16:creationId xmlns:a16="http://schemas.microsoft.com/office/drawing/2014/main" id="{157BB24B-0279-02F7-A987-9D8AA1C710E0}"/>
+              </a:ext>
+            </a:extLst>
+          </p:cNvPr>
+          <p:cNvSpPr>
+            <a:spLocks noGrp="1"/>
+          </p:cNvSpPr>
+          <p:nvPr>
+            <p:ph type="sldNum" sz="quarter" idx="12"/>
+          </p:nvPr>
+        </p:nvSpPr>
+        <p:spPr/>
+        <p:txBody>
+          <a:bodyPr/>
+          <a:lstStyle/>
+          <a:p>
+            <a:fld id="{4F883B06-9FA1-44A8-8ACD-51391BD89E0C}" type="slidenum">
+              <a:rPr lang="en-CA" smtClean="0"/>
+              <a:t>8</a:t>
+            </a:fld>
+            <a:endParaRPr lang="en-CA"/>
+          </a:p>
+        </p:txBody>
+      </p:sp>
+      <p:sp>
+        <p:nvSpPr>
+          <p:cNvPr id="5" name="Text Placeholder 4">
+            <a:extLst>
+              <a:ext uri="{FF2B5EF4-FFF2-40B4-BE49-F238E27FC236}">
+                <a16:creationId xmlns:a16="http://schemas.microsoft.com/office/drawing/2014/main" id="{51E00F0A-C3C0-7032-329F-78A9BCE69C1B}"/>
+              </a:ext>
+            </a:extLst>
+          </p:cNvPr>
+          <p:cNvSpPr>
+            <a:spLocks noGrp="1"/>
+          </p:cNvSpPr>
+          <p:nvPr>
+            <p:ph type="body" sz="quarter" idx="13"/>
+          </p:nvPr>
+        </p:nvSpPr>
+        <p:spPr/>
+        <p:txBody>
+          <a:bodyPr/>
+          <a:lstStyle/>
+          <a:p>
+            <a:r>
+              <a:rPr lang="en-CA" dirty="0"/>
+              <a:t>Git: </a:t>
+            </a:r>
+            <a:r>
+              <a:rPr lang="en-CA" b="0" dirty="0"/>
+              <a:t>Installation</a:t>
+            </a:r>
+            <a:endParaRPr lang="en-CA" dirty="0"/>
+          </a:p>
+        </p:txBody>
+      </p:sp>
+    </p:spTree>
+    <p:extLst>
+      <p:ext uri="{BB962C8B-B14F-4D97-AF65-F5344CB8AC3E}">
+        <p14:creationId xmlns:p14="http://schemas.microsoft.com/office/powerpoint/2010/main" val="3787418882"/>
+      </p:ext>
+    </p:extLst>
+  </p:cSld>
+  <p:clrMapOvr>
+    <a:masterClrMapping/>
+  </p:clrMapOvr>
+</p:sld>
+</file>
+
 <file path=ppt/slides/slide9.xml><?xml version="1.0" encoding="utf-8"?>
 <p:sld xmlns:a="http://schemas.openxmlformats.org/drawingml/2006/main" xmlns:r="http://schemas.openxmlformats.org/officeDocument/2006/relationships" xmlns:p="http://schemas.openxmlformats.org/presentationml/2006/main">
   <p:cSld>
@@ -25178,7 +24410,7 @@
           <p:cNvPr id="2" name="Title 1">
             <a:extLst>
               <a:ext uri="{FF2B5EF4-FFF2-40B4-BE49-F238E27FC236}">
-                <a16:creationId xmlns:a16="http://schemas.microsoft.com/office/drawing/2014/main" id="{7FA71CB6-D4E8-1987-A358-F4F61E53F0A4}"/>
+                <a16:creationId xmlns:a16="http://schemas.microsoft.com/office/drawing/2014/main" id="{C055A425-FA34-F5B6-F45F-022F6EE8FFB9}"/>
               </a:ext>
             </a:extLst>
           </p:cNvPr>
@@ -25195,8 +24427,18 @@
           <a:lstStyle/>
           <a:p>
             <a:r>
+              <a:rPr lang="en-CA" dirty="0">
+                <a:solidFill>
+                  <a:schemeClr val="accent3">
+                    <a:lumMod val="75000"/>
+                  </a:schemeClr>
+                </a:solidFill>
+              </a:rPr>
+              <a:t>$&gt; </a:t>
+            </a:r>
+            <a:r>
               <a:rPr lang="en-CA" dirty="0"/>
-              <a:t>Installing Git</a:t>
+              <a:t>Interactive live coding</a:t>
             </a:r>
           </a:p>
         </p:txBody>
@@ -25206,7 +24448,7 @@
           <p:cNvPr id="3" name="Content Placeholder 2">
             <a:extLst>
               <a:ext uri="{FF2B5EF4-FFF2-40B4-BE49-F238E27FC236}">
-                <a16:creationId xmlns:a16="http://schemas.microsoft.com/office/drawing/2014/main" id="{C7D0344C-1990-D33B-E43A-05CA9C29664F}"/>
+                <a16:creationId xmlns:a16="http://schemas.microsoft.com/office/drawing/2014/main" id="{D8156B90-C52A-40AE-5B99-7C857DD49DE6}"/>
               </a:ext>
             </a:extLst>
           </p:cNvPr>
@@ -25226,27 +24468,94 @@
               <a:buNone/>
             </a:pPr>
             <a:r>
-              <a:rPr lang="en-CA" dirty="0"/>
-              <a:t>Please see the environment setup instructions in the Onboarding repository:</a:t>
-            </a:r>
-          </a:p>
-          <a:p>
-            <a:pPr marL="0" indent="0">
-              <a:buNone/>
+              <a:rPr lang="en-CA" b="1" dirty="0"/>
+              <a:t>Setup identity information on the Git command line:</a:t>
+            </a:r>
+          </a:p>
+          <a:p>
+            <a:pPr marL="457200" indent="-457200">
+              <a:buFont typeface="+mj-lt"/>
+              <a:buAutoNum type="arabicPeriod"/>
             </a:pPr>
             <a:r>
               <a:rPr lang="en-CA" dirty="0">
-                <a:hlinkClick r:id="rId3"/>
+                <a:latin typeface="Cascadia Code" panose="020B0609020000020004" pitchFamily="49" charset="0"/>
+                <a:ea typeface="Cascadia Code" panose="020B0609020000020004" pitchFamily="49" charset="0"/>
+                <a:cs typeface="Cascadia Code" panose="020B0609020000020004" pitchFamily="49" charset="0"/>
               </a:rPr>
-              <a:t>https://github.com/UofT-DSI/Onboarding/tree/main/environment_setup</a:t>
-            </a:r>
-            <a:endParaRPr lang="en-CA" dirty="0"/>
-          </a:p>
-          <a:p>
-            <a:pPr marL="0" indent="0">
-              <a:buNone/>
+              <a:t>git config --list</a:t>
+            </a:r>
+          </a:p>
+          <a:p>
+            <a:pPr marL="457200" indent="-457200">
+              <a:buFont typeface="+mj-lt"/>
+              <a:buAutoNum type="arabicPeriod"/>
             </a:pPr>
-            <a:endParaRPr lang="en-CA" dirty="0"/>
+            <a:r>
+              <a:rPr lang="en-CA" dirty="0">
+                <a:latin typeface="Cascadia Code" panose="020B0609020000020004" pitchFamily="49" charset="0"/>
+                <a:ea typeface="Cascadia Code" panose="020B0609020000020004" pitchFamily="49" charset="0"/>
+                <a:cs typeface="Cascadia Code" panose="020B0609020000020004" pitchFamily="49" charset="0"/>
+              </a:rPr>
+              <a:t>git config --global user.name</a:t>
+            </a:r>
+          </a:p>
+          <a:p>
+            <a:pPr marL="457200" indent="-457200">
+              <a:buFont typeface="+mj-lt"/>
+              <a:buAutoNum type="arabicPeriod"/>
+            </a:pPr>
+            <a:r>
+              <a:rPr lang="en-CA" dirty="0">
+                <a:latin typeface="Cascadia Code" panose="020B0609020000020004" pitchFamily="49" charset="0"/>
+                <a:ea typeface="Cascadia Code" panose="020B0609020000020004" pitchFamily="49" charset="0"/>
+                <a:cs typeface="Cascadia Code" panose="020B0609020000020004" pitchFamily="49" charset="0"/>
+              </a:rPr>
+              <a:t>git config --global </a:t>
+            </a:r>
+            <a:r>
+              <a:rPr lang="en-CA" dirty="0" err="1">
+                <a:latin typeface="Cascadia Code" panose="020B0609020000020004" pitchFamily="49" charset="0"/>
+                <a:ea typeface="Cascadia Code" panose="020B0609020000020004" pitchFamily="49" charset="0"/>
+                <a:cs typeface="Cascadia Code" panose="020B0609020000020004" pitchFamily="49" charset="0"/>
+              </a:rPr>
+              <a:t>user.email</a:t>
+            </a:r>
+            <a:endParaRPr lang="en-CA" dirty="0">
+              <a:latin typeface="Cascadia Code" panose="020B0609020000020004" pitchFamily="49" charset="0"/>
+              <a:ea typeface="Cascadia Code" panose="020B0609020000020004" pitchFamily="49" charset="0"/>
+              <a:cs typeface="Cascadia Code" panose="020B0609020000020004" pitchFamily="49" charset="0"/>
+            </a:endParaRPr>
+          </a:p>
+          <a:p>
+            <a:pPr marL="457200" indent="-457200">
+              <a:buFont typeface="+mj-lt"/>
+              <a:buAutoNum type="arabicPeriod"/>
+            </a:pPr>
+            <a:r>
+              <a:rPr lang="en-CA" dirty="0">
+                <a:latin typeface="Cascadia Code" panose="020B0609020000020004" pitchFamily="49" charset="0"/>
+                <a:ea typeface="Cascadia Code" panose="020B0609020000020004" pitchFamily="49" charset="0"/>
+                <a:cs typeface="Cascadia Code" panose="020B0609020000020004" pitchFamily="49" charset="0"/>
+              </a:rPr>
+              <a:t>git config --global </a:t>
+            </a:r>
+            <a:r>
+              <a:rPr lang="en-CA" dirty="0" err="1">
+                <a:latin typeface="Cascadia Code" panose="020B0609020000020004" pitchFamily="49" charset="0"/>
+                <a:ea typeface="Cascadia Code" panose="020B0609020000020004" pitchFamily="49" charset="0"/>
+                <a:cs typeface="Cascadia Code" panose="020B0609020000020004" pitchFamily="49" charset="0"/>
+              </a:rPr>
+              <a:t>core.editor</a:t>
+            </a:r>
+            <a:r>
+              <a:rPr lang="en-CA" dirty="0">
+                <a:latin typeface="Cascadia Code" panose="020B0609020000020004" pitchFamily="49" charset="0"/>
+                <a:ea typeface="Cascadia Code" panose="020B0609020000020004" pitchFamily="49" charset="0"/>
+                <a:cs typeface="Cascadia Code" panose="020B0609020000020004" pitchFamily="49" charset="0"/>
+              </a:rPr>
+              <a:t> “code --wait”</a:t>
+            </a:r>
           </a:p>
         </p:txBody>
       </p:sp>
@@ -25255,7 +24564,7 @@
           <p:cNvPr id="4" name="Slide Number Placeholder 3">
             <a:extLst>
               <a:ext uri="{FF2B5EF4-FFF2-40B4-BE49-F238E27FC236}">
-                <a16:creationId xmlns:a16="http://schemas.microsoft.com/office/drawing/2014/main" id="{157BB24B-0279-02F7-A987-9D8AA1C710E0}"/>
+                <a16:creationId xmlns:a16="http://schemas.microsoft.com/office/drawing/2014/main" id="{E6039016-11A4-F1A2-7AFA-F3A481C488DC}"/>
               </a:ext>
             </a:extLst>
           </p:cNvPr>
@@ -25284,7 +24593,7 @@
           <p:cNvPr id="5" name="Text Placeholder 4">
             <a:extLst>
               <a:ext uri="{FF2B5EF4-FFF2-40B4-BE49-F238E27FC236}">
-                <a16:creationId xmlns:a16="http://schemas.microsoft.com/office/drawing/2014/main" id="{51E00F0A-C3C0-7032-329F-78A9BCE69C1B}"/>
+                <a16:creationId xmlns:a16="http://schemas.microsoft.com/office/drawing/2014/main" id="{7BC482A4-A039-5260-679F-7CF3C2B2B1E7}"/>
               </a:ext>
             </a:extLst>
           </p:cNvPr>
@@ -25302,20 +24611,76 @@
           <a:p>
             <a:r>
               <a:rPr lang="en-CA" dirty="0"/>
-              <a:t>Git: </a:t>
-            </a:r>
-            <a:r>
-              <a:rPr lang="en-CA" b="0" dirty="0"/>
-              <a:t>Installation</a:t>
-            </a:r>
-            <a:endParaRPr lang="en-CA" dirty="0"/>
+              <a:t>Git configuration</a:t>
+            </a:r>
+          </a:p>
+        </p:txBody>
+      </p:sp>
+      <p:sp>
+        <p:nvSpPr>
+          <p:cNvPr id="6" name="Rectangle 5">
+            <a:extLst>
+              <a:ext uri="{FF2B5EF4-FFF2-40B4-BE49-F238E27FC236}">
+                <a16:creationId xmlns:a16="http://schemas.microsoft.com/office/drawing/2014/main" id="{A4FC91DB-02AF-1000-D378-DAC7768E9970}"/>
+              </a:ext>
+            </a:extLst>
+          </p:cNvPr>
+          <p:cNvSpPr/>
+          <p:nvPr/>
+        </p:nvSpPr>
+        <p:spPr>
+          <a:xfrm>
+            <a:off x="533400" y="379624"/>
+            <a:ext cx="89452" cy="6154945"/>
+          </a:xfrm>
+          <a:prstGeom prst="rect">
+            <a:avLst/>
+          </a:prstGeom>
+          <a:solidFill>
+            <a:schemeClr val="tx1">
+              <a:lumMod val="50000"/>
+              <a:lumOff val="50000"/>
+            </a:schemeClr>
+          </a:solidFill>
+          <a:ln>
+            <a:noFill/>
+          </a:ln>
+        </p:spPr>
+        <p:style>
+          <a:lnRef idx="2">
+            <a:schemeClr val="accent1">
+              <a:shade val="15000"/>
+            </a:schemeClr>
+          </a:lnRef>
+          <a:fillRef idx="1">
+            <a:schemeClr val="accent1"/>
+          </a:fillRef>
+          <a:effectRef idx="0">
+            <a:schemeClr val="accent1"/>
+          </a:effectRef>
+          <a:fontRef idx="minor">
+            <a:schemeClr val="lt1"/>
+          </a:fontRef>
+        </p:style>
+        <p:txBody>
+          <a:bodyPr rtlCol="0" anchor="ctr"/>
+          <a:lstStyle/>
+          <a:p>
+            <a:pPr algn="ctr"/>
+            <a:endParaRPr lang="en-CA">
+              <a:solidFill>
+                <a:schemeClr val="accent3">
+                  <a:lumMod val="75000"/>
+                </a:schemeClr>
+              </a:solidFill>
+            </a:endParaRPr>
           </a:p>
         </p:txBody>
       </p:sp>
     </p:spTree>
     <p:extLst>
       <p:ext uri="{BB962C8B-B14F-4D97-AF65-F5344CB8AC3E}">
-        <p14:creationId xmlns:p14="http://schemas.microsoft.com/office/powerpoint/2010/main" val="3787418882"/>
+        <p14:creationId xmlns:p14="http://schemas.microsoft.com/office/powerpoint/2010/main" val="2940773449"/>
       </p:ext>
     </p:extLst>
   </p:cSld>
